--- a/FMCAD Poster.pptx
+++ b/FMCAD Poster.pptx
@@ -2,18 +2,18 @@
 <file path=ppt/presentation.xml><?xml version="1.0" encoding="utf-8"?>
 <p:presentation xmlns:a="http://schemas.openxmlformats.org/drawingml/2006/main" xmlns:r="http://schemas.openxmlformats.org/officeDocument/2006/relationships" xmlns:p="http://schemas.openxmlformats.org/presentationml/2006/main" saveSubsetFonts="1">
   <p:sldMasterIdLst>
-    <p:sldMasterId id="2147483660" r:id="rId1"/>
+    <p:sldMasterId id="2147483672" r:id="rId1"/>
   </p:sldMasterIdLst>
   <p:sldIdLst>
     <p:sldId id="257" r:id="rId2"/>
   </p:sldIdLst>
-  <p:sldSz cx="12192000" cy="6858000"/>
-  <p:notesSz cx="6858000" cy="9144000"/>
+  <p:sldSz cx="6858000" cy="9906000" type="A4"/>
+  <p:notesSz cx="7010400" cy="9296400"/>
   <p:defaultTextStyle>
     <a:defPPr>
       <a:defRPr lang="en-US"/>
     </a:defPPr>
-    <a:lvl1pPr marL="0" algn="l" defTabSz="914400" rtl="0" eaLnBrk="1" latinLnBrk="0" hangingPunct="1">
+    <a:lvl1pPr marL="0" algn="l" defTabSz="457200" rtl="0" eaLnBrk="1" latinLnBrk="0" hangingPunct="1">
       <a:defRPr sz="1800" kern="1200">
         <a:solidFill>
           <a:schemeClr val="tx1"/>
@@ -23,7 +23,7 @@
         <a:cs typeface="+mn-cs"/>
       </a:defRPr>
     </a:lvl1pPr>
-    <a:lvl2pPr marL="457200" algn="l" defTabSz="914400" rtl="0" eaLnBrk="1" latinLnBrk="0" hangingPunct="1">
+    <a:lvl2pPr marL="457200" algn="l" defTabSz="457200" rtl="0" eaLnBrk="1" latinLnBrk="0" hangingPunct="1">
       <a:defRPr sz="1800" kern="1200">
         <a:solidFill>
           <a:schemeClr val="tx1"/>
@@ -33,7 +33,7 @@
         <a:cs typeface="+mn-cs"/>
       </a:defRPr>
     </a:lvl2pPr>
-    <a:lvl3pPr marL="914400" algn="l" defTabSz="914400" rtl="0" eaLnBrk="1" latinLnBrk="0" hangingPunct="1">
+    <a:lvl3pPr marL="914400" algn="l" defTabSz="457200" rtl="0" eaLnBrk="1" latinLnBrk="0" hangingPunct="1">
       <a:defRPr sz="1800" kern="1200">
         <a:solidFill>
           <a:schemeClr val="tx1"/>
@@ -43,7 +43,7 @@
         <a:cs typeface="+mn-cs"/>
       </a:defRPr>
     </a:lvl3pPr>
-    <a:lvl4pPr marL="1371600" algn="l" defTabSz="914400" rtl="0" eaLnBrk="1" latinLnBrk="0" hangingPunct="1">
+    <a:lvl4pPr marL="1371600" algn="l" defTabSz="457200" rtl="0" eaLnBrk="1" latinLnBrk="0" hangingPunct="1">
       <a:defRPr sz="1800" kern="1200">
         <a:solidFill>
           <a:schemeClr val="tx1"/>
@@ -53,7 +53,7 @@
         <a:cs typeface="+mn-cs"/>
       </a:defRPr>
     </a:lvl4pPr>
-    <a:lvl5pPr marL="1828800" algn="l" defTabSz="914400" rtl="0" eaLnBrk="1" latinLnBrk="0" hangingPunct="1">
+    <a:lvl5pPr marL="1828800" algn="l" defTabSz="457200" rtl="0" eaLnBrk="1" latinLnBrk="0" hangingPunct="1">
       <a:defRPr sz="1800" kern="1200">
         <a:solidFill>
           <a:schemeClr val="tx1"/>
@@ -63,7 +63,7 @@
         <a:cs typeface="+mn-cs"/>
       </a:defRPr>
     </a:lvl5pPr>
-    <a:lvl6pPr marL="2286000" algn="l" defTabSz="914400" rtl="0" eaLnBrk="1" latinLnBrk="0" hangingPunct="1">
+    <a:lvl6pPr marL="2286000" algn="l" defTabSz="457200" rtl="0" eaLnBrk="1" latinLnBrk="0" hangingPunct="1">
       <a:defRPr sz="1800" kern="1200">
         <a:solidFill>
           <a:schemeClr val="tx1"/>
@@ -73,7 +73,7 @@
         <a:cs typeface="+mn-cs"/>
       </a:defRPr>
     </a:lvl6pPr>
-    <a:lvl7pPr marL="2743200" algn="l" defTabSz="914400" rtl="0" eaLnBrk="1" latinLnBrk="0" hangingPunct="1">
+    <a:lvl7pPr marL="2743200" algn="l" defTabSz="457200" rtl="0" eaLnBrk="1" latinLnBrk="0" hangingPunct="1">
       <a:defRPr sz="1800" kern="1200">
         <a:solidFill>
           <a:schemeClr val="tx1"/>
@@ -83,7 +83,7 @@
         <a:cs typeface="+mn-cs"/>
       </a:defRPr>
     </a:lvl7pPr>
-    <a:lvl8pPr marL="3200400" algn="l" defTabSz="914400" rtl="0" eaLnBrk="1" latinLnBrk="0" hangingPunct="1">
+    <a:lvl8pPr marL="3200400" algn="l" defTabSz="457200" rtl="0" eaLnBrk="1" latinLnBrk="0" hangingPunct="1">
       <a:defRPr sz="1800" kern="1200">
         <a:solidFill>
           <a:schemeClr val="tx1"/>
@@ -93,7 +93,7 @@
         <a:cs typeface="+mn-cs"/>
       </a:defRPr>
     </a:lvl8pPr>
-    <a:lvl9pPr marL="3657600" algn="l" defTabSz="914400" rtl="0" eaLnBrk="1" latinLnBrk="0" hangingPunct="1">
+    <a:lvl9pPr marL="3657600" algn="l" defTabSz="457200" rtl="0" eaLnBrk="1" latinLnBrk="0" hangingPunct="1">
       <a:defRPr sz="1800" kern="1200">
         <a:solidFill>
           <a:schemeClr val="tx1"/>
@@ -115,10 +115,10 @@
 <file path=ppt/revisionInfo.xml><?xml version="1.0" encoding="utf-8"?>
 <p1510:revInfo xmlns:a="http://schemas.openxmlformats.org/drawingml/2006/main" xmlns:r="http://schemas.openxmlformats.org/officeDocument/2006/relationships" xmlns:p1510="http://schemas.microsoft.com/office/powerpoint/2015/10/main">
   <p1510:revLst>
+    <p1510:client id="{FD8E1D27-11F9-1F91-3558-DE17A3379917}" v="55" dt="2019-09-28T02:48:01.550"/>
+    <p1510:client id="{869EC253-3183-9D03-DEF4-48C017D3C47D}" v="51" dt="2019-09-27T23:52:25.014"/>
     <p1510:client id="{4FB6AA68-809D-F51E-F4CE-AD11CF5F0493}" v="609" dt="2019-09-28T00:46:43.085"/>
-    <p1510:client id="{869EC253-3183-9D03-DEF4-48C017D3C47D}" v="51" dt="2019-09-27T23:52:25.014"/>
     <p1510:client id="{B0A645ED-900C-C548-20FF-3E18CB47768F}" v="91" dt="2019-09-28T01:00:44.013"/>
-    <p1510:client id="{FD8E1D27-11F9-1F91-3558-DE17A3379917}" v="55" dt="2019-09-28T02:48:01.550"/>
   </p1510:revLst>
 </p1510:revInfo>
 </file>
@@ -444,15 +444,15 @@
         </p:nvSpPr>
         <p:spPr>
           <a:xfrm>
-            <a:off x="1524000" y="1122363"/>
-            <a:ext cx="9144000" cy="2387600"/>
+            <a:off x="514350" y="1621191"/>
+            <a:ext cx="5829300" cy="3448756"/>
           </a:xfrm>
         </p:spPr>
         <p:txBody>
           <a:bodyPr anchor="b"/>
           <a:lstStyle>
             <a:lvl1pPr algn="ctr">
-              <a:defRPr sz="6000"/>
+              <a:defRPr sz="4500"/>
             </a:lvl1pPr>
           </a:lstStyle>
           <a:p>
@@ -476,8 +476,8 @@
         </p:nvSpPr>
         <p:spPr>
           <a:xfrm>
-            <a:off x="1524000" y="3602038"/>
-            <a:ext cx="9144000" cy="1655762"/>
+            <a:off x="857250" y="5202944"/>
+            <a:ext cx="5143500" cy="2391656"/>
           </a:xfrm>
         </p:spPr>
         <p:txBody>
@@ -485,39 +485,39 @@
           <a:lstStyle>
             <a:lvl1pPr marL="0" indent="0" algn="ctr">
               <a:buNone/>
-              <a:defRPr sz="2400"/>
+              <a:defRPr sz="1800"/>
             </a:lvl1pPr>
-            <a:lvl2pPr marL="457200" indent="0" algn="ctr">
-              <a:buNone/>
-              <a:defRPr sz="2000"/>
+            <a:lvl2pPr marL="342900" indent="0" algn="ctr">
+              <a:buNone/>
+              <a:defRPr sz="1500"/>
             </a:lvl2pPr>
-            <a:lvl3pPr marL="914400" indent="0" algn="ctr">
-              <a:buNone/>
-              <a:defRPr sz="1800"/>
+            <a:lvl3pPr marL="685800" indent="0" algn="ctr">
+              <a:buNone/>
+              <a:defRPr sz="1350"/>
             </a:lvl3pPr>
-            <a:lvl4pPr marL="1371600" indent="0" algn="ctr">
-              <a:buNone/>
-              <a:defRPr sz="1600"/>
+            <a:lvl4pPr marL="1028700" indent="0" algn="ctr">
+              <a:buNone/>
+              <a:defRPr sz="1200"/>
             </a:lvl4pPr>
-            <a:lvl5pPr marL="1828800" indent="0" algn="ctr">
-              <a:buNone/>
-              <a:defRPr sz="1600"/>
+            <a:lvl5pPr marL="1371600" indent="0" algn="ctr">
+              <a:buNone/>
+              <a:defRPr sz="1200"/>
             </a:lvl5pPr>
-            <a:lvl6pPr marL="2286000" indent="0" algn="ctr">
-              <a:buNone/>
-              <a:defRPr sz="1600"/>
+            <a:lvl6pPr marL="1714500" indent="0" algn="ctr">
+              <a:buNone/>
+              <a:defRPr sz="1200"/>
             </a:lvl6pPr>
-            <a:lvl7pPr marL="2743200" indent="0" algn="ctr">
-              <a:buNone/>
-              <a:defRPr sz="1600"/>
+            <a:lvl7pPr marL="2057400" indent="0" algn="ctr">
+              <a:buNone/>
+              <a:defRPr sz="1200"/>
             </a:lvl7pPr>
-            <a:lvl8pPr marL="3200400" indent="0" algn="ctr">
-              <a:buNone/>
-              <a:defRPr sz="1600"/>
+            <a:lvl8pPr marL="2400300" indent="0" algn="ctr">
+              <a:buNone/>
+              <a:defRPr sz="1200"/>
             </a:lvl8pPr>
-            <a:lvl9pPr marL="3657600" indent="0" algn="ctr">
-              <a:buNone/>
-              <a:defRPr sz="1600"/>
+            <a:lvl9pPr marL="2743200" indent="0" algn="ctr">
+              <a:buNone/>
+              <a:defRPr sz="1200"/>
             </a:lvl9pPr>
           </a:lstStyle>
           <a:p>
@@ -546,7 +546,7 @@
           <a:p>
             <a:fld id="{846CE7D5-CF57-46EF-B807-FDD0502418D4}" type="datetimeFigureOut">
               <a:rPr lang="en-US" smtClean="0"/>
-              <a:t>9/27/2019</a:t>
+              <a:t>10/3/2019</a:t>
             </a:fld>
             <a:endParaRPr lang="en-US"/>
           </a:p>
@@ -597,7 +597,7 @@
     </p:spTree>
     <p:extLst>
       <p:ext uri="{BB962C8B-B14F-4D97-AF65-F5344CB8AC3E}">
-        <p14:creationId xmlns:p14="http://schemas.microsoft.com/office/powerpoint/2010/main" val="2385387890"/>
+        <p14:creationId xmlns:p14="http://schemas.microsoft.com/office/powerpoint/2010/main" val="1031529143"/>
       </p:ext>
     </p:extLst>
   </p:cSld>
@@ -716,7 +716,7 @@
           <a:p>
             <a:fld id="{846CE7D5-CF57-46EF-B807-FDD0502418D4}" type="datetimeFigureOut">
               <a:rPr lang="en-US" smtClean="0"/>
-              <a:t>9/27/2019</a:t>
+              <a:t>10/3/2019</a:t>
             </a:fld>
             <a:endParaRPr lang="en-US"/>
           </a:p>
@@ -767,7 +767,7 @@
     </p:spTree>
     <p:extLst>
       <p:ext uri="{BB962C8B-B14F-4D97-AF65-F5344CB8AC3E}">
-        <p14:creationId xmlns:p14="http://schemas.microsoft.com/office/powerpoint/2010/main" val="2202905451"/>
+        <p14:creationId xmlns:p14="http://schemas.microsoft.com/office/powerpoint/2010/main" val="2885819805"/>
       </p:ext>
     </p:extLst>
   </p:cSld>
@@ -806,8 +806,8 @@
         </p:nvSpPr>
         <p:spPr>
           <a:xfrm>
-            <a:off x="8724900" y="365125"/>
-            <a:ext cx="2628900" cy="5811838"/>
+            <a:off x="4907757" y="527403"/>
+            <a:ext cx="1478756" cy="8394877"/>
           </a:xfrm>
         </p:spPr>
         <p:txBody>
@@ -834,8 +834,8 @@
         </p:nvSpPr>
         <p:spPr>
           <a:xfrm>
-            <a:off x="838200" y="365125"/>
-            <a:ext cx="7734300" cy="5811838"/>
+            <a:off x="471488" y="527403"/>
+            <a:ext cx="4350544" cy="8394877"/>
           </a:xfrm>
         </p:spPr>
         <p:txBody>
@@ -896,7 +896,7 @@
           <a:p>
             <a:fld id="{846CE7D5-CF57-46EF-B807-FDD0502418D4}" type="datetimeFigureOut">
               <a:rPr lang="en-US" smtClean="0"/>
-              <a:t>9/27/2019</a:t>
+              <a:t>10/3/2019</a:t>
             </a:fld>
             <a:endParaRPr lang="en-US"/>
           </a:p>
@@ -947,7 +947,7 @@
     </p:spTree>
     <p:extLst>
       <p:ext uri="{BB962C8B-B14F-4D97-AF65-F5344CB8AC3E}">
-        <p14:creationId xmlns:p14="http://schemas.microsoft.com/office/powerpoint/2010/main" val="3479445657"/>
+        <p14:creationId xmlns:p14="http://schemas.microsoft.com/office/powerpoint/2010/main" val="1901126840"/>
       </p:ext>
     </p:extLst>
   </p:cSld>
@@ -1066,7 +1066,7 @@
           <a:p>
             <a:fld id="{846CE7D5-CF57-46EF-B807-FDD0502418D4}" type="datetimeFigureOut">
               <a:rPr lang="en-US" smtClean="0"/>
-              <a:t>9/27/2019</a:t>
+              <a:t>10/3/2019</a:t>
             </a:fld>
             <a:endParaRPr lang="en-US"/>
           </a:p>
@@ -1117,7 +1117,7 @@
     </p:spTree>
     <p:extLst>
       <p:ext uri="{BB962C8B-B14F-4D97-AF65-F5344CB8AC3E}">
-        <p14:creationId xmlns:p14="http://schemas.microsoft.com/office/powerpoint/2010/main" val="949138452"/>
+        <p14:creationId xmlns:p14="http://schemas.microsoft.com/office/powerpoint/2010/main" val="4121980252"/>
       </p:ext>
     </p:extLst>
   </p:cSld>
@@ -1156,15 +1156,15 @@
         </p:nvSpPr>
         <p:spPr>
           <a:xfrm>
-            <a:off x="831850" y="1709738"/>
-            <a:ext cx="10515600" cy="2852737"/>
+            <a:off x="467916" y="2469624"/>
+            <a:ext cx="5915025" cy="4120620"/>
           </a:xfrm>
         </p:spPr>
         <p:txBody>
           <a:bodyPr anchor="b"/>
           <a:lstStyle>
             <a:lvl1pPr>
-              <a:defRPr sz="6000"/>
+              <a:defRPr sz="4500"/>
             </a:lvl1pPr>
           </a:lstStyle>
           <a:p>
@@ -1188,8 +1188,8 @@
         </p:nvSpPr>
         <p:spPr>
           <a:xfrm>
-            <a:off x="831850" y="4589463"/>
-            <a:ext cx="10515600" cy="1500187"/>
+            <a:off x="467916" y="6629226"/>
+            <a:ext cx="5915025" cy="2166937"/>
           </a:xfrm>
         </p:spPr>
         <p:txBody>
@@ -1197,17 +1197,15 @@
           <a:lstStyle>
             <a:lvl1pPr marL="0" indent="0">
               <a:buNone/>
-              <a:defRPr sz="2400">
+              <a:defRPr sz="1800">
                 <a:solidFill>
-                  <a:schemeClr val="tx1">
-                    <a:tint val="75000"/>
-                  </a:schemeClr>
+                  <a:schemeClr val="tx1"/>
                 </a:solidFill>
               </a:defRPr>
             </a:lvl1pPr>
-            <a:lvl2pPr marL="457200" indent="0">
-              <a:buNone/>
-              <a:defRPr sz="2000">
+            <a:lvl2pPr marL="342900" indent="0">
+              <a:buNone/>
+              <a:defRPr sz="1500">
                 <a:solidFill>
                   <a:schemeClr val="tx1">
                     <a:tint val="75000"/>
@@ -1215,9 +1213,9 @@
                 </a:solidFill>
               </a:defRPr>
             </a:lvl2pPr>
-            <a:lvl3pPr marL="914400" indent="0">
-              <a:buNone/>
-              <a:defRPr sz="1800">
+            <a:lvl3pPr marL="685800" indent="0">
+              <a:buNone/>
+              <a:defRPr sz="1350">
                 <a:solidFill>
                   <a:schemeClr val="tx1">
                     <a:tint val="75000"/>
@@ -1225,9 +1223,9 @@
                 </a:solidFill>
               </a:defRPr>
             </a:lvl3pPr>
-            <a:lvl4pPr marL="1371600" indent="0">
-              <a:buNone/>
-              <a:defRPr sz="1600">
+            <a:lvl4pPr marL="1028700" indent="0">
+              <a:buNone/>
+              <a:defRPr sz="1200">
                 <a:solidFill>
                   <a:schemeClr val="tx1">
                     <a:tint val="75000"/>
@@ -1235,9 +1233,9 @@
                 </a:solidFill>
               </a:defRPr>
             </a:lvl4pPr>
-            <a:lvl5pPr marL="1828800" indent="0">
-              <a:buNone/>
-              <a:defRPr sz="1600">
+            <a:lvl5pPr marL="1371600" indent="0">
+              <a:buNone/>
+              <a:defRPr sz="1200">
                 <a:solidFill>
                   <a:schemeClr val="tx1">
                     <a:tint val="75000"/>
@@ -1245,9 +1243,9 @@
                 </a:solidFill>
               </a:defRPr>
             </a:lvl5pPr>
-            <a:lvl6pPr marL="2286000" indent="0">
-              <a:buNone/>
-              <a:defRPr sz="1600">
+            <a:lvl6pPr marL="1714500" indent="0">
+              <a:buNone/>
+              <a:defRPr sz="1200">
                 <a:solidFill>
                   <a:schemeClr val="tx1">
                     <a:tint val="75000"/>
@@ -1255,9 +1253,9 @@
                 </a:solidFill>
               </a:defRPr>
             </a:lvl6pPr>
-            <a:lvl7pPr marL="2743200" indent="0">
-              <a:buNone/>
-              <a:defRPr sz="1600">
+            <a:lvl7pPr marL="2057400" indent="0">
+              <a:buNone/>
+              <a:defRPr sz="1200">
                 <a:solidFill>
                   <a:schemeClr val="tx1">
                     <a:tint val="75000"/>
@@ -1265,9 +1263,9 @@
                 </a:solidFill>
               </a:defRPr>
             </a:lvl7pPr>
-            <a:lvl8pPr marL="3200400" indent="0">
-              <a:buNone/>
-              <a:defRPr sz="1600">
+            <a:lvl8pPr marL="2400300" indent="0">
+              <a:buNone/>
+              <a:defRPr sz="1200">
                 <a:solidFill>
                   <a:schemeClr val="tx1">
                     <a:tint val="75000"/>
@@ -1275,9 +1273,9 @@
                 </a:solidFill>
               </a:defRPr>
             </a:lvl8pPr>
-            <a:lvl9pPr marL="3657600" indent="0">
-              <a:buNone/>
-              <a:defRPr sz="1600">
+            <a:lvl9pPr marL="2743200" indent="0">
+              <a:buNone/>
+              <a:defRPr sz="1200">
                 <a:solidFill>
                   <a:schemeClr val="tx1">
                     <a:tint val="75000"/>
@@ -1312,7 +1310,7 @@
           <a:p>
             <a:fld id="{846CE7D5-CF57-46EF-B807-FDD0502418D4}" type="datetimeFigureOut">
               <a:rPr lang="en-US" smtClean="0"/>
-              <a:t>9/27/2019</a:t>
+              <a:t>10/3/2019</a:t>
             </a:fld>
             <a:endParaRPr lang="en-US"/>
           </a:p>
@@ -1363,7 +1361,7 @@
     </p:spTree>
     <p:extLst>
       <p:ext uri="{BB962C8B-B14F-4D97-AF65-F5344CB8AC3E}">
-        <p14:creationId xmlns:p14="http://schemas.microsoft.com/office/powerpoint/2010/main" val="2591524520"/>
+        <p14:creationId xmlns:p14="http://schemas.microsoft.com/office/powerpoint/2010/main" val="217401271"/>
       </p:ext>
     </p:extLst>
   </p:cSld>
@@ -1425,8 +1423,8 @@
         </p:nvSpPr>
         <p:spPr>
           <a:xfrm>
-            <a:off x="838200" y="1825625"/>
-            <a:ext cx="5181600" cy="4351338"/>
+            <a:off x="471488" y="2637014"/>
+            <a:ext cx="2914650" cy="6285266"/>
           </a:xfrm>
         </p:spPr>
         <p:txBody>
@@ -1482,8 +1480,8 @@
         </p:nvSpPr>
         <p:spPr>
           <a:xfrm>
-            <a:off x="6172200" y="1825625"/>
-            <a:ext cx="5181600" cy="4351338"/>
+            <a:off x="3471863" y="2637014"/>
+            <a:ext cx="2914650" cy="6285266"/>
           </a:xfrm>
         </p:spPr>
         <p:txBody>
@@ -1544,7 +1542,7 @@
           <a:p>
             <a:fld id="{846CE7D5-CF57-46EF-B807-FDD0502418D4}" type="datetimeFigureOut">
               <a:rPr lang="en-US" smtClean="0"/>
-              <a:t>9/27/2019</a:t>
+              <a:t>10/3/2019</a:t>
             </a:fld>
             <a:endParaRPr lang="en-US"/>
           </a:p>
@@ -1595,7 +1593,7 @@
     </p:spTree>
     <p:extLst>
       <p:ext uri="{BB962C8B-B14F-4D97-AF65-F5344CB8AC3E}">
-        <p14:creationId xmlns:p14="http://schemas.microsoft.com/office/powerpoint/2010/main" val="1203092039"/>
+        <p14:creationId xmlns:p14="http://schemas.microsoft.com/office/powerpoint/2010/main" val="3025736102"/>
       </p:ext>
     </p:extLst>
   </p:cSld>
@@ -1634,8 +1632,8 @@
         </p:nvSpPr>
         <p:spPr>
           <a:xfrm>
-            <a:off x="839788" y="365125"/>
-            <a:ext cx="10515600" cy="1325563"/>
+            <a:off x="472381" y="527405"/>
+            <a:ext cx="5915025" cy="1914702"/>
           </a:xfrm>
         </p:spPr>
         <p:txBody>
@@ -1662,8 +1660,8 @@
         </p:nvSpPr>
         <p:spPr>
           <a:xfrm>
-            <a:off x="839788" y="1681163"/>
-            <a:ext cx="5157787" cy="823912"/>
+            <a:off x="472381" y="2428347"/>
+            <a:ext cx="2901255" cy="1190095"/>
           </a:xfrm>
         </p:spPr>
         <p:txBody>
@@ -1671,39 +1669,39 @@
           <a:lstStyle>
             <a:lvl1pPr marL="0" indent="0">
               <a:buNone/>
-              <a:defRPr sz="2400" b="1"/>
+              <a:defRPr sz="1800" b="1"/>
             </a:lvl1pPr>
-            <a:lvl2pPr marL="457200" indent="0">
-              <a:buNone/>
-              <a:defRPr sz="2000" b="1"/>
+            <a:lvl2pPr marL="342900" indent="0">
+              <a:buNone/>
+              <a:defRPr sz="1500" b="1"/>
             </a:lvl2pPr>
-            <a:lvl3pPr marL="914400" indent="0">
-              <a:buNone/>
-              <a:defRPr sz="1800" b="1"/>
+            <a:lvl3pPr marL="685800" indent="0">
+              <a:buNone/>
+              <a:defRPr sz="1350" b="1"/>
             </a:lvl3pPr>
-            <a:lvl4pPr marL="1371600" indent="0">
-              <a:buNone/>
-              <a:defRPr sz="1600" b="1"/>
+            <a:lvl4pPr marL="1028700" indent="0">
+              <a:buNone/>
+              <a:defRPr sz="1200" b="1"/>
             </a:lvl4pPr>
-            <a:lvl5pPr marL="1828800" indent="0">
-              <a:buNone/>
-              <a:defRPr sz="1600" b="1"/>
+            <a:lvl5pPr marL="1371600" indent="0">
+              <a:buNone/>
+              <a:defRPr sz="1200" b="1"/>
             </a:lvl5pPr>
-            <a:lvl6pPr marL="2286000" indent="0">
-              <a:buNone/>
-              <a:defRPr sz="1600" b="1"/>
+            <a:lvl6pPr marL="1714500" indent="0">
+              <a:buNone/>
+              <a:defRPr sz="1200" b="1"/>
             </a:lvl6pPr>
-            <a:lvl7pPr marL="2743200" indent="0">
-              <a:buNone/>
-              <a:defRPr sz="1600" b="1"/>
+            <a:lvl7pPr marL="2057400" indent="0">
+              <a:buNone/>
+              <a:defRPr sz="1200" b="1"/>
             </a:lvl7pPr>
-            <a:lvl8pPr marL="3200400" indent="0">
-              <a:buNone/>
-              <a:defRPr sz="1600" b="1"/>
+            <a:lvl8pPr marL="2400300" indent="0">
+              <a:buNone/>
+              <a:defRPr sz="1200" b="1"/>
             </a:lvl8pPr>
-            <a:lvl9pPr marL="3657600" indent="0">
-              <a:buNone/>
-              <a:defRPr sz="1600" b="1"/>
+            <a:lvl9pPr marL="2743200" indent="0">
+              <a:buNone/>
+              <a:defRPr sz="1200" b="1"/>
             </a:lvl9pPr>
           </a:lstStyle>
           <a:p>
@@ -1727,8 +1725,8 @@
         </p:nvSpPr>
         <p:spPr>
           <a:xfrm>
-            <a:off x="839788" y="2505075"/>
-            <a:ext cx="5157787" cy="3684588"/>
+            <a:off x="472381" y="3618442"/>
+            <a:ext cx="2901255" cy="5322183"/>
           </a:xfrm>
         </p:spPr>
         <p:txBody>
@@ -1784,8 +1782,8 @@
         </p:nvSpPr>
         <p:spPr>
           <a:xfrm>
-            <a:off x="6172200" y="1681163"/>
-            <a:ext cx="5183188" cy="823912"/>
+            <a:off x="3471863" y="2428347"/>
+            <a:ext cx="2915543" cy="1190095"/>
           </a:xfrm>
         </p:spPr>
         <p:txBody>
@@ -1793,39 +1791,39 @@
           <a:lstStyle>
             <a:lvl1pPr marL="0" indent="0">
               <a:buNone/>
-              <a:defRPr sz="2400" b="1"/>
+              <a:defRPr sz="1800" b="1"/>
             </a:lvl1pPr>
-            <a:lvl2pPr marL="457200" indent="0">
-              <a:buNone/>
-              <a:defRPr sz="2000" b="1"/>
+            <a:lvl2pPr marL="342900" indent="0">
+              <a:buNone/>
+              <a:defRPr sz="1500" b="1"/>
             </a:lvl2pPr>
-            <a:lvl3pPr marL="914400" indent="0">
-              <a:buNone/>
-              <a:defRPr sz="1800" b="1"/>
+            <a:lvl3pPr marL="685800" indent="0">
+              <a:buNone/>
+              <a:defRPr sz="1350" b="1"/>
             </a:lvl3pPr>
-            <a:lvl4pPr marL="1371600" indent="0">
-              <a:buNone/>
-              <a:defRPr sz="1600" b="1"/>
+            <a:lvl4pPr marL="1028700" indent="0">
+              <a:buNone/>
+              <a:defRPr sz="1200" b="1"/>
             </a:lvl4pPr>
-            <a:lvl5pPr marL="1828800" indent="0">
-              <a:buNone/>
-              <a:defRPr sz="1600" b="1"/>
+            <a:lvl5pPr marL="1371600" indent="0">
+              <a:buNone/>
+              <a:defRPr sz="1200" b="1"/>
             </a:lvl5pPr>
-            <a:lvl6pPr marL="2286000" indent="0">
-              <a:buNone/>
-              <a:defRPr sz="1600" b="1"/>
+            <a:lvl6pPr marL="1714500" indent="0">
+              <a:buNone/>
+              <a:defRPr sz="1200" b="1"/>
             </a:lvl6pPr>
-            <a:lvl7pPr marL="2743200" indent="0">
-              <a:buNone/>
-              <a:defRPr sz="1600" b="1"/>
+            <a:lvl7pPr marL="2057400" indent="0">
+              <a:buNone/>
+              <a:defRPr sz="1200" b="1"/>
             </a:lvl7pPr>
-            <a:lvl8pPr marL="3200400" indent="0">
-              <a:buNone/>
-              <a:defRPr sz="1600" b="1"/>
+            <a:lvl8pPr marL="2400300" indent="0">
+              <a:buNone/>
+              <a:defRPr sz="1200" b="1"/>
             </a:lvl8pPr>
-            <a:lvl9pPr marL="3657600" indent="0">
-              <a:buNone/>
-              <a:defRPr sz="1600" b="1"/>
+            <a:lvl9pPr marL="2743200" indent="0">
+              <a:buNone/>
+              <a:defRPr sz="1200" b="1"/>
             </a:lvl9pPr>
           </a:lstStyle>
           <a:p>
@@ -1849,8 +1847,8 @@
         </p:nvSpPr>
         <p:spPr>
           <a:xfrm>
-            <a:off x="6172200" y="2505075"/>
-            <a:ext cx="5183188" cy="3684588"/>
+            <a:off x="3471863" y="3618442"/>
+            <a:ext cx="2915543" cy="5322183"/>
           </a:xfrm>
         </p:spPr>
         <p:txBody>
@@ -1911,7 +1909,7 @@
           <a:p>
             <a:fld id="{846CE7D5-CF57-46EF-B807-FDD0502418D4}" type="datetimeFigureOut">
               <a:rPr lang="en-US" smtClean="0"/>
-              <a:t>9/27/2019</a:t>
+              <a:t>10/3/2019</a:t>
             </a:fld>
             <a:endParaRPr lang="en-US"/>
           </a:p>
@@ -1962,7 +1960,7 @@
     </p:spTree>
     <p:extLst>
       <p:ext uri="{BB962C8B-B14F-4D97-AF65-F5344CB8AC3E}">
-        <p14:creationId xmlns:p14="http://schemas.microsoft.com/office/powerpoint/2010/main" val="3733172339"/>
+        <p14:creationId xmlns:p14="http://schemas.microsoft.com/office/powerpoint/2010/main" val="398899674"/>
       </p:ext>
     </p:extLst>
   </p:cSld>
@@ -2029,7 +2027,7 @@
           <a:p>
             <a:fld id="{846CE7D5-CF57-46EF-B807-FDD0502418D4}" type="datetimeFigureOut">
               <a:rPr lang="en-US" smtClean="0"/>
-              <a:t>9/27/2019</a:t>
+              <a:t>10/3/2019</a:t>
             </a:fld>
             <a:endParaRPr lang="en-US"/>
           </a:p>
@@ -2080,7 +2078,7 @@
     </p:spTree>
     <p:extLst>
       <p:ext uri="{BB962C8B-B14F-4D97-AF65-F5344CB8AC3E}">
-        <p14:creationId xmlns:p14="http://schemas.microsoft.com/office/powerpoint/2010/main" val="3210312558"/>
+        <p14:creationId xmlns:p14="http://schemas.microsoft.com/office/powerpoint/2010/main" val="1458756310"/>
       </p:ext>
     </p:extLst>
   </p:cSld>
@@ -2124,7 +2122,7 @@
           <a:p>
             <a:fld id="{846CE7D5-CF57-46EF-B807-FDD0502418D4}" type="datetimeFigureOut">
               <a:rPr lang="en-US" smtClean="0"/>
-              <a:t>9/27/2019</a:t>
+              <a:t>10/3/2019</a:t>
             </a:fld>
             <a:endParaRPr lang="en-US"/>
           </a:p>
@@ -2175,7 +2173,7 @@
     </p:spTree>
     <p:extLst>
       <p:ext uri="{BB962C8B-B14F-4D97-AF65-F5344CB8AC3E}">
-        <p14:creationId xmlns:p14="http://schemas.microsoft.com/office/powerpoint/2010/main" val="3146388984"/>
+        <p14:creationId xmlns:p14="http://schemas.microsoft.com/office/powerpoint/2010/main" val="3765031010"/>
       </p:ext>
     </p:extLst>
   </p:cSld>
@@ -2214,15 +2212,15 @@
         </p:nvSpPr>
         <p:spPr>
           <a:xfrm>
-            <a:off x="839788" y="457200"/>
-            <a:ext cx="3932237" cy="1600200"/>
+            <a:off x="472381" y="660400"/>
+            <a:ext cx="2211884" cy="2311400"/>
           </a:xfrm>
         </p:spPr>
         <p:txBody>
           <a:bodyPr anchor="b"/>
           <a:lstStyle>
             <a:lvl1pPr>
-              <a:defRPr sz="3200"/>
+              <a:defRPr sz="2400"/>
             </a:lvl1pPr>
           </a:lstStyle>
           <a:p>
@@ -2246,39 +2244,39 @@
         </p:nvSpPr>
         <p:spPr>
           <a:xfrm>
-            <a:off x="5183188" y="987425"/>
-            <a:ext cx="6172200" cy="4873625"/>
+            <a:off x="2915543" y="1426283"/>
+            <a:ext cx="3471863" cy="7039681"/>
           </a:xfrm>
         </p:spPr>
         <p:txBody>
           <a:bodyPr/>
           <a:lstStyle>
             <a:lvl1pPr>
-              <a:defRPr sz="3200"/>
+              <a:defRPr sz="2400"/>
             </a:lvl1pPr>
             <a:lvl2pPr>
-              <a:defRPr sz="2800"/>
+              <a:defRPr sz="2100"/>
             </a:lvl2pPr>
             <a:lvl3pPr>
-              <a:defRPr sz="2400"/>
+              <a:defRPr sz="1800"/>
             </a:lvl3pPr>
             <a:lvl4pPr>
-              <a:defRPr sz="2000"/>
+              <a:defRPr sz="1500"/>
             </a:lvl4pPr>
             <a:lvl5pPr>
-              <a:defRPr sz="2000"/>
+              <a:defRPr sz="1500"/>
             </a:lvl5pPr>
             <a:lvl6pPr>
-              <a:defRPr sz="2000"/>
+              <a:defRPr sz="1500"/>
             </a:lvl6pPr>
             <a:lvl7pPr>
-              <a:defRPr sz="2000"/>
+              <a:defRPr sz="1500"/>
             </a:lvl7pPr>
             <a:lvl8pPr>
-              <a:defRPr sz="2000"/>
+              <a:defRPr sz="1500"/>
             </a:lvl8pPr>
             <a:lvl9pPr>
-              <a:defRPr sz="2000"/>
+              <a:defRPr sz="1500"/>
             </a:lvl9pPr>
           </a:lstStyle>
           <a:p>
@@ -2331,8 +2329,8 @@
         </p:nvSpPr>
         <p:spPr>
           <a:xfrm>
-            <a:off x="839788" y="2057400"/>
-            <a:ext cx="3932237" cy="3811588"/>
+            <a:off x="472381" y="2971800"/>
+            <a:ext cx="2211884" cy="5505627"/>
           </a:xfrm>
         </p:spPr>
         <p:txBody>
@@ -2340,39 +2338,39 @@
           <a:lstStyle>
             <a:lvl1pPr marL="0" indent="0">
               <a:buNone/>
-              <a:defRPr sz="1600"/>
+              <a:defRPr sz="1200"/>
             </a:lvl1pPr>
-            <a:lvl2pPr marL="457200" indent="0">
-              <a:buNone/>
-              <a:defRPr sz="1400"/>
+            <a:lvl2pPr marL="342900" indent="0">
+              <a:buNone/>
+              <a:defRPr sz="1050"/>
             </a:lvl2pPr>
-            <a:lvl3pPr marL="914400" indent="0">
-              <a:buNone/>
-              <a:defRPr sz="1200"/>
+            <a:lvl3pPr marL="685800" indent="0">
+              <a:buNone/>
+              <a:defRPr sz="900"/>
             </a:lvl3pPr>
-            <a:lvl4pPr marL="1371600" indent="0">
-              <a:buNone/>
-              <a:defRPr sz="1000"/>
+            <a:lvl4pPr marL="1028700" indent="0">
+              <a:buNone/>
+              <a:defRPr sz="750"/>
             </a:lvl4pPr>
-            <a:lvl5pPr marL="1828800" indent="0">
-              <a:buNone/>
-              <a:defRPr sz="1000"/>
+            <a:lvl5pPr marL="1371600" indent="0">
+              <a:buNone/>
+              <a:defRPr sz="750"/>
             </a:lvl5pPr>
-            <a:lvl6pPr marL="2286000" indent="0">
-              <a:buNone/>
-              <a:defRPr sz="1000"/>
+            <a:lvl6pPr marL="1714500" indent="0">
+              <a:buNone/>
+              <a:defRPr sz="750"/>
             </a:lvl6pPr>
-            <a:lvl7pPr marL="2743200" indent="0">
-              <a:buNone/>
-              <a:defRPr sz="1000"/>
+            <a:lvl7pPr marL="2057400" indent="0">
+              <a:buNone/>
+              <a:defRPr sz="750"/>
             </a:lvl7pPr>
-            <a:lvl8pPr marL="3200400" indent="0">
-              <a:buNone/>
-              <a:defRPr sz="1000"/>
+            <a:lvl8pPr marL="2400300" indent="0">
+              <a:buNone/>
+              <a:defRPr sz="750"/>
             </a:lvl8pPr>
-            <a:lvl9pPr marL="3657600" indent="0">
-              <a:buNone/>
-              <a:defRPr sz="1000"/>
+            <a:lvl9pPr marL="2743200" indent="0">
+              <a:buNone/>
+              <a:defRPr sz="750"/>
             </a:lvl9pPr>
           </a:lstStyle>
           <a:p>
@@ -2401,7 +2399,7 @@
           <a:p>
             <a:fld id="{846CE7D5-CF57-46EF-B807-FDD0502418D4}" type="datetimeFigureOut">
               <a:rPr lang="en-US" smtClean="0"/>
-              <a:t>9/27/2019</a:t>
+              <a:t>10/3/2019</a:t>
             </a:fld>
             <a:endParaRPr lang="en-US"/>
           </a:p>
@@ -2452,7 +2450,7 @@
     </p:spTree>
     <p:extLst>
       <p:ext uri="{BB962C8B-B14F-4D97-AF65-F5344CB8AC3E}">
-        <p14:creationId xmlns:p14="http://schemas.microsoft.com/office/powerpoint/2010/main" val="3171841454"/>
+        <p14:creationId xmlns:p14="http://schemas.microsoft.com/office/powerpoint/2010/main" val="1800950753"/>
       </p:ext>
     </p:extLst>
   </p:cSld>
@@ -2491,15 +2489,15 @@
         </p:nvSpPr>
         <p:spPr>
           <a:xfrm>
-            <a:off x="839788" y="457200"/>
-            <a:ext cx="3932237" cy="1600200"/>
+            <a:off x="472381" y="660400"/>
+            <a:ext cx="2211884" cy="2311400"/>
           </a:xfrm>
         </p:spPr>
         <p:txBody>
           <a:bodyPr anchor="b"/>
           <a:lstStyle>
             <a:lvl1pPr>
-              <a:defRPr sz="3200"/>
+              <a:defRPr sz="2400"/>
             </a:lvl1pPr>
           </a:lstStyle>
           <a:p>
@@ -2523,8 +2521,8 @@
         </p:nvSpPr>
         <p:spPr>
           <a:xfrm>
-            <a:off x="5183188" y="987425"/>
-            <a:ext cx="6172200" cy="4873625"/>
+            <a:off x="2915543" y="1426283"/>
+            <a:ext cx="3471863" cy="7039681"/>
           </a:xfrm>
         </p:spPr>
         <p:txBody>
@@ -2532,39 +2530,39 @@
           <a:lstStyle>
             <a:lvl1pPr marL="0" indent="0">
               <a:buNone/>
-              <a:defRPr sz="3200"/>
+              <a:defRPr sz="2400"/>
             </a:lvl1pPr>
-            <a:lvl2pPr marL="457200" indent="0">
-              <a:buNone/>
-              <a:defRPr sz="2800"/>
+            <a:lvl2pPr marL="342900" indent="0">
+              <a:buNone/>
+              <a:defRPr sz="2100"/>
             </a:lvl2pPr>
-            <a:lvl3pPr marL="914400" indent="0">
-              <a:buNone/>
-              <a:defRPr sz="2400"/>
+            <a:lvl3pPr marL="685800" indent="0">
+              <a:buNone/>
+              <a:defRPr sz="1800"/>
             </a:lvl3pPr>
-            <a:lvl4pPr marL="1371600" indent="0">
-              <a:buNone/>
-              <a:defRPr sz="2000"/>
+            <a:lvl4pPr marL="1028700" indent="0">
+              <a:buNone/>
+              <a:defRPr sz="1500"/>
             </a:lvl4pPr>
-            <a:lvl5pPr marL="1828800" indent="0">
-              <a:buNone/>
-              <a:defRPr sz="2000"/>
+            <a:lvl5pPr marL="1371600" indent="0">
+              <a:buNone/>
+              <a:defRPr sz="1500"/>
             </a:lvl5pPr>
-            <a:lvl6pPr marL="2286000" indent="0">
-              <a:buNone/>
-              <a:defRPr sz="2000"/>
+            <a:lvl6pPr marL="1714500" indent="0">
+              <a:buNone/>
+              <a:defRPr sz="1500"/>
             </a:lvl6pPr>
-            <a:lvl7pPr marL="2743200" indent="0">
-              <a:buNone/>
-              <a:defRPr sz="2000"/>
+            <a:lvl7pPr marL="2057400" indent="0">
+              <a:buNone/>
+              <a:defRPr sz="1500"/>
             </a:lvl7pPr>
-            <a:lvl8pPr marL="3200400" indent="0">
-              <a:buNone/>
-              <a:defRPr sz="2000"/>
+            <a:lvl8pPr marL="2400300" indent="0">
+              <a:buNone/>
+              <a:defRPr sz="1500"/>
             </a:lvl8pPr>
-            <a:lvl9pPr marL="3657600" indent="0">
-              <a:buNone/>
-              <a:defRPr sz="2000"/>
+            <a:lvl9pPr marL="2743200" indent="0">
+              <a:buNone/>
+              <a:defRPr sz="1500"/>
             </a:lvl9pPr>
           </a:lstStyle>
           <a:p>
@@ -2588,8 +2586,8 @@
         </p:nvSpPr>
         <p:spPr>
           <a:xfrm>
-            <a:off x="839788" y="2057400"/>
-            <a:ext cx="3932237" cy="3811588"/>
+            <a:off x="472381" y="2971800"/>
+            <a:ext cx="2211884" cy="5505627"/>
           </a:xfrm>
         </p:spPr>
         <p:txBody>
@@ -2597,39 +2595,39 @@
           <a:lstStyle>
             <a:lvl1pPr marL="0" indent="0">
               <a:buNone/>
-              <a:defRPr sz="1600"/>
+              <a:defRPr sz="1200"/>
             </a:lvl1pPr>
-            <a:lvl2pPr marL="457200" indent="0">
-              <a:buNone/>
-              <a:defRPr sz="1400"/>
+            <a:lvl2pPr marL="342900" indent="0">
+              <a:buNone/>
+              <a:defRPr sz="1050"/>
             </a:lvl2pPr>
-            <a:lvl3pPr marL="914400" indent="0">
-              <a:buNone/>
-              <a:defRPr sz="1200"/>
+            <a:lvl3pPr marL="685800" indent="0">
+              <a:buNone/>
+              <a:defRPr sz="900"/>
             </a:lvl3pPr>
-            <a:lvl4pPr marL="1371600" indent="0">
-              <a:buNone/>
-              <a:defRPr sz="1000"/>
+            <a:lvl4pPr marL="1028700" indent="0">
+              <a:buNone/>
+              <a:defRPr sz="750"/>
             </a:lvl4pPr>
-            <a:lvl5pPr marL="1828800" indent="0">
-              <a:buNone/>
-              <a:defRPr sz="1000"/>
+            <a:lvl5pPr marL="1371600" indent="0">
+              <a:buNone/>
+              <a:defRPr sz="750"/>
             </a:lvl5pPr>
-            <a:lvl6pPr marL="2286000" indent="0">
-              <a:buNone/>
-              <a:defRPr sz="1000"/>
+            <a:lvl6pPr marL="1714500" indent="0">
+              <a:buNone/>
+              <a:defRPr sz="750"/>
             </a:lvl6pPr>
-            <a:lvl7pPr marL="2743200" indent="0">
-              <a:buNone/>
-              <a:defRPr sz="1000"/>
+            <a:lvl7pPr marL="2057400" indent="0">
+              <a:buNone/>
+              <a:defRPr sz="750"/>
             </a:lvl7pPr>
-            <a:lvl8pPr marL="3200400" indent="0">
-              <a:buNone/>
-              <a:defRPr sz="1000"/>
+            <a:lvl8pPr marL="2400300" indent="0">
+              <a:buNone/>
+              <a:defRPr sz="750"/>
             </a:lvl8pPr>
-            <a:lvl9pPr marL="3657600" indent="0">
-              <a:buNone/>
-              <a:defRPr sz="1000"/>
+            <a:lvl9pPr marL="2743200" indent="0">
+              <a:buNone/>
+              <a:defRPr sz="750"/>
             </a:lvl9pPr>
           </a:lstStyle>
           <a:p>
@@ -2658,7 +2656,7 @@
           <a:p>
             <a:fld id="{846CE7D5-CF57-46EF-B807-FDD0502418D4}" type="datetimeFigureOut">
               <a:rPr lang="en-US" smtClean="0"/>
-              <a:t>9/27/2019</a:t>
+              <a:t>10/3/2019</a:t>
             </a:fld>
             <a:endParaRPr lang="en-US"/>
           </a:p>
@@ -2709,7 +2707,7 @@
     </p:spTree>
     <p:extLst>
       <p:ext uri="{BB962C8B-B14F-4D97-AF65-F5344CB8AC3E}">
-        <p14:creationId xmlns:p14="http://schemas.microsoft.com/office/powerpoint/2010/main" val="1718958274"/>
+        <p14:creationId xmlns:p14="http://schemas.microsoft.com/office/powerpoint/2010/main" val="1802698334"/>
       </p:ext>
     </p:extLst>
   </p:cSld>
@@ -2753,8 +2751,8 @@
         </p:nvSpPr>
         <p:spPr>
           <a:xfrm>
-            <a:off x="838200" y="365125"/>
-            <a:ext cx="10515600" cy="1325563"/>
+            <a:off x="471488" y="527405"/>
+            <a:ext cx="5915025" cy="1914702"/>
           </a:xfrm>
           <a:prstGeom prst="rect">
             <a:avLst/>
@@ -2786,8 +2784,8 @@
         </p:nvSpPr>
         <p:spPr>
           <a:xfrm>
-            <a:off x="838200" y="1825625"/>
-            <a:ext cx="10515600" cy="4351338"/>
+            <a:off x="471488" y="2637014"/>
+            <a:ext cx="5915025" cy="6285266"/>
           </a:xfrm>
           <a:prstGeom prst="rect">
             <a:avLst/>
@@ -2848,8 +2846,8 @@
         </p:nvSpPr>
         <p:spPr>
           <a:xfrm>
-            <a:off x="838200" y="6356350"/>
-            <a:ext cx="2743200" cy="365125"/>
+            <a:off x="471488" y="9181397"/>
+            <a:ext cx="1543050" cy="527403"/>
           </a:xfrm>
           <a:prstGeom prst="rect">
             <a:avLst/>
@@ -2859,7 +2857,7 @@
           <a:bodyPr vert="horz" lIns="91440" tIns="45720" rIns="91440" bIns="45720" rtlCol="0" anchor="ctr"/>
           <a:lstStyle>
             <a:lvl1pPr algn="l">
-              <a:defRPr sz="1200">
+              <a:defRPr sz="900">
                 <a:solidFill>
                   <a:schemeClr val="tx1">
                     <a:tint val="75000"/>
@@ -2871,7 +2869,7 @@
           <a:p>
             <a:fld id="{846CE7D5-CF57-46EF-B807-FDD0502418D4}" type="datetimeFigureOut">
               <a:rPr lang="en-US" smtClean="0"/>
-              <a:t>9/27/2019</a:t>
+              <a:t>10/3/2019</a:t>
             </a:fld>
             <a:endParaRPr lang="en-US"/>
           </a:p>
@@ -2889,8 +2887,8 @@
         </p:nvSpPr>
         <p:spPr>
           <a:xfrm>
-            <a:off x="4038600" y="6356350"/>
-            <a:ext cx="4114800" cy="365125"/>
+            <a:off x="2271713" y="9181397"/>
+            <a:ext cx="2314575" cy="527403"/>
           </a:xfrm>
           <a:prstGeom prst="rect">
             <a:avLst/>
@@ -2900,7 +2898,7 @@
           <a:bodyPr vert="horz" lIns="91440" tIns="45720" rIns="91440" bIns="45720" rtlCol="0" anchor="ctr"/>
           <a:lstStyle>
             <a:lvl1pPr algn="ctr">
-              <a:defRPr sz="1200">
+              <a:defRPr sz="900">
                 <a:solidFill>
                   <a:schemeClr val="tx1">
                     <a:tint val="75000"/>
@@ -2926,8 +2924,8 @@
         </p:nvSpPr>
         <p:spPr>
           <a:xfrm>
-            <a:off x="8610600" y="6356350"/>
-            <a:ext cx="2743200" cy="365125"/>
+            <a:off x="4843463" y="9181397"/>
+            <a:ext cx="1543050" cy="527403"/>
           </a:xfrm>
           <a:prstGeom prst="rect">
             <a:avLst/>
@@ -2937,7 +2935,7 @@
           <a:bodyPr vert="horz" lIns="91440" tIns="45720" rIns="91440" bIns="45720" rtlCol="0" anchor="ctr"/>
           <a:lstStyle>
             <a:lvl1pPr algn="r">
-              <a:defRPr sz="1200">
+              <a:defRPr sz="900">
                 <a:solidFill>
                   <a:schemeClr val="tx1">
                     <a:tint val="75000"/>
@@ -2958,27 +2956,27 @@
     </p:spTree>
     <p:extLst>
       <p:ext uri="{BB962C8B-B14F-4D97-AF65-F5344CB8AC3E}">
-        <p14:creationId xmlns:p14="http://schemas.microsoft.com/office/powerpoint/2010/main" val="2460954070"/>
+        <p14:creationId xmlns:p14="http://schemas.microsoft.com/office/powerpoint/2010/main" val="2174500365"/>
       </p:ext>
     </p:extLst>
   </p:cSld>
   <p:clrMap bg1="lt1" tx1="dk1" bg2="lt2" tx2="dk2" accent1="accent1" accent2="accent2" accent3="accent3" accent4="accent4" accent5="accent5" accent6="accent6" hlink="hlink" folHlink="folHlink"/>
   <p:sldLayoutIdLst>
-    <p:sldLayoutId id="2147483661" r:id="rId1"/>
-    <p:sldLayoutId id="2147483662" r:id="rId2"/>
-    <p:sldLayoutId id="2147483663" r:id="rId3"/>
-    <p:sldLayoutId id="2147483664" r:id="rId4"/>
-    <p:sldLayoutId id="2147483665" r:id="rId5"/>
-    <p:sldLayoutId id="2147483666" r:id="rId6"/>
-    <p:sldLayoutId id="2147483667" r:id="rId7"/>
-    <p:sldLayoutId id="2147483668" r:id="rId8"/>
-    <p:sldLayoutId id="2147483669" r:id="rId9"/>
-    <p:sldLayoutId id="2147483670" r:id="rId10"/>
-    <p:sldLayoutId id="2147483671" r:id="rId11"/>
+    <p:sldLayoutId id="2147483673" r:id="rId1"/>
+    <p:sldLayoutId id="2147483674" r:id="rId2"/>
+    <p:sldLayoutId id="2147483675" r:id="rId3"/>
+    <p:sldLayoutId id="2147483676" r:id="rId4"/>
+    <p:sldLayoutId id="2147483677" r:id="rId5"/>
+    <p:sldLayoutId id="2147483678" r:id="rId6"/>
+    <p:sldLayoutId id="2147483679" r:id="rId7"/>
+    <p:sldLayoutId id="2147483680" r:id="rId8"/>
+    <p:sldLayoutId id="2147483681" r:id="rId9"/>
+    <p:sldLayoutId id="2147483682" r:id="rId10"/>
+    <p:sldLayoutId id="2147483683" r:id="rId11"/>
   </p:sldLayoutIdLst>
   <p:txStyles>
     <p:titleStyle>
-      <a:lvl1pPr algn="l" defTabSz="914400" rtl="0" eaLnBrk="1" latinLnBrk="0" hangingPunct="1">
+      <a:lvl1pPr algn="l" defTabSz="685800" rtl="0" eaLnBrk="1" latinLnBrk="0" hangingPunct="1">
         <a:lnSpc>
           <a:spcPct val="90000"/>
         </a:lnSpc>
@@ -2986,7 +2984,7 @@
           <a:spcPct val="0"/>
         </a:spcBef>
         <a:buNone/>
-        <a:defRPr sz="4400" kern="1200">
+        <a:defRPr sz="3300" kern="1200">
           <a:solidFill>
             <a:schemeClr val="tx1"/>
           </a:solidFill>
@@ -2997,16 +2995,16 @@
       </a:lvl1pPr>
     </p:titleStyle>
     <p:bodyStyle>
-      <a:lvl1pPr marL="228600" indent="-228600" algn="l" defTabSz="914400" rtl="0" eaLnBrk="1" latinLnBrk="0" hangingPunct="1">
+      <a:lvl1pPr marL="171450" indent="-171450" algn="l" defTabSz="685800" rtl="0" eaLnBrk="1" latinLnBrk="0" hangingPunct="1">
         <a:lnSpc>
           <a:spcPct val="90000"/>
         </a:lnSpc>
         <a:spcBef>
-          <a:spcPts val="1000"/>
+          <a:spcPts val="750"/>
         </a:spcBef>
         <a:buFont typeface="Arial" panose="020B0604020202020204" pitchFamily="34" charset="0"/>
         <a:buChar char="•"/>
-        <a:defRPr sz="2800" kern="1200">
+        <a:defRPr sz="2100" kern="1200">
           <a:solidFill>
             <a:schemeClr val="tx1"/>
           </a:solidFill>
@@ -3015,48 +3013,12 @@
           <a:cs typeface="+mn-cs"/>
         </a:defRPr>
       </a:lvl1pPr>
-      <a:lvl2pPr marL="685800" indent="-228600" algn="l" defTabSz="914400" rtl="0" eaLnBrk="1" latinLnBrk="0" hangingPunct="1">
+      <a:lvl2pPr marL="514350" indent="-171450" algn="l" defTabSz="685800" rtl="0" eaLnBrk="1" latinLnBrk="0" hangingPunct="1">
         <a:lnSpc>
           <a:spcPct val="90000"/>
         </a:lnSpc>
         <a:spcBef>
-          <a:spcPts val="500"/>
-        </a:spcBef>
-        <a:buFont typeface="Arial" panose="020B0604020202020204" pitchFamily="34" charset="0"/>
-        <a:buChar char="•"/>
-        <a:defRPr sz="2400" kern="1200">
-          <a:solidFill>
-            <a:schemeClr val="tx1"/>
-          </a:solidFill>
-          <a:latin typeface="+mn-lt"/>
-          <a:ea typeface="+mn-ea"/>
-          <a:cs typeface="+mn-cs"/>
-        </a:defRPr>
-      </a:lvl2pPr>
-      <a:lvl3pPr marL="1143000" indent="-228600" algn="l" defTabSz="914400" rtl="0" eaLnBrk="1" latinLnBrk="0" hangingPunct="1">
-        <a:lnSpc>
-          <a:spcPct val="90000"/>
-        </a:lnSpc>
-        <a:spcBef>
-          <a:spcPts val="500"/>
-        </a:spcBef>
-        <a:buFont typeface="Arial" panose="020B0604020202020204" pitchFamily="34" charset="0"/>
-        <a:buChar char="•"/>
-        <a:defRPr sz="2000" kern="1200">
-          <a:solidFill>
-            <a:schemeClr val="tx1"/>
-          </a:solidFill>
-          <a:latin typeface="+mn-lt"/>
-          <a:ea typeface="+mn-ea"/>
-          <a:cs typeface="+mn-cs"/>
-        </a:defRPr>
-      </a:lvl3pPr>
-      <a:lvl4pPr marL="1600200" indent="-228600" algn="l" defTabSz="914400" rtl="0" eaLnBrk="1" latinLnBrk="0" hangingPunct="1">
-        <a:lnSpc>
-          <a:spcPct val="90000"/>
-        </a:lnSpc>
-        <a:spcBef>
-          <a:spcPts val="500"/>
+          <a:spcPts val="375"/>
         </a:spcBef>
         <a:buFont typeface="Arial" panose="020B0604020202020204" pitchFamily="34" charset="0"/>
         <a:buChar char="•"/>
@@ -3068,17 +3030,53 @@
           <a:ea typeface="+mn-ea"/>
           <a:cs typeface="+mn-cs"/>
         </a:defRPr>
-      </a:lvl4pPr>
-      <a:lvl5pPr marL="2057400" indent="-228600" algn="l" defTabSz="914400" rtl="0" eaLnBrk="1" latinLnBrk="0" hangingPunct="1">
+      </a:lvl2pPr>
+      <a:lvl3pPr marL="857250" indent="-171450" algn="l" defTabSz="685800" rtl="0" eaLnBrk="1" latinLnBrk="0" hangingPunct="1">
         <a:lnSpc>
           <a:spcPct val="90000"/>
         </a:lnSpc>
         <a:spcBef>
-          <a:spcPts val="500"/>
+          <a:spcPts val="375"/>
         </a:spcBef>
         <a:buFont typeface="Arial" panose="020B0604020202020204" pitchFamily="34" charset="0"/>
         <a:buChar char="•"/>
-        <a:defRPr sz="1800" kern="1200">
+        <a:defRPr sz="1500" kern="1200">
+          <a:solidFill>
+            <a:schemeClr val="tx1"/>
+          </a:solidFill>
+          <a:latin typeface="+mn-lt"/>
+          <a:ea typeface="+mn-ea"/>
+          <a:cs typeface="+mn-cs"/>
+        </a:defRPr>
+      </a:lvl3pPr>
+      <a:lvl4pPr marL="1200150" indent="-171450" algn="l" defTabSz="685800" rtl="0" eaLnBrk="1" latinLnBrk="0" hangingPunct="1">
+        <a:lnSpc>
+          <a:spcPct val="90000"/>
+        </a:lnSpc>
+        <a:spcBef>
+          <a:spcPts val="375"/>
+        </a:spcBef>
+        <a:buFont typeface="Arial" panose="020B0604020202020204" pitchFamily="34" charset="0"/>
+        <a:buChar char="•"/>
+        <a:defRPr sz="1350" kern="1200">
+          <a:solidFill>
+            <a:schemeClr val="tx1"/>
+          </a:solidFill>
+          <a:latin typeface="+mn-lt"/>
+          <a:ea typeface="+mn-ea"/>
+          <a:cs typeface="+mn-cs"/>
+        </a:defRPr>
+      </a:lvl4pPr>
+      <a:lvl5pPr marL="1543050" indent="-171450" algn="l" defTabSz="685800" rtl="0" eaLnBrk="1" latinLnBrk="0" hangingPunct="1">
+        <a:lnSpc>
+          <a:spcPct val="90000"/>
+        </a:lnSpc>
+        <a:spcBef>
+          <a:spcPts val="375"/>
+        </a:spcBef>
+        <a:buFont typeface="Arial" panose="020B0604020202020204" pitchFamily="34" charset="0"/>
+        <a:buChar char="•"/>
+        <a:defRPr sz="1350" kern="1200">
           <a:solidFill>
             <a:schemeClr val="tx1"/>
           </a:solidFill>
@@ -3087,16 +3085,16 @@
           <a:cs typeface="+mn-cs"/>
         </a:defRPr>
       </a:lvl5pPr>
-      <a:lvl6pPr marL="2514600" indent="-228600" algn="l" defTabSz="914400" rtl="0" eaLnBrk="1" latinLnBrk="0" hangingPunct="1">
+      <a:lvl6pPr marL="1885950" indent="-171450" algn="l" defTabSz="685800" rtl="0" eaLnBrk="1" latinLnBrk="0" hangingPunct="1">
         <a:lnSpc>
           <a:spcPct val="90000"/>
         </a:lnSpc>
         <a:spcBef>
-          <a:spcPts val="500"/>
+          <a:spcPts val="375"/>
         </a:spcBef>
         <a:buFont typeface="Arial" panose="020B0604020202020204" pitchFamily="34" charset="0"/>
         <a:buChar char="•"/>
-        <a:defRPr sz="1800" kern="1200">
+        <a:defRPr sz="1350" kern="1200">
           <a:solidFill>
             <a:schemeClr val="tx1"/>
           </a:solidFill>
@@ -3105,16 +3103,16 @@
           <a:cs typeface="+mn-cs"/>
         </a:defRPr>
       </a:lvl6pPr>
-      <a:lvl7pPr marL="2971800" indent="-228600" algn="l" defTabSz="914400" rtl="0" eaLnBrk="1" latinLnBrk="0" hangingPunct="1">
+      <a:lvl7pPr marL="2228850" indent="-171450" algn="l" defTabSz="685800" rtl="0" eaLnBrk="1" latinLnBrk="0" hangingPunct="1">
         <a:lnSpc>
           <a:spcPct val="90000"/>
         </a:lnSpc>
         <a:spcBef>
-          <a:spcPts val="500"/>
+          <a:spcPts val="375"/>
         </a:spcBef>
         <a:buFont typeface="Arial" panose="020B0604020202020204" pitchFamily="34" charset="0"/>
         <a:buChar char="•"/>
-        <a:defRPr sz="1800" kern="1200">
+        <a:defRPr sz="1350" kern="1200">
           <a:solidFill>
             <a:schemeClr val="tx1"/>
           </a:solidFill>
@@ -3123,16 +3121,16 @@
           <a:cs typeface="+mn-cs"/>
         </a:defRPr>
       </a:lvl7pPr>
-      <a:lvl8pPr marL="3429000" indent="-228600" algn="l" defTabSz="914400" rtl="0" eaLnBrk="1" latinLnBrk="0" hangingPunct="1">
+      <a:lvl8pPr marL="2571750" indent="-171450" algn="l" defTabSz="685800" rtl="0" eaLnBrk="1" latinLnBrk="0" hangingPunct="1">
         <a:lnSpc>
           <a:spcPct val="90000"/>
         </a:lnSpc>
         <a:spcBef>
-          <a:spcPts val="500"/>
+          <a:spcPts val="375"/>
         </a:spcBef>
         <a:buFont typeface="Arial" panose="020B0604020202020204" pitchFamily="34" charset="0"/>
         <a:buChar char="•"/>
-        <a:defRPr sz="1800" kern="1200">
+        <a:defRPr sz="1350" kern="1200">
           <a:solidFill>
             <a:schemeClr val="tx1"/>
           </a:solidFill>
@@ -3141,16 +3139,16 @@
           <a:cs typeface="+mn-cs"/>
         </a:defRPr>
       </a:lvl8pPr>
-      <a:lvl9pPr marL="3886200" indent="-228600" algn="l" defTabSz="914400" rtl="0" eaLnBrk="1" latinLnBrk="0" hangingPunct="1">
+      <a:lvl9pPr marL="2914650" indent="-171450" algn="l" defTabSz="685800" rtl="0" eaLnBrk="1" latinLnBrk="0" hangingPunct="1">
         <a:lnSpc>
           <a:spcPct val="90000"/>
         </a:lnSpc>
         <a:spcBef>
-          <a:spcPts val="500"/>
+          <a:spcPts val="375"/>
         </a:spcBef>
         <a:buFont typeface="Arial" panose="020B0604020202020204" pitchFamily="34" charset="0"/>
         <a:buChar char="•"/>
-        <a:defRPr sz="1800" kern="1200">
+        <a:defRPr sz="1350" kern="1200">
           <a:solidFill>
             <a:schemeClr val="tx1"/>
           </a:solidFill>
@@ -3164,8 +3162,8 @@
       <a:defPPr>
         <a:defRPr lang="en-US"/>
       </a:defPPr>
-      <a:lvl1pPr marL="0" algn="l" defTabSz="914400" rtl="0" eaLnBrk="1" latinLnBrk="0" hangingPunct="1">
-        <a:defRPr sz="1800" kern="1200">
+      <a:lvl1pPr marL="0" algn="l" defTabSz="685800" rtl="0" eaLnBrk="1" latinLnBrk="0" hangingPunct="1">
+        <a:defRPr sz="1350" kern="1200">
           <a:solidFill>
             <a:schemeClr val="tx1"/>
           </a:solidFill>
@@ -3174,8 +3172,8 @@
           <a:cs typeface="+mn-cs"/>
         </a:defRPr>
       </a:lvl1pPr>
-      <a:lvl2pPr marL="457200" algn="l" defTabSz="914400" rtl="0" eaLnBrk="1" latinLnBrk="0" hangingPunct="1">
-        <a:defRPr sz="1800" kern="1200">
+      <a:lvl2pPr marL="342900" algn="l" defTabSz="685800" rtl="0" eaLnBrk="1" latinLnBrk="0" hangingPunct="1">
+        <a:defRPr sz="1350" kern="1200">
           <a:solidFill>
             <a:schemeClr val="tx1"/>
           </a:solidFill>
@@ -3184,8 +3182,8 @@
           <a:cs typeface="+mn-cs"/>
         </a:defRPr>
       </a:lvl2pPr>
-      <a:lvl3pPr marL="914400" algn="l" defTabSz="914400" rtl="0" eaLnBrk="1" latinLnBrk="0" hangingPunct="1">
-        <a:defRPr sz="1800" kern="1200">
+      <a:lvl3pPr marL="685800" algn="l" defTabSz="685800" rtl="0" eaLnBrk="1" latinLnBrk="0" hangingPunct="1">
+        <a:defRPr sz="1350" kern="1200">
           <a:solidFill>
             <a:schemeClr val="tx1"/>
           </a:solidFill>
@@ -3194,8 +3192,8 @@
           <a:cs typeface="+mn-cs"/>
         </a:defRPr>
       </a:lvl3pPr>
-      <a:lvl4pPr marL="1371600" algn="l" defTabSz="914400" rtl="0" eaLnBrk="1" latinLnBrk="0" hangingPunct="1">
-        <a:defRPr sz="1800" kern="1200">
+      <a:lvl4pPr marL="1028700" algn="l" defTabSz="685800" rtl="0" eaLnBrk="1" latinLnBrk="0" hangingPunct="1">
+        <a:defRPr sz="1350" kern="1200">
           <a:solidFill>
             <a:schemeClr val="tx1"/>
           </a:solidFill>
@@ -3204,8 +3202,8 @@
           <a:cs typeface="+mn-cs"/>
         </a:defRPr>
       </a:lvl4pPr>
-      <a:lvl5pPr marL="1828800" algn="l" defTabSz="914400" rtl="0" eaLnBrk="1" latinLnBrk="0" hangingPunct="1">
-        <a:defRPr sz="1800" kern="1200">
+      <a:lvl5pPr marL="1371600" algn="l" defTabSz="685800" rtl="0" eaLnBrk="1" latinLnBrk="0" hangingPunct="1">
+        <a:defRPr sz="1350" kern="1200">
           <a:solidFill>
             <a:schemeClr val="tx1"/>
           </a:solidFill>
@@ -3214,8 +3212,8 @@
           <a:cs typeface="+mn-cs"/>
         </a:defRPr>
       </a:lvl5pPr>
-      <a:lvl6pPr marL="2286000" algn="l" defTabSz="914400" rtl="0" eaLnBrk="1" latinLnBrk="0" hangingPunct="1">
-        <a:defRPr sz="1800" kern="1200">
+      <a:lvl6pPr marL="1714500" algn="l" defTabSz="685800" rtl="0" eaLnBrk="1" latinLnBrk="0" hangingPunct="1">
+        <a:defRPr sz="1350" kern="1200">
           <a:solidFill>
             <a:schemeClr val="tx1"/>
           </a:solidFill>
@@ -3224,8 +3222,8 @@
           <a:cs typeface="+mn-cs"/>
         </a:defRPr>
       </a:lvl6pPr>
-      <a:lvl7pPr marL="2743200" algn="l" defTabSz="914400" rtl="0" eaLnBrk="1" latinLnBrk="0" hangingPunct="1">
-        <a:defRPr sz="1800" kern="1200">
+      <a:lvl7pPr marL="2057400" algn="l" defTabSz="685800" rtl="0" eaLnBrk="1" latinLnBrk="0" hangingPunct="1">
+        <a:defRPr sz="1350" kern="1200">
           <a:solidFill>
             <a:schemeClr val="tx1"/>
           </a:solidFill>
@@ -3234,8 +3232,8 @@
           <a:cs typeface="+mn-cs"/>
         </a:defRPr>
       </a:lvl7pPr>
-      <a:lvl8pPr marL="3200400" algn="l" defTabSz="914400" rtl="0" eaLnBrk="1" latinLnBrk="0" hangingPunct="1">
-        <a:defRPr sz="1800" kern="1200">
+      <a:lvl8pPr marL="2400300" algn="l" defTabSz="685800" rtl="0" eaLnBrk="1" latinLnBrk="0" hangingPunct="1">
+        <a:defRPr sz="1350" kern="1200">
           <a:solidFill>
             <a:schemeClr val="tx1"/>
           </a:solidFill>
@@ -3244,8 +3242,8 @@
           <a:cs typeface="+mn-cs"/>
         </a:defRPr>
       </a:lvl8pPr>
-      <a:lvl9pPr marL="3657600" algn="l" defTabSz="914400" rtl="0" eaLnBrk="1" latinLnBrk="0" hangingPunct="1">
-        <a:defRPr sz="1800" kern="1200">
+      <a:lvl9pPr marL="2743200" algn="l" defTabSz="685800" rtl="0" eaLnBrk="1" latinLnBrk="0" hangingPunct="1">
+        <a:defRPr sz="1350" kern="1200">
           <a:solidFill>
             <a:schemeClr val="tx1"/>
           </a:solidFill>
@@ -3276,103 +3274,6 @@
           <a:chExt cx="0" cy="0"/>
         </a:xfrm>
       </p:grpSpPr>
-      <p:sp>
-        <p:nvSpPr>
-          <p:cNvPr id="2" name="Title 1">
-            <a:extLst>
-              <a:ext uri="{FF2B5EF4-FFF2-40B4-BE49-F238E27FC236}">
-                <a16:creationId xmlns:a16="http://schemas.microsoft.com/office/drawing/2014/main" id="{9E5CA8CE-639E-4E5E-B0F3-63FDFE4E5148}"/>
-              </a:ext>
-            </a:extLst>
-          </p:cNvPr>
-          <p:cNvSpPr>
-            <a:spLocks noGrp="1"/>
-          </p:cNvSpPr>
-          <p:nvPr>
-            <p:ph type="title"/>
-          </p:nvPr>
-        </p:nvSpPr>
-        <p:spPr>
-          <a:xfrm>
-            <a:off x="829129" y="2267"/>
-            <a:ext cx="10515600" cy="1035278"/>
-          </a:xfrm>
-        </p:spPr>
-        <p:txBody>
-          <a:bodyPr>
-            <a:normAutofit/>
-          </a:bodyPr>
-          <a:lstStyle/>
-          <a:p>
-            <a:r>
-              <a:rPr lang="en-US" sz="4100" dirty="0">
-                <a:cs typeface="Calibri Light"/>
-              </a:rPr>
-              <a:t>Verifying Bit-vector Invertibility Conditions in Coq</a:t>
-            </a:r>
-          </a:p>
-        </p:txBody>
-      </p:sp>
-      <p:pic>
-        <p:nvPicPr>
-          <p:cNvPr id="15" name="Picture 15">
-            <a:extLst>
-              <a:ext uri="{FF2B5EF4-FFF2-40B4-BE49-F238E27FC236}">
-                <a16:creationId xmlns:a16="http://schemas.microsoft.com/office/drawing/2014/main" id="{970431DC-841F-48C2-9CAF-7CA428855C9B}"/>
-              </a:ext>
-            </a:extLst>
-          </p:cNvPr>
-          <p:cNvPicPr>
-            <a:picLocks noChangeAspect="1"/>
-          </p:cNvPicPr>
-          <p:nvPr/>
-        </p:nvPicPr>
-        <p:blipFill>
-          <a:blip r:embed="rId2"/>
-          <a:stretch>
-            <a:fillRect/>
-          </a:stretch>
-        </p:blipFill>
-        <p:spPr>
-          <a:xfrm>
-            <a:off x="6656615" y="1215305"/>
-            <a:ext cx="2888342" cy="2431677"/>
-          </a:xfrm>
-          <a:prstGeom prst="rect">
-            <a:avLst/>
-          </a:prstGeom>
-        </p:spPr>
-      </p:pic>
-      <p:pic>
-        <p:nvPicPr>
-          <p:cNvPr id="17" name="Picture 17" descr="A close up of a logo&#10;&#10;Description generated with very high confidence">
-            <a:extLst>
-              <a:ext uri="{FF2B5EF4-FFF2-40B4-BE49-F238E27FC236}">
-                <a16:creationId xmlns:a16="http://schemas.microsoft.com/office/drawing/2014/main" id="{B4ABF560-FD5C-449B-B8A1-71B78B5B9502}"/>
-              </a:ext>
-            </a:extLst>
-          </p:cNvPr>
-          <p:cNvPicPr>
-            <a:picLocks noChangeAspect="1"/>
-          </p:cNvPicPr>
-          <p:nvPr/>
-        </p:nvPicPr>
-        <p:blipFill>
-          <a:blip r:embed="rId3"/>
-          <a:stretch>
-            <a:fillRect/>
-          </a:stretch>
-        </p:blipFill>
-        <p:spPr>
-          <a:xfrm>
-            <a:off x="9632044" y="2873662"/>
-            <a:ext cx="2171700" cy="775031"/>
-          </a:xfrm>
-          <a:prstGeom prst="rect">
-            <a:avLst/>
-          </a:prstGeom>
-        </p:spPr>
-      </p:pic>
       <p:graphicFrame>
         <p:nvGraphicFramePr>
           <p:cNvPr id="20" name="Table 19">
@@ -3388,14 +3289,14 @@
           <p:nvPr>
             <p:extLst>
               <p:ext uri="{D42A27DB-BD31-4B8C-83A1-F6EECF244321}">
-                <p14:modId xmlns:p14="http://schemas.microsoft.com/office/powerpoint/2010/main" val="2538080961"/>
+                <p14:modId xmlns:p14="http://schemas.microsoft.com/office/powerpoint/2010/main" val="2924641499"/>
               </p:ext>
             </p:extLst>
           </p:nvPr>
         </p:nvGraphicFramePr>
         <p:xfrm>
-          <a:off x="6585857" y="4327071"/>
-          <a:ext cx="5490757" cy="2491052"/>
+          <a:off x="287822" y="7955265"/>
+          <a:ext cx="6339231" cy="1698225"/>
         </p:xfrm>
         <a:graphic>
           <a:graphicData uri="http://schemas.openxmlformats.org/drawingml/2006/table">
@@ -3404,28 +3305,28 @@
                 <a:tableStyleId>{5C22544A-7EE6-4342-B048-85BDC9FD1C3A}</a:tableStyleId>
               </a:tblPr>
               <a:tblGrid>
-                <a:gridCol w="1025071">
+                <a:gridCol w="1183472">
                   <a:extLst>
                     <a:ext uri="{9D8B030D-6E8A-4147-A177-3AD203B41FA5}">
                       <a16:colId xmlns:a16="http://schemas.microsoft.com/office/drawing/2014/main" val="4000343425"/>
                     </a:ext>
                   </a:extLst>
                 </a:gridCol>
-                <a:gridCol w="1569357">
+                <a:gridCol w="1811866">
                   <a:extLst>
                     <a:ext uri="{9D8B030D-6E8A-4147-A177-3AD203B41FA5}">
                       <a16:colId xmlns:a16="http://schemas.microsoft.com/office/drawing/2014/main" val="3219697129"/>
                     </a:ext>
                   </a:extLst>
                 </a:gridCol>
-                <a:gridCol w="1662677">
+                <a:gridCol w="1719982">
                   <a:extLst>
                     <a:ext uri="{9D8B030D-6E8A-4147-A177-3AD203B41FA5}">
                       <a16:colId xmlns:a16="http://schemas.microsoft.com/office/drawing/2014/main" val="1954095810"/>
                     </a:ext>
                   </a:extLst>
                 </a:gridCol>
-                <a:gridCol w="1233652">
+                <a:gridCol w="1623911">
                   <a:extLst>
                     <a:ext uri="{9D8B030D-6E8A-4147-A177-3AD203B41FA5}">
                       <a16:colId xmlns:a16="http://schemas.microsoft.com/office/drawing/2014/main" val="1938054758"/>
@@ -3433,7 +3334,7 @@
                   </a:extLst>
                 </a:gridCol>
               </a:tblGrid>
-              <a:tr h="255643">
+              <a:tr h="249993">
                 <a:tc>
                   <a:txBody>
                     <a:bodyPr/>
@@ -3441,12 +3342,12 @@
                     <a:p>
                       <a:pPr fontAlgn="auto"/>
                       <a:r>
-                        <a:rPr lang="en-US" sz="1000" dirty="0">
+                        <a:rPr lang="en-US" sz="600" dirty="0">
                           <a:effectLst/>
                         </a:rPr>
                         <a:t>​</a:t>
                       </a:r>
-                      <a:endParaRPr lang="en-US" sz="1000" b="1">
+                      <a:endParaRPr lang="en-US" sz="600" b="1">
                         <a:solidFill>
                           <a:srgbClr val="FFFFFF"/>
                         </a:solidFill>
@@ -3455,7 +3356,7 @@
                       </a:endParaRPr>
                     </a:p>
                   </a:txBody>
-                  <a:tcPr/>
+                  <a:tcPr marL="51435" marR="51435" marT="25718" marB="25718"/>
                 </a:tc>
                 <a:tc>
                   <a:txBody>
@@ -3464,38 +3365,29 @@
                     <a:p>
                       <a:pPr algn="ctr" fontAlgn="base"/>
                       <a:r>
-                        <a:rPr lang="en-US" sz="1000" dirty="0" err="1">
+                        <a:rPr lang="en-US" sz="1200" b="1" dirty="0" err="1">
                           <a:effectLst/>
+                          <a:latin typeface="Garamond" panose="02020404030301010803" pitchFamily="18" charset="0"/>
                         </a:rPr>
                         <a:t>SMTLib</a:t>
                       </a:r>
                       <a:r>
-                        <a:rPr lang="en-US" sz="1000" dirty="0">
+                        <a:rPr lang="en-US" sz="1200" b="1" dirty="0">
                           <a:effectLst/>
+                          <a:latin typeface="Garamond" panose="02020404030301010803" pitchFamily="18" charset="0"/>
                         </a:rPr>
-                        <a:t>[</a:t>
+                        <a:t>[CAV 2018]​</a:t>
                       </a:r>
-                      <a:r>
-                        <a:rPr lang="en-US" sz="1000" dirty="0" err="1">
-                          <a:effectLst/>
-                        </a:rPr>
-                        <a:t>Niemetz</a:t>
-                      </a:r>
-                      <a:r>
-                        <a:rPr lang="en-US" sz="1000" dirty="0">
-                          <a:effectLst/>
-                        </a:rPr>
-                        <a:t> et al. 18]​</a:t>
-                      </a:r>
-                      <a:endParaRPr lang="en-US" sz="1000" b="1">
+                      <a:endParaRPr lang="en-US" sz="1200" b="1" dirty="0">
                         <a:solidFill>
                           <a:srgbClr val="FFFFFF"/>
                         </a:solidFill>
                         <a:effectLst/>
+                        <a:latin typeface="Garamond" panose="02020404030301010803" pitchFamily="18" charset="0"/>
                       </a:endParaRPr>
                     </a:p>
                   </a:txBody>
-                  <a:tcPr/>
+                  <a:tcPr marL="51435" marR="51435" marT="25718" marB="25718"/>
                 </a:tc>
                 <a:tc>
                   <a:txBody>
@@ -3504,32 +3396,22 @@
                     <a:p>
                       <a:pPr algn="ctr" fontAlgn="base"/>
                       <a:r>
-                        <a:rPr lang="en-US" sz="1000" dirty="0">
+                        <a:rPr lang="en-US" sz="1200" b="1" dirty="0">
                           <a:effectLst/>
+                          <a:latin typeface="Garamond" panose="02020404030301010803" pitchFamily="18" charset="0"/>
                         </a:rPr>
-                        <a:t>Encoding[</a:t>
+                        <a:t>Encoding[CADE 19]​</a:t>
                       </a:r>
-                      <a:r>
-                        <a:rPr lang="en-US" sz="1000" dirty="0" err="1">
-                          <a:effectLst/>
-                        </a:rPr>
-                        <a:t>Niemetz</a:t>
-                      </a:r>
-                      <a:r>
-                        <a:rPr lang="en-US" sz="1000" dirty="0">
-                          <a:effectLst/>
-                        </a:rPr>
-                        <a:t> et al. 19]​</a:t>
-                      </a:r>
-                      <a:endParaRPr lang="en-US" sz="1000" b="1">
+                      <a:endParaRPr lang="en-US" sz="1200" b="1" dirty="0">
                         <a:solidFill>
                           <a:srgbClr val="FFFFFF"/>
                         </a:solidFill>
                         <a:effectLst/>
+                        <a:latin typeface="Garamond" panose="02020404030301010803" pitchFamily="18" charset="0"/>
                       </a:endParaRPr>
                     </a:p>
                   </a:txBody>
-                  <a:tcPr/>
+                  <a:tcPr marL="51435" marR="51435" marT="25718" marB="25718"/>
                 </a:tc>
                 <a:tc>
                   <a:txBody>
@@ -3538,20 +3420,26 @@
                     <a:p>
                       <a:pPr algn="ctr" fontAlgn="base"/>
                       <a:r>
-                        <a:rPr lang="en-US" sz="1000" dirty="0">
+                        <a:rPr lang="en-US" sz="1200" b="1" dirty="0">
                           <a:effectLst/>
+                          <a:latin typeface="Garamond" panose="02020404030301010803" pitchFamily="18" charset="0"/>
                         </a:rPr>
-                        <a:t>Coq Library​</a:t>
+                        <a:t>Coq Library​(Our work)</a:t>
                       </a:r>
-                      <a:endParaRPr lang="en-US" sz="1000" b="1">
+                      <a:endParaRPr lang="en-US" sz="1200" b="1" dirty="0">
                         <a:solidFill>
                           <a:srgbClr val="FFFFFF"/>
                         </a:solidFill>
                         <a:effectLst/>
+                        <a:latin typeface="Garamond" panose="02020404030301010803" pitchFamily="18" charset="0"/>
                       </a:endParaRPr>
                     </a:p>
                   </a:txBody>
-                  <a:tcPr/>
+                  <a:tcPr marL="51435" marR="51435" marT="25718" marB="25718">
+                    <a:solidFill>
+                      <a:schemeClr val="accent1"/>
+                    </a:solidFill>
+                  </a:tcPr>
                 </a:tc>
                 <a:extLst>
                   <a:ext uri="{0D108BD9-81ED-4DB2-BD59-A6C34878D82A}">
@@ -3559,7 +3447,7 @@
                   </a:ext>
                 </a:extLst>
               </a:tr>
-              <a:tr h="707571">
+              <a:tr h="399088">
                 <a:tc>
                   <a:txBody>
                     <a:bodyPr/>
@@ -3567,26 +3455,30 @@
                     <a:p>
                       <a:pPr fontAlgn="base"/>
                       <a:r>
-                        <a:rPr lang="en-US" sz="1000" dirty="0">
+                        <a:rPr lang="en-US" sz="1000" b="1" dirty="0">
                           <a:effectLst/>
+                          <a:latin typeface="Garamond" panose="02020404030301010803" pitchFamily="18" charset="0"/>
                         </a:rPr>
                         <a:t>Bit-vector</a:t>
                       </a:r>
-                      <a:endParaRPr lang="en-US" dirty="0"/>
+                      <a:endParaRPr lang="en-US" sz="1000" b="1" dirty="0">
+                        <a:latin typeface="Garamond" panose="02020404030301010803" pitchFamily="18" charset="0"/>
+                      </a:endParaRPr>
                     </a:p>
                     <a:p>
                       <a:pPr lvl="0">
                         <a:buNone/>
                       </a:pPr>
                       <a:r>
-                        <a:rPr lang="en-US" sz="1000" dirty="0">
+                        <a:rPr lang="en-US" sz="1000" b="1" dirty="0">
                           <a:effectLst/>
+                          <a:latin typeface="Garamond" panose="02020404030301010803" pitchFamily="18" charset="0"/>
                         </a:rPr>
                         <a:t>Representation:​</a:t>
                       </a:r>
                     </a:p>
                   </a:txBody>
-                  <a:tcPr/>
+                  <a:tcPr marL="51435" marR="51435" marT="25718" marB="25718"/>
                 </a:tc>
                 <a:tc>
                   <a:txBody>
@@ -3597,6 +3489,7 @@
                       <a:r>
                         <a:rPr lang="en-US" sz="1000" dirty="0">
                           <a:effectLst/>
+                          <a:latin typeface="Baskerville Old Face" panose="02020602080505020303" pitchFamily="18" charset="0"/>
                         </a:rPr>
                         <a:t>Bit-vector of width n​</a:t>
                       </a:r>
@@ -3606,12 +3499,13 @@
                       <a:r>
                         <a:rPr lang="en-US" sz="1000" dirty="0">
                           <a:effectLst/>
+                          <a:latin typeface="Baskerville Old Face" panose="02020602080505020303" pitchFamily="18" charset="0"/>
                         </a:rPr>
                         <a:t>One sort for each n​</a:t>
                       </a:r>
                     </a:p>
                   </a:txBody>
-                  <a:tcPr/>
+                  <a:tcPr marL="51435" marR="51435" marT="25718" marB="25718"/>
                 </a:tc>
                 <a:tc>
                   <a:txBody>
@@ -3622,6 +3516,7 @@
                       <a:r>
                         <a:rPr lang="en-US" sz="1000" dirty="0">
                           <a:effectLst/>
+                          <a:latin typeface="Baskerville Old Face" panose="02020602080505020303" pitchFamily="18" charset="0"/>
                         </a:rPr>
                         <a:t>Bit-vector of width n​</a:t>
                       </a:r>
@@ -3631,12 +3526,74 @@
                       <a:r>
                         <a:rPr lang="en-US" sz="1000" dirty="0">
                           <a:effectLst/>
+                          <a:latin typeface="Baskerville Old Face" panose="02020602080505020303" pitchFamily="18" charset="0"/>
                         </a:rPr>
                         <a:t>Translated to NIA and UF​</a:t>
                       </a:r>
                     </a:p>
                   </a:txBody>
-                  <a:tcPr/>
+                  <a:tcPr marL="51435" marR="51435" marT="25718" marB="25718"/>
+                </a:tc>
+                <a:tc>
+                  <a:txBody>
+                    <a:bodyPr/>
+                    <a:lstStyle/>
+                    <a:p>
+                      <a:pPr fontAlgn="base"/>
+                      <a:r>
+                        <a:rPr lang="en-US" sz="1000" b="0" u="none" dirty="0">
+                          <a:solidFill>
+                            <a:schemeClr val="bg1"/>
+                          </a:solidFill>
+                          <a:effectLst/>
+                          <a:latin typeface="Baskerville Old Face" panose="02020602080505020303" pitchFamily="18" charset="0"/>
+                        </a:rPr>
+                        <a:t>Bit-vector of width n​</a:t>
+                      </a:r>
+                    </a:p>
+                    <a:p>
+                      <a:pPr fontAlgn="base"/>
+                      <a:r>
+                        <a:rPr lang="en-US" sz="1000" b="0" u="none" dirty="0">
+                          <a:solidFill>
+                            <a:schemeClr val="bg1"/>
+                          </a:solidFill>
+                          <a:effectLst/>
+                          <a:latin typeface="Baskerville Old Face" panose="02020602080505020303" pitchFamily="18" charset="0"/>
+                        </a:rPr>
+                        <a:t>List of Booleans over 2 layers​</a:t>
+                      </a:r>
+                    </a:p>
+                  </a:txBody>
+                  <a:tcPr marL="51435" marR="51435" marT="25718" marB="25718">
+                    <a:solidFill>
+                      <a:schemeClr val="accent1"/>
+                    </a:solidFill>
+                  </a:tcPr>
+                </a:tc>
+                <a:extLst>
+                  <a:ext uri="{0D108BD9-81ED-4DB2-BD59-A6C34878D82A}">
+                    <a16:rowId xmlns:a16="http://schemas.microsoft.com/office/drawing/2014/main" val="2062094864"/>
+                  </a:ext>
+                </a:extLst>
+              </a:tr>
+              <a:tr h="336672">
+                <a:tc>
+                  <a:txBody>
+                    <a:bodyPr/>
+                    <a:lstStyle/>
+                    <a:p>
+                      <a:pPr fontAlgn="base"/>
+                      <a:r>
+                        <a:rPr lang="en-US" sz="1000" b="1" dirty="0">
+                          <a:effectLst/>
+                          <a:latin typeface="Garamond" panose="02020404030301010803" pitchFamily="18" charset="0"/>
+                        </a:rPr>
+                        <a:t>Expressivity:​</a:t>
+                      </a:r>
+                    </a:p>
+                  </a:txBody>
+                  <a:tcPr marL="51435" marR="51435" marT="25718" marB="25718"/>
                 </a:tc>
                 <a:tc>
                   <a:txBody>
@@ -3647,44 +3604,13 @@
                       <a:r>
                         <a:rPr lang="en-US" sz="1000" dirty="0">
                           <a:effectLst/>
+                          <a:latin typeface="Baskerville Old Face" panose="02020602080505020303" pitchFamily="18" charset="0"/>
                         </a:rPr>
-                        <a:t>Bit-vector of width n​</a:t>
-                      </a:r>
-                    </a:p>
-                    <a:p>
-                      <a:pPr fontAlgn="base"/>
-                      <a:r>
-                        <a:rPr lang="en-US" sz="1000" dirty="0">
-                          <a:effectLst/>
-                        </a:rPr>
-                        <a:t>List of Booleans over 2 layers​</a:t>
+                        <a:t>n cannot be symbolic​</a:t>
                       </a:r>
                     </a:p>
                   </a:txBody>
-                  <a:tcPr/>
-                </a:tc>
-                <a:extLst>
-                  <a:ext uri="{0D108BD9-81ED-4DB2-BD59-A6C34878D82A}">
-                    <a16:rowId xmlns:a16="http://schemas.microsoft.com/office/drawing/2014/main" val="2062094864"/>
-                  </a:ext>
-                </a:extLst>
-              </a:tr>
-              <a:tr h="430558">
-                <a:tc>
-                  <a:txBody>
-                    <a:bodyPr/>
-                    <a:lstStyle/>
-                    <a:p>
-                      <a:pPr fontAlgn="base"/>
-                      <a:r>
-                        <a:rPr lang="en-US" sz="1000" dirty="0">
-                          <a:effectLst/>
-                        </a:rPr>
-                        <a:t>Expressivity:​</a:t>
-                      </a:r>
-                    </a:p>
-                  </a:txBody>
-                  <a:tcPr/>
+                  <a:tcPr marL="51435" marR="51435" marT="25718" marB="25718"/>
                 </a:tc>
                 <a:tc>
                   <a:txBody>
@@ -3695,12 +3621,61 @@
                       <a:r>
                         <a:rPr lang="en-US" sz="1000" dirty="0">
                           <a:effectLst/>
+                          <a:latin typeface="Baskerville Old Face" panose="02020602080505020303" pitchFamily="18" charset="0"/>
                         </a:rPr>
-                        <a:t>n cannot be symbolic​</a:t>
+                        <a:t>Allows quantification over n​</a:t>
                       </a:r>
                     </a:p>
                   </a:txBody>
-                  <a:tcPr/>
+                  <a:tcPr marL="51435" marR="51435" marT="25718" marB="25718"/>
+                </a:tc>
+                <a:tc>
+                  <a:txBody>
+                    <a:bodyPr/>
+                    <a:lstStyle/>
+                    <a:p>
+                      <a:pPr fontAlgn="base"/>
+                      <a:r>
+                        <a:rPr lang="en-US" sz="1000" b="0" u="none" dirty="0">
+                          <a:solidFill>
+                            <a:schemeClr val="bg1"/>
+                          </a:solidFill>
+                          <a:effectLst/>
+                          <a:latin typeface="Baskerville Old Face" panose="02020602080505020303" pitchFamily="18" charset="0"/>
+                        </a:rPr>
+                        <a:t>Bit-vectors dependent over n​</a:t>
+                      </a:r>
+                    </a:p>
+                  </a:txBody>
+                  <a:tcPr marL="51435" marR="51435" marT="25718" marB="25718">
+                    <a:solidFill>
+                      <a:schemeClr val="accent1"/>
+                    </a:solidFill>
+                  </a:tcPr>
+                </a:tc>
+                <a:extLst>
+                  <a:ext uri="{0D108BD9-81ED-4DB2-BD59-A6C34878D82A}">
+                    <a16:rowId xmlns:a16="http://schemas.microsoft.com/office/drawing/2014/main" val="3186797923"/>
+                  </a:ext>
+                </a:extLst>
+              </a:tr>
+              <a:tr h="347551">
+                <a:tc>
+                  <a:txBody>
+                    <a:bodyPr/>
+                    <a:lstStyle/>
+                    <a:p>
+                      <a:pPr fontAlgn="base"/>
+                      <a:r>
+                        <a:rPr lang="en-US" sz="1000" b="1" dirty="0">
+                          <a:effectLst/>
+                          <a:latin typeface="Garamond" panose="02020404030301010803" pitchFamily="18" charset="0"/>
+                        </a:rPr>
+                        <a:t>Verification:​</a:t>
+                      </a:r>
+                    </a:p>
+                  </a:txBody>
+                  <a:tcPr marL="51435" marR="51435" marT="25718" marB="25718"/>
                 </a:tc>
                 <a:tc>
                   <a:txBody>
@@ -3711,12 +3686,13 @@
                       <a:r>
                         <a:rPr lang="en-US" sz="1000" dirty="0">
                           <a:effectLst/>
+                          <a:latin typeface="Baskerville Old Face" panose="02020602080505020303" pitchFamily="18" charset="0"/>
                         </a:rPr>
-                        <a:t>Allows quantification over n​</a:t>
+                        <a:t>Automatic proofs using SMT solvers ​</a:t>
                       </a:r>
                     </a:p>
                   </a:txBody>
-                  <a:tcPr/>
+                  <a:tcPr marL="51435" marR="51435" marT="25718" marB="25718"/>
                 </a:tc>
                 <a:tc>
                   <a:txBody>
@@ -3727,32 +3703,14 @@
                       <a:r>
                         <a:rPr lang="en-US" sz="1000" dirty="0">
                           <a:effectLst/>
+                          <a:latin typeface="Baskerville Old Face" panose="02020602080505020303" pitchFamily="18" charset="0"/>
                         </a:rPr>
-                        <a:t>Bit-vectors </a:t>
-                      </a:r>
-                      <a:r>
-                        <a:rPr lang="en-US" sz="1000" dirty="0" err="1">
-                          <a:effectLst/>
-                        </a:rPr>
-                        <a:t>dependentover</a:t>
-                      </a:r>
-                      <a:r>
-                        <a:rPr lang="en-US" sz="1000" dirty="0">
-                          <a:effectLst/>
-                        </a:rPr>
-                        <a:t> n​</a:t>
+                        <a:t>Automatic proofs using SMT solvers ​</a:t>
                       </a:r>
                     </a:p>
                   </a:txBody>
-                  <a:tcPr/>
+                  <a:tcPr marL="51435" marR="51435" marT="25718" marB="25718"/>
                 </a:tc>
-                <a:extLst>
-                  <a:ext uri="{0D108BD9-81ED-4DB2-BD59-A6C34878D82A}">
-                    <a16:rowId xmlns:a16="http://schemas.microsoft.com/office/drawing/2014/main" val="3186797923"/>
-                  </a:ext>
-                </a:extLst>
-              </a:tr>
-              <a:tr h="430558">
                 <a:tc>
                   <a:txBody>
                     <a:bodyPr/>
@@ -3760,14 +3718,59 @@
                     <a:p>
                       <a:pPr fontAlgn="base"/>
                       <a:r>
-                        <a:rPr lang="en-US" sz="1000" dirty="0">
+                        <a:rPr lang="en-US" sz="1000" b="0" u="none" dirty="0">
+                          <a:solidFill>
+                            <a:schemeClr val="bg1"/>
+                          </a:solidFill>
                           <a:effectLst/>
+                          <a:latin typeface="Baskerville Old Face" panose="02020602080505020303" pitchFamily="18" charset="0"/>
                         </a:rPr>
-                        <a:t>Verification:​</a:t>
+                        <a:t>Manual proofs in Coq ​</a:t>
+                      </a:r>
+                    </a:p>
+                    <a:p>
+                      <a:pPr fontAlgn="base"/>
+                      <a:r>
+                        <a:rPr lang="en-US" sz="1000" b="0" u="none" dirty="0">
+                          <a:solidFill>
+                            <a:schemeClr val="bg1"/>
+                          </a:solidFill>
+                          <a:effectLst/>
+                          <a:latin typeface="Baskerville Old Face" panose="02020602080505020303" pitchFamily="18" charset="0"/>
+                        </a:rPr>
+                        <a:t>​</a:t>
                       </a:r>
                     </a:p>
                   </a:txBody>
-                  <a:tcPr/>
+                  <a:tcPr marL="51435" marR="51435" marT="25718" marB="25718">
+                    <a:solidFill>
+                      <a:schemeClr val="accent1"/>
+                    </a:solidFill>
+                  </a:tcPr>
+                </a:tc>
+                <a:extLst>
+                  <a:ext uri="{0D108BD9-81ED-4DB2-BD59-A6C34878D82A}">
+                    <a16:rowId xmlns:a16="http://schemas.microsoft.com/office/drawing/2014/main" val="3093741105"/>
+                  </a:ext>
+                </a:extLst>
+              </a:tr>
+              <a:tr h="347551">
+                <a:tc>
+                  <a:txBody>
+                    <a:bodyPr/>
+                    <a:lstStyle/>
+                    <a:p>
+                      <a:pPr fontAlgn="base"/>
+                      <a:r>
+                        <a:rPr lang="en-US" sz="1000" b="1" dirty="0">
+                          <a:effectLst/>
+                          <a:latin typeface="Garamond" panose="02020404030301010803" pitchFamily="18" charset="0"/>
+                        </a:rPr>
+                        <a:t>Results​</a:t>
+                      </a:r>
+                    </a:p>
+                  </a:txBody>
+                  <a:tcPr marL="51435" marR="51435" marT="25718" marB="25718"/>
                 </a:tc>
                 <a:tc>
                   <a:txBody>
@@ -3778,12 +3781,23 @@
                       <a:r>
                         <a:rPr lang="en-US" sz="1000" dirty="0">
                           <a:effectLst/>
+                          <a:latin typeface="Baskerville Old Face" panose="02020602080505020303" pitchFamily="18" charset="0"/>
                         </a:rPr>
-                        <a:t>Automatic proofs using SMT solvers ​</a:t>
+                        <a:t>All equivalences for n = 1 to 65​</a:t>
+                      </a:r>
+                    </a:p>
+                    <a:p>
+                      <a:pPr fontAlgn="base"/>
+                      <a:r>
+                        <a:rPr lang="en-US" sz="1000" dirty="0">
+                          <a:effectLst/>
+                          <a:latin typeface="Baskerville Old Face" panose="02020602080505020303" pitchFamily="18" charset="0"/>
+                        </a:rPr>
+                        <a:t>​</a:t>
                       </a:r>
                     </a:p>
                   </a:txBody>
-                  <a:tcPr/>
+                  <a:tcPr marL="51435" marR="51435" marT="25718" marB="25718"/>
                 </a:tc>
                 <a:tc>
                   <a:txBody>
@@ -3794,95 +3808,7 @@
                       <a:r>
                         <a:rPr lang="en-US" sz="1000" dirty="0">
                           <a:effectLst/>
-                        </a:rPr>
-                        <a:t>Automatic proofs using SMT solvers ​</a:t>
-                      </a:r>
-                    </a:p>
-                  </a:txBody>
-                  <a:tcPr/>
-                </a:tc>
-                <a:tc>
-                  <a:txBody>
-                    <a:bodyPr/>
-                    <a:lstStyle/>
-                    <a:p>
-                      <a:pPr fontAlgn="base"/>
-                      <a:r>
-                        <a:rPr lang="en-US" sz="1000" dirty="0">
-                          <a:effectLst/>
-                        </a:rPr>
-                        <a:t>Manual proofs in Coq ​</a:t>
-                      </a:r>
-                    </a:p>
-                    <a:p>
-                      <a:pPr fontAlgn="base"/>
-                      <a:r>
-                        <a:rPr lang="en-US" sz="1000" dirty="0">
-                          <a:effectLst/>
-                        </a:rPr>
-                        <a:t>​</a:t>
-                      </a:r>
-                    </a:p>
-                  </a:txBody>
-                  <a:tcPr/>
-                </a:tc>
-                <a:extLst>
-                  <a:ext uri="{0D108BD9-81ED-4DB2-BD59-A6C34878D82A}">
-                    <a16:rowId xmlns:a16="http://schemas.microsoft.com/office/drawing/2014/main" val="3093741105"/>
-                  </a:ext>
-                </a:extLst>
-              </a:tr>
-              <a:tr h="430558">
-                <a:tc>
-                  <a:txBody>
-                    <a:bodyPr/>
-                    <a:lstStyle/>
-                    <a:p>
-                      <a:pPr fontAlgn="base"/>
-                      <a:r>
-                        <a:rPr lang="en-US" sz="1000" dirty="0">
-                          <a:effectLst/>
-                        </a:rPr>
-                        <a:t>Results​</a:t>
-                      </a:r>
-                    </a:p>
-                  </a:txBody>
-                  <a:tcPr/>
-                </a:tc>
-                <a:tc>
-                  <a:txBody>
-                    <a:bodyPr/>
-                    <a:lstStyle/>
-                    <a:p>
-                      <a:pPr fontAlgn="base"/>
-                      <a:r>
-                        <a:rPr lang="en-US" sz="1000" dirty="0">
-                          <a:effectLst/>
-                        </a:rPr>
-                        <a:t>All equivalences for n = 1 to 65​</a:t>
-                      </a:r>
-                    </a:p>
-                    <a:p>
-                      <a:pPr fontAlgn="base"/>
-                      <a:r>
-                        <a:rPr lang="en-US" sz="1000" dirty="0">
-                          <a:effectLst/>
-                        </a:rPr>
-                        <a:t>​</a:t>
-                      </a:r>
-                    </a:p>
-                  </a:txBody>
-                  <a:tcPr/>
-                </a:tc>
-                <a:tc>
-                  <a:txBody>
-                    <a:bodyPr/>
-                    <a:lstStyle/>
-                    <a:p>
-                      <a:pPr fontAlgn="base"/>
-                      <a:r>
-                        <a:rPr lang="en-US" sz="1000" dirty="0">
-                          <a:effectLst/>
+                          <a:latin typeface="Baskerville Old Face" panose="02020602080505020303" pitchFamily="18" charset="0"/>
                         </a:rPr>
                         <a:t>Verified ≈75% of equivalences​</a:t>
                       </a:r>
@@ -3892,12 +3818,13 @@
                       <a:r>
                         <a:rPr lang="en-US" sz="1000" dirty="0">
                           <a:effectLst/>
+                          <a:latin typeface="Baskerville Old Face" panose="02020602080505020303" pitchFamily="18" charset="0"/>
                         </a:rPr>
                         <a:t>​</a:t>
                       </a:r>
                     </a:p>
                   </a:txBody>
-                  <a:tcPr/>
+                  <a:tcPr marL="51435" marR="51435" marT="25718" marB="25718"/>
                 </a:tc>
                 <a:tc>
                   <a:txBody>
@@ -3906,8 +3833,12 @@
                     <a:p>
                       <a:pPr fontAlgn="base"/>
                       <a:r>
-                        <a:rPr lang="en-US" sz="1000" dirty="0">
+                        <a:rPr lang="en-US" sz="1000" b="0" u="none" dirty="0">
+                          <a:solidFill>
+                            <a:schemeClr val="bg1"/>
+                          </a:solidFill>
                           <a:effectLst/>
+                          <a:latin typeface="Baskerville Old Face" panose="02020602080505020303" pitchFamily="18" charset="0"/>
                         </a:rPr>
                         <a:t>18 equivalences​</a:t>
                       </a:r>
@@ -3915,14 +3846,22 @@
                     <a:p>
                       <a:pPr fontAlgn="base"/>
                       <a:r>
-                        <a:rPr lang="en-US" sz="1000" dirty="0">
+                        <a:rPr lang="en-US" sz="1000" b="0" u="none" dirty="0">
+                          <a:solidFill>
+                            <a:schemeClr val="bg1"/>
+                          </a:solidFill>
                           <a:effectLst/>
+                          <a:latin typeface="Baskerville Old Face" panose="02020602080505020303" pitchFamily="18" charset="0"/>
                         </a:rPr>
                         <a:t>​</a:t>
                       </a:r>
                     </a:p>
                   </a:txBody>
-                  <a:tcPr/>
+                  <a:tcPr marL="51435" marR="51435" marT="25718" marB="25718">
+                    <a:solidFill>
+                      <a:schemeClr val="accent1"/>
+                    </a:solidFill>
+                  </a:tcPr>
                 </a:tc>
                 <a:extLst>
                   <a:ext uri="{0D108BD9-81ED-4DB2-BD59-A6C34878D82A}">
@@ -3936,7 +3875,7 @@
       </p:graphicFrame>
       <p:sp>
         <p:nvSpPr>
-          <p:cNvPr id="21" name="Content Placeholder 2">
+          <p:cNvPr id="21" name="Content Placeholder 2 1">
             <a:extLst>
               <a:ext uri="{FF2B5EF4-FFF2-40B4-BE49-F238E27FC236}">
                 <a16:creationId xmlns:a16="http://schemas.microsoft.com/office/drawing/2014/main" id="{524DA751-EB1B-4418-B4D1-48BF50851B54}"/>
@@ -3950,16 +3889,16 @@
         </p:nvSpPr>
         <p:spPr>
           <a:xfrm>
-            <a:off x="134573" y="977006"/>
-            <a:ext cx="4782693" cy="2296682"/>
+            <a:off x="141899" y="2014618"/>
+            <a:ext cx="2906101" cy="1434518"/>
           </a:xfrm>
           <a:prstGeom prst="rect">
             <a:avLst/>
           </a:prstGeom>
         </p:spPr>
         <p:txBody>
-          <a:bodyPr vert="horz" lIns="91440" tIns="45720" rIns="91440" bIns="45720" rtlCol="0" anchor="t">
-            <a:normAutofit/>
+          <a:bodyPr vert="horz" lIns="51435" tIns="25718" rIns="51435" bIns="25718" rtlCol="0" anchor="t">
+            <a:noAutofit/>
           </a:bodyPr>
           <a:lstStyle>
             <a:lvl1pPr marL="228600" indent="-228600" algn="l" defTabSz="914400" rtl="0" eaLnBrk="1" latinLnBrk="0" hangingPunct="1">
@@ -4126,183 +4065,44 @@
             </a:lvl9pPr>
           </a:lstStyle>
           <a:p>
-            <a:pPr marL="285750" indent="-285750"/>
-            <a:r>
-              <a:rPr lang="en-US" sz="1600" dirty="0"/>
-              <a:t>An </a:t>
-            </a:r>
-            <a:r>
-              <a:rPr lang="en-US" sz="1600" i="1" dirty="0">
-                <a:solidFill>
-                  <a:schemeClr val="accent2"/>
-                </a:solidFill>
-              </a:rPr>
-              <a:t>invertibility condition </a:t>
-            </a:r>
-            <a:r>
-              <a:rPr lang="en-US" sz="1600" dirty="0"/>
-              <a:t>for a variable x</a:t>
-            </a:r>
-            <a:r>
-              <a:rPr lang="en-US" sz="1600" dirty="0">
-                <a:solidFill>
-                  <a:schemeClr val="accent2"/>
-                </a:solidFill>
-              </a:rPr>
-              <a:t> </a:t>
-            </a:r>
-            <a:r>
-              <a:rPr lang="en-US" sz="1600" dirty="0"/>
-              <a:t>in a bit-vector literal                        is a formula</a:t>
-            </a:r>
-            <a:br>
-              <a:rPr lang="en-US" sz="1600" dirty="0"/>
-            </a:br>
-            <a:r>
-              <a:rPr lang="en-US" sz="1600" dirty="0"/>
-              <a:t>such that the following </a:t>
-            </a:r>
-            <a:r>
-              <a:rPr lang="en-US" sz="1600" i="1" dirty="0">
-                <a:solidFill>
-                  <a:schemeClr val="accent2"/>
-                </a:solidFill>
-              </a:rPr>
-              <a:t>invertibility equivalence</a:t>
-            </a:r>
-            <a:r>
-              <a:rPr lang="en-US" sz="1600" dirty="0"/>
-              <a:t> is valid in the theory of bit-vectors:</a:t>
-            </a:r>
-          </a:p>
-          <a:p>
-            <a:pPr marL="285750" indent="-285750"/>
-            <a:endParaRPr lang="en-US" sz="1600" dirty="0">
-              <a:cs typeface="Calibri"/>
-            </a:endParaRPr>
-          </a:p>
-          <a:p>
-            <a:pPr marL="285750" indent="-285750"/>
-            <a:r>
-              <a:rPr lang="en-US" sz="1600" dirty="0">
+            <a:pPr>
+              <a:lnSpc>
+                <a:spcPct val="100000"/>
+              </a:lnSpc>
+              <a:spcBef>
+                <a:spcPts val="400"/>
+              </a:spcBef>
+            </a:pPr>
+            <a:r>
+              <a:rPr lang="en-US" sz="1200" dirty="0">
+                <a:latin typeface="Baskerville Old Face" panose="02020602080505020303" pitchFamily="18" charset="0"/>
                 <a:cs typeface="Calibri"/>
               </a:rPr>
-              <a:t>CVC4 uses invertibility equivalences in a quantifier-instantiation technique that deals with solving quantified bit-vector formulas</a:t>
+              <a:t>CVC4 uses invertibility equivalences in a quantifier-instantiation technique that deals with solving quantified bit-vector formulas.</a:t>
+            </a:r>
+          </a:p>
+          <a:p>
+            <a:pPr>
+              <a:lnSpc>
+                <a:spcPct val="100000"/>
+              </a:lnSpc>
+              <a:spcBef>
+                <a:spcPts val="400"/>
+              </a:spcBef>
+            </a:pPr>
+            <a:r>
+              <a:rPr lang="en-US" sz="1200" dirty="0">
+                <a:latin typeface="Baskerville Old Face" panose="02020602080505020303" pitchFamily="18" charset="0"/>
+                <a:cs typeface="Calibri"/>
+              </a:rPr>
+              <a:t>Proofs of these equivalences for arbitrary bit-widths certify the solver’s results on quantified bit-vector formulas.</a:t>
             </a:r>
           </a:p>
         </p:txBody>
       </p:sp>
-      <p:pic>
-        <p:nvPicPr>
-          <p:cNvPr id="22" name="Picture 21">
-            <a:extLst>
-              <a:ext uri="{FF2B5EF4-FFF2-40B4-BE49-F238E27FC236}">
-                <a16:creationId xmlns:a16="http://schemas.microsoft.com/office/drawing/2014/main" id="{9C26D9E3-52AC-4A26-B34A-916BE5627173}"/>
-              </a:ext>
-            </a:extLst>
-          </p:cNvPr>
-          <p:cNvPicPr>
-            <a:picLocks noChangeAspect="1"/>
-          </p:cNvPicPr>
-          <p:nvPr/>
-        </p:nvPicPr>
-        <p:blipFill>
-          <a:blip r:embed="rId4">
-            <a:extLst>
-              <a:ext uri="{28A0092B-C50C-407E-A947-70E740481C1C}">
-                <a14:useLocalDpi xmlns:a14="http://schemas.microsoft.com/office/drawing/2010/main" val="0"/>
-              </a:ext>
-            </a:extLst>
-          </a:blip>
-          <a:stretch>
-            <a:fillRect/>
-          </a:stretch>
-        </p:blipFill>
-        <p:spPr>
-          <a:xfrm>
-            <a:off x="1664023" y="1284785"/>
-            <a:ext cx="905059" cy="161501"/>
-          </a:xfrm>
-          <a:prstGeom prst="rect">
-            <a:avLst/>
-          </a:prstGeom>
-        </p:spPr>
-      </p:pic>
-      <p:pic>
-        <p:nvPicPr>
-          <p:cNvPr id="23" name="Picture 22">
-            <a:extLst>
-              <a:ext uri="{FF2B5EF4-FFF2-40B4-BE49-F238E27FC236}">
-                <a16:creationId xmlns:a16="http://schemas.microsoft.com/office/drawing/2014/main" id="{62E4207C-89F2-4C67-A6C2-0E6443EF94A6}"/>
-              </a:ext>
-            </a:extLst>
-          </p:cNvPr>
-          <p:cNvPicPr>
-            <a:picLocks noChangeAspect="1"/>
-          </p:cNvPicPr>
-          <p:nvPr/>
-        </p:nvPicPr>
-        <p:blipFill>
-          <a:blip r:embed="rId5">
-            <a:extLst>
-              <a:ext uri="{28A0092B-C50C-407E-A947-70E740481C1C}">
-                <a14:useLocalDpi xmlns:a14="http://schemas.microsoft.com/office/drawing/2010/main" val="0"/>
-              </a:ext>
-            </a:extLst>
-          </a:blip>
-          <a:stretch>
-            <a:fillRect/>
-          </a:stretch>
-        </p:blipFill>
-        <p:spPr>
-          <a:xfrm>
-            <a:off x="3677805" y="1269097"/>
-            <a:ext cx="941495" cy="179643"/>
-          </a:xfrm>
-          <a:prstGeom prst="rect">
-            <a:avLst/>
-          </a:prstGeom>
-        </p:spPr>
-      </p:pic>
-      <p:pic>
-        <p:nvPicPr>
-          <p:cNvPr id="24" name="Picture 23">
-            <a:extLst>
-              <a:ext uri="{FF2B5EF4-FFF2-40B4-BE49-F238E27FC236}">
-                <a16:creationId xmlns:a16="http://schemas.microsoft.com/office/drawing/2014/main" id="{EA1BA31D-4DC6-4E5F-956E-2B020EA86C06}"/>
-              </a:ext>
-            </a:extLst>
-          </p:cNvPr>
-          <p:cNvPicPr>
-            <a:picLocks noChangeAspect="1"/>
-          </p:cNvPicPr>
-          <p:nvPr/>
-        </p:nvPicPr>
-        <p:blipFill>
-          <a:blip r:embed="rId6">
-            <a:extLst>
-              <a:ext uri="{28A0092B-C50C-407E-A947-70E740481C1C}">
-                <a14:useLocalDpi xmlns:a14="http://schemas.microsoft.com/office/drawing/2010/main" val="0"/>
-              </a:ext>
-            </a:extLst>
-          </a:blip>
-          <a:stretch>
-            <a:fillRect/>
-          </a:stretch>
-        </p:blipFill>
-        <p:spPr>
-          <a:xfrm>
-            <a:off x="649362" y="1951928"/>
-            <a:ext cx="3433308" cy="234072"/>
-          </a:xfrm>
-          <a:prstGeom prst="rect">
-            <a:avLst/>
-          </a:prstGeom>
-        </p:spPr>
-      </p:pic>
       <p:sp>
         <p:nvSpPr>
-          <p:cNvPr id="25" name="Content Placeholder 2">
+          <p:cNvPr id="25" name="Content Placeholder 2 2 1 1">
             <a:extLst>
               <a:ext uri="{FF2B5EF4-FFF2-40B4-BE49-F238E27FC236}">
                 <a16:creationId xmlns:a16="http://schemas.microsoft.com/office/drawing/2014/main" id="{7AA474C7-EFFD-40C7-B9ED-3F8C3B7827F2}"/>
@@ -4316,15 +4116,15 @@
         </p:nvSpPr>
         <p:spPr>
           <a:xfrm>
-            <a:off x="37877" y="3157290"/>
-            <a:ext cx="4900384" cy="3426050"/>
+            <a:off x="3465250" y="1080461"/>
+            <a:ext cx="3161803" cy="4108484"/>
           </a:xfrm>
           <a:prstGeom prst="rect">
             <a:avLst/>
           </a:prstGeom>
         </p:spPr>
         <p:txBody>
-          <a:bodyPr vert="horz" lIns="91440" tIns="45720" rIns="91440" bIns="45720" rtlCol="0" anchor="t">
+          <a:bodyPr vert="horz" lIns="51435" tIns="25718" rIns="51435" bIns="25718" rtlCol="0" anchor="t">
             <a:noAutofit/>
           </a:bodyPr>
           <a:lstStyle>
@@ -4499,187 +4299,286 @@
               <a:buNone/>
             </a:pPr>
             <a:r>
-              <a:rPr lang="en-US" sz="1400" b="1" dirty="0">
+              <a:rPr lang="en-US" sz="1200" b="1" dirty="0">
+                <a:latin typeface="Garamond" panose="02020404030301010803" pitchFamily="18" charset="0"/>
+                <a:cs typeface="Helvetica" panose="020B0604020202020204" pitchFamily="34" charset="0"/>
+              </a:rPr>
+              <a:t>Contributions</a:t>
+            </a:r>
+          </a:p>
+          <a:p>
+            <a:pPr marL="0" indent="0">
+              <a:lnSpc>
+                <a:spcPct val="100000"/>
+              </a:lnSpc>
+              <a:spcBef>
+                <a:spcPts val="400"/>
+              </a:spcBef>
+              <a:buNone/>
+            </a:pPr>
+            <a:r>
+              <a:rPr lang="en-US" sz="1200" u="sng" dirty="0">
+                <a:latin typeface="Garamond" panose="02020404030301010803" pitchFamily="18" charset="0"/>
                 <a:cs typeface="Calibri" panose="020F0502020204030204"/>
               </a:rPr>
-              <a:t>Contributions</a:t>
-            </a:r>
-            <a:endParaRPr lang="en-US" sz="1400" b="1">
+              <a:t>Previous Work</a:t>
+            </a:r>
+          </a:p>
+          <a:p>
+            <a:pPr marL="0" indent="0">
+              <a:lnSpc>
+                <a:spcPct val="100000"/>
+              </a:lnSpc>
+              <a:spcBef>
+                <a:spcPts val="400"/>
+              </a:spcBef>
+              <a:buNone/>
+            </a:pPr>
+            <a:r>
+              <a:rPr lang="en-US" sz="1200" dirty="0">
+                <a:latin typeface="Baskerville Old Face" panose="02020602080505020303" pitchFamily="18" charset="0"/>
+              </a:rPr>
+              <a:t>[</a:t>
+            </a:r>
+            <a:r>
+              <a:rPr lang="en-US" sz="1200" dirty="0" err="1">
+                <a:latin typeface="Baskerville Old Face" panose="02020602080505020303" pitchFamily="18" charset="0"/>
+              </a:rPr>
+              <a:t>Niemetz</a:t>
+            </a:r>
+            <a:r>
+              <a:rPr lang="en-US" sz="1200" dirty="0">
+                <a:latin typeface="Baskerville Old Face" panose="02020602080505020303" pitchFamily="18" charset="0"/>
+              </a:rPr>
+              <a:t> et al., CAV 2018] </a:t>
+            </a:r>
+            <a:endParaRPr lang="en-US" sz="1200" dirty="0">
+              <a:latin typeface="Baskerville Old Face" panose="02020602080505020303" pitchFamily="18" charset="0"/>
               <a:cs typeface="Calibri" panose="020F0502020204030204"/>
             </a:endParaRPr>
           </a:p>
           <a:p>
+            <a:pPr marL="160734" indent="-160734">
+              <a:lnSpc>
+                <a:spcPct val="100000"/>
+              </a:lnSpc>
+              <a:spcBef>
+                <a:spcPts val="400"/>
+              </a:spcBef>
+            </a:pPr>
+            <a:r>
+              <a:rPr lang="en-US" sz="1200" dirty="0">
+                <a:latin typeface="Baskerville Old Face" panose="02020602080505020303" pitchFamily="18" charset="0"/>
+              </a:rPr>
+              <a:t>generated 162 invertibility equivalences</a:t>
+            </a:r>
+            <a:endParaRPr lang="en-US" sz="1200" dirty="0">
+              <a:latin typeface="Baskerville Old Face" panose="02020602080505020303" pitchFamily="18" charset="0"/>
+              <a:cs typeface="Calibri"/>
+            </a:endParaRPr>
+          </a:p>
+          <a:p>
+            <a:pPr marL="160734" indent="-160734">
+              <a:lnSpc>
+                <a:spcPct val="100000"/>
+              </a:lnSpc>
+              <a:spcBef>
+                <a:spcPts val="400"/>
+              </a:spcBef>
+            </a:pPr>
+            <a:r>
+              <a:rPr lang="en-US" sz="1200" dirty="0">
+                <a:latin typeface="Baskerville Old Face" panose="02020602080505020303" pitchFamily="18" charset="0"/>
+              </a:rPr>
+              <a:t>proved them using SMT-solvers for bit-widths up to 65</a:t>
+            </a:r>
+            <a:endParaRPr lang="en-US" sz="1200" dirty="0">
+              <a:latin typeface="Baskerville Old Face" panose="02020602080505020303" pitchFamily="18" charset="0"/>
+              <a:cs typeface="Calibri"/>
+            </a:endParaRPr>
+          </a:p>
+          <a:p>
             <a:pPr marL="0" indent="0">
               <a:lnSpc>
-                <a:spcPct val="60000"/>
-              </a:lnSpc>
+                <a:spcPct val="100000"/>
+              </a:lnSpc>
+              <a:spcBef>
+                <a:spcPts val="400"/>
+              </a:spcBef>
               <a:buNone/>
             </a:pPr>
             <a:r>
-              <a:rPr lang="en-US" sz="1400" dirty="0"/>
+              <a:rPr lang="en-US" sz="1200" dirty="0">
+                <a:latin typeface="Baskerville Old Face" panose="02020602080505020303" pitchFamily="18" charset="0"/>
+              </a:rPr>
               <a:t>[</a:t>
             </a:r>
             <a:r>
-              <a:rPr lang="en-US" sz="1400" dirty="0" err="1"/>
+              <a:rPr lang="en-US" sz="1200" dirty="0" err="1">
+                <a:latin typeface="Baskerville Old Face" panose="02020602080505020303" pitchFamily="18" charset="0"/>
+              </a:rPr>
               <a:t>Niemetz</a:t>
             </a:r>
             <a:r>
-              <a:rPr lang="en-US" sz="1400" dirty="0"/>
-              <a:t> et al., CAV 2018] </a:t>
-            </a:r>
-            <a:endParaRPr lang="en-US" sz="1400" dirty="0">
+              <a:rPr lang="en-US" sz="1200" dirty="0">
+                <a:latin typeface="Baskerville Old Face" panose="02020602080505020303" pitchFamily="18" charset="0"/>
+              </a:rPr>
+              <a:t> et al., CADE 2019] </a:t>
+            </a:r>
+            <a:endParaRPr lang="en-US" sz="1200" dirty="0">
+              <a:latin typeface="Baskerville Old Face" panose="02020602080505020303" pitchFamily="18" charset="0"/>
               <a:cs typeface="Calibri" panose="020F0502020204030204"/>
             </a:endParaRPr>
           </a:p>
           <a:p>
-            <a:pPr marL="285750" indent="-285750">
-              <a:lnSpc>
-                <a:spcPct val="60000"/>
-              </a:lnSpc>
+            <a:pPr marL="160734" indent="-160734">
+              <a:lnSpc>
+                <a:spcPct val="100000"/>
+              </a:lnSpc>
+              <a:spcBef>
+                <a:spcPts val="400"/>
+              </a:spcBef>
             </a:pPr>
             <a:r>
-              <a:rPr lang="en-US" sz="1400" dirty="0"/>
-              <a:t>generated 162 invertibility equivalences</a:t>
-            </a:r>
-            <a:endParaRPr lang="en-US" sz="1400" dirty="0">
+              <a:rPr lang="en-US" sz="1200" dirty="0">
+                <a:latin typeface="Baskerville Old Face" panose="02020602080505020303" pitchFamily="18" charset="0"/>
+              </a:rPr>
+              <a:t>encoded the equivalences in theories supported by SMT-solvers </a:t>
+            </a:r>
+            <a:endParaRPr lang="en-US" sz="1200" dirty="0">
+              <a:latin typeface="Baskerville Old Face" panose="02020602080505020303" pitchFamily="18" charset="0"/>
               <a:cs typeface="Calibri"/>
             </a:endParaRPr>
           </a:p>
           <a:p>
-            <a:pPr marL="285750" indent="-285750">
-              <a:lnSpc>
-                <a:spcPct val="60000"/>
-              </a:lnSpc>
+            <a:pPr marL="160734" indent="-160734">
+              <a:lnSpc>
+                <a:spcPct val="100000"/>
+              </a:lnSpc>
+              <a:spcBef>
+                <a:spcPts val="400"/>
+              </a:spcBef>
             </a:pPr>
             <a:r>
-              <a:rPr lang="en-US" sz="1400" dirty="0"/>
-              <a:t>proved them using SMT-solvers for bit-widths up to 65</a:t>
-            </a:r>
-            <a:endParaRPr lang="en-US" sz="1400" dirty="0">
+              <a:rPr lang="en-US" sz="1200" dirty="0">
+                <a:latin typeface="Baskerville Old Face" panose="02020602080505020303" pitchFamily="18" charset="0"/>
+              </a:rPr>
+              <a:t>verified equivalences for parametric bit-widths</a:t>
+            </a:r>
+            <a:endParaRPr lang="en-US" sz="1200" dirty="0">
+              <a:latin typeface="Baskerville Old Face" panose="02020602080505020303" pitchFamily="18" charset="0"/>
               <a:cs typeface="Calibri"/>
             </a:endParaRPr>
           </a:p>
           <a:p>
+            <a:pPr marL="160734" indent="-160734">
+              <a:lnSpc>
+                <a:spcPct val="100000"/>
+              </a:lnSpc>
+              <a:spcBef>
+                <a:spcPts val="400"/>
+              </a:spcBef>
+            </a:pPr>
+            <a:r>
+              <a:rPr lang="en-US" sz="1200" dirty="0">
+                <a:latin typeface="Baskerville Old Face" panose="02020602080505020303" pitchFamily="18" charset="0"/>
+              </a:rPr>
+              <a:t>approach succeeded on under 75% of the equivalences</a:t>
+            </a:r>
+          </a:p>
+          <a:p>
             <a:pPr marL="0" indent="0">
               <a:lnSpc>
-                <a:spcPct val="60000"/>
-              </a:lnSpc>
+                <a:spcPct val="100000"/>
+              </a:lnSpc>
+              <a:spcBef>
+                <a:spcPts val="400"/>
+              </a:spcBef>
               <a:buNone/>
             </a:pPr>
-            <a:r>
-              <a:rPr lang="en-US" sz="1400" dirty="0"/>
-              <a:t>[</a:t>
-            </a:r>
-            <a:r>
-              <a:rPr lang="en-US" sz="1400" dirty="0" err="1"/>
-              <a:t>Niemetz</a:t>
-            </a:r>
-            <a:r>
-              <a:rPr lang="en-US" sz="1400" dirty="0"/>
-              <a:t> et al., CADE 2019] </a:t>
-            </a:r>
-            <a:endParaRPr lang="en-US" sz="1400" dirty="0">
-              <a:cs typeface="Calibri" panose="020F0502020204030204"/>
-            </a:endParaRPr>
-          </a:p>
-          <a:p>
-            <a:pPr marL="285750" indent="-285750">
-              <a:lnSpc>
-                <a:spcPct val="60000"/>
-              </a:lnSpc>
-            </a:pPr>
-            <a:r>
-              <a:rPr lang="en-US" sz="1400" dirty="0"/>
-              <a:t>encoded the equivalences in theories supported by SMT-solvers </a:t>
-            </a:r>
-            <a:endParaRPr lang="en-US" sz="1400" dirty="0">
+            <a:endParaRPr lang="en-US" sz="1200" dirty="0">
+              <a:latin typeface="Gill Sans MT" panose="020B0502020104020203" pitchFamily="34" charset="0"/>
               <a:cs typeface="Calibri"/>
             </a:endParaRPr>
           </a:p>
           <a:p>
-            <a:pPr marL="285750" indent="-285750">
-              <a:lnSpc>
-                <a:spcPct val="60000"/>
-              </a:lnSpc>
+            <a:pPr marL="0" indent="0">
+              <a:lnSpc>
+                <a:spcPct val="100000"/>
+              </a:lnSpc>
+              <a:spcBef>
+                <a:spcPts val="400"/>
+              </a:spcBef>
+              <a:buNone/>
             </a:pPr>
             <a:r>
-              <a:rPr lang="en-US" sz="1400" dirty="0"/>
-              <a:t>verified equivalences for parametric bit-widths</a:t>
-            </a:r>
-            <a:endParaRPr lang="en-US" sz="1400" dirty="0">
-              <a:cs typeface="Calibri"/>
-            </a:endParaRPr>
-          </a:p>
-          <a:p>
-            <a:pPr marL="285750" indent="-285750">
-              <a:lnSpc>
-                <a:spcPct val="60000"/>
-              </a:lnSpc>
-            </a:pPr>
-            <a:r>
-              <a:rPr lang="en-US" sz="1400" dirty="0"/>
-              <a:t>approach succeeded on under 75% of the equivalences</a:t>
-            </a:r>
-            <a:endParaRPr lang="en-US" sz="1400" dirty="0">
-              <a:cs typeface="Calibri"/>
-            </a:endParaRPr>
-          </a:p>
-          <a:p>
-            <a:pPr marL="0" indent="0">
-              <a:lnSpc>
-                <a:spcPct val="60000"/>
-              </a:lnSpc>
-              <a:buNone/>
-            </a:pPr>
-            <a:r>
-              <a:rPr lang="en-US" sz="1400" dirty="0">
+              <a:rPr lang="en-US" sz="1200" u="sng" dirty="0">
+                <a:latin typeface="Garamond" panose="02020404030301010803" pitchFamily="18" charset="0"/>
                 <a:cs typeface="Calibri"/>
               </a:rPr>
               <a:t>This work</a:t>
             </a:r>
-          </a:p>
-          <a:p>
-            <a:pPr>
-              <a:lnSpc>
-                <a:spcPct val="60000"/>
-              </a:lnSpc>
+            <a:endParaRPr lang="en-US" sz="1200" u="sng" dirty="0">
+              <a:latin typeface="Garamond" panose="02020404030301010803" pitchFamily="18" charset="0"/>
+              <a:ea typeface="+mn-lt"/>
+              <a:cs typeface="+mn-lt"/>
+            </a:endParaRPr>
+          </a:p>
+          <a:p>
+            <a:pPr marL="160734" indent="-160734">
+              <a:lnSpc>
+                <a:spcPct val="100000"/>
+              </a:lnSpc>
+              <a:spcBef>
+                <a:spcPts val="400"/>
+              </a:spcBef>
             </a:pPr>
             <a:r>
-              <a:rPr lang="en-US" sz="1400" dirty="0">
+              <a:rPr lang="en-US" sz="1200" dirty="0">
+                <a:latin typeface="Baskerville Old Face" panose="02020602080505020303" pitchFamily="18" charset="0"/>
                 <a:ea typeface="+mn-lt"/>
                 <a:cs typeface="+mn-lt"/>
               </a:rPr>
-              <a:t>Formalized a representative subset of the 162 invertibility equivalences in Coq </a:t>
-            </a:r>
-          </a:p>
-          <a:p>
-            <a:pPr>
-              <a:lnSpc>
-                <a:spcPct val="60000"/>
-              </a:lnSpc>
+              <a:t>formalized a representative subset of the 162 invertibility equivalences in Coq </a:t>
+            </a:r>
+          </a:p>
+          <a:p>
+            <a:pPr marL="160734" indent="-160734">
+              <a:lnSpc>
+                <a:spcPct val="100000"/>
+              </a:lnSpc>
+              <a:spcBef>
+                <a:spcPts val="400"/>
+              </a:spcBef>
             </a:pPr>
             <a:r>
-              <a:rPr lang="en-US" sz="1400" dirty="0">
+              <a:rPr lang="en-US" sz="1200" dirty="0">
+                <a:latin typeface="Baskerville Old Face" panose="02020602080505020303" pitchFamily="18" charset="0"/>
                 <a:ea typeface="+mn-lt"/>
                 <a:cs typeface="+mn-lt"/>
               </a:rPr>
-              <a:t>Extended a Coq bit-vector library to support these equivalences</a:t>
-            </a:r>
-          </a:p>
-          <a:p>
-            <a:pPr marL="285750" indent="-285750">
-              <a:lnSpc>
-                <a:spcPct val="60000"/>
-              </a:lnSpc>
+              <a:t>extended a Coq bit-vector library to support these equivalences</a:t>
+            </a:r>
+          </a:p>
+          <a:p>
+            <a:pPr marL="160734" indent="-160734">
+              <a:lnSpc>
+                <a:spcPct val="100000"/>
+              </a:lnSpc>
+              <a:spcBef>
+                <a:spcPts val="400"/>
+              </a:spcBef>
             </a:pPr>
             <a:r>
-              <a:rPr lang="en-US" sz="1400" dirty="0">
+              <a:rPr lang="en-US" sz="1200" dirty="0">
+                <a:latin typeface="Baskerville Old Face" panose="02020602080505020303" pitchFamily="18" charset="0"/>
                 <a:ea typeface="+mn-lt"/>
                 <a:cs typeface="+mn-lt"/>
               </a:rPr>
-              <a:t>Proved 18 of them for arbitrary bit-width</a:t>
-            </a:r>
-            <a:endParaRPr lang="en-US" sz="1400" dirty="0">
+              <a:t>proved 18 of them for arbitrary bit-width</a:t>
+            </a:r>
+            <a:endParaRPr lang="en-US" sz="1200" dirty="0">
+              <a:latin typeface="Baskerville Old Face" panose="02020602080505020303" pitchFamily="18" charset="0"/>
               <a:cs typeface="Calibri"/>
             </a:endParaRPr>
           </a:p>
@@ -4690,15 +4589,16 @@
               </a:lnSpc>
               <a:buNone/>
             </a:pPr>
-            <a:endParaRPr lang="en-US" sz="1400" dirty="0">
-              <a:cs typeface="Calibri" panose="020F0502020204030204"/>
+            <a:endParaRPr lang="en-US" sz="1200" dirty="0">
+              <a:latin typeface="Gill Sans MT" panose="020B0502020104020203" pitchFamily="34" charset="0"/>
+              <a:cs typeface="Calibri"/>
             </a:endParaRPr>
           </a:p>
         </p:txBody>
       </p:sp>
       <p:sp>
         <p:nvSpPr>
-          <p:cNvPr id="3" name="Title 1">
+          <p:cNvPr id="3" name="Title 1 2">
             <a:extLst>
               <a:ext uri="{FF2B5EF4-FFF2-40B4-BE49-F238E27FC236}">
                 <a16:creationId xmlns:a16="http://schemas.microsoft.com/office/drawing/2014/main" id="{5038B24F-1D91-4A38-A0A5-F8CA1E62F5B8}"/>
@@ -4712,16 +4612,16 @@
         </p:nvSpPr>
         <p:spPr>
           <a:xfrm>
-            <a:off x="7687130" y="891265"/>
-            <a:ext cx="818244" cy="327708"/>
+            <a:off x="1422724" y="4428782"/>
+            <a:ext cx="621150" cy="187448"/>
           </a:xfrm>
           <a:prstGeom prst="rect">
             <a:avLst/>
           </a:prstGeom>
         </p:spPr>
         <p:txBody>
-          <a:bodyPr vert="horz" lIns="91440" tIns="45720" rIns="91440" bIns="45720" rtlCol="0" anchor="ctr">
-            <a:normAutofit/>
+          <a:bodyPr vert="horz" lIns="51435" tIns="25718" rIns="51435" bIns="25718" rtlCol="0" anchor="ctr">
+            <a:noAutofit/>
           </a:bodyPr>
           <a:lstStyle>
             <a:lvl1pPr algn="l" defTabSz="914400" rtl="0" eaLnBrk="1" latinLnBrk="0" hangingPunct="1">
@@ -4744,20 +4644,18 @@
           </a:lstStyle>
           <a:p>
             <a:r>
-              <a:rPr lang="en-US" sz="1400" b="1" dirty="0">
+              <a:rPr lang="en-US" sz="1200" b="1" dirty="0">
+                <a:latin typeface="Garamond" panose="02020404030301010803" pitchFamily="18" charset="0"/>
                 <a:cs typeface="Calibri Light"/>
               </a:rPr>
               <a:t>Results</a:t>
             </a:r>
-            <a:endParaRPr lang="en-US" sz="1400" b="1">
-              <a:cs typeface="Calibri Light"/>
-            </a:endParaRPr>
           </a:p>
         </p:txBody>
       </p:sp>
       <p:sp>
         <p:nvSpPr>
-          <p:cNvPr id="13" name="Title 1">
+          <p:cNvPr id="13" name="Title 1 3">
             <a:extLst>
               <a:ext uri="{FF2B5EF4-FFF2-40B4-BE49-F238E27FC236}">
                 <a16:creationId xmlns:a16="http://schemas.microsoft.com/office/drawing/2014/main" id="{852E5876-64E9-4AF4-AF62-4D87E6A08076}"/>
@@ -4771,16 +4669,16 @@
         </p:nvSpPr>
         <p:spPr>
           <a:xfrm>
-            <a:off x="8376558" y="4002764"/>
-            <a:ext cx="2070101" cy="327708"/>
+            <a:off x="2479117" y="7663363"/>
+            <a:ext cx="2498894" cy="322568"/>
           </a:xfrm>
           <a:prstGeom prst="rect">
             <a:avLst/>
           </a:prstGeom>
         </p:spPr>
         <p:txBody>
-          <a:bodyPr vert="horz" lIns="91440" tIns="45720" rIns="91440" bIns="45720" rtlCol="0" anchor="ctr">
-            <a:normAutofit/>
+          <a:bodyPr vert="horz" lIns="51435" tIns="25718" rIns="51435" bIns="25718" rtlCol="0" anchor="ctr">
+            <a:noAutofit/>
           </a:bodyPr>
           <a:lstStyle>
             <a:lvl1pPr algn="l" defTabSz="914400" rtl="0" eaLnBrk="1" latinLnBrk="0" hangingPunct="1">
@@ -4803,13 +4701,15 @@
           </a:lstStyle>
           <a:p>
             <a:r>
-              <a:rPr lang="en-US" sz="1400" b="1" dirty="0" err="1">
+              <a:rPr lang="en-US" sz="1200" b="1" dirty="0" err="1">
+                <a:latin typeface="Garamond" panose="02020404030301010803" pitchFamily="18" charset="0"/>
                 <a:cs typeface="Calibri Light"/>
               </a:rPr>
               <a:t>Bitvector</a:t>
             </a:r>
             <a:r>
-              <a:rPr lang="en-US" sz="1400" b="1" dirty="0">
+              <a:rPr lang="en-US" sz="1200" b="1" dirty="0">
+                <a:latin typeface="Garamond" panose="02020404030301010803" pitchFamily="18" charset="0"/>
                 <a:cs typeface="Calibri Light"/>
               </a:rPr>
               <a:t> Representations</a:t>
@@ -4817,6 +4717,1594 @@
           </a:p>
         </p:txBody>
       </p:sp>
+      <p:pic>
+        <p:nvPicPr>
+          <p:cNvPr id="46" name="Picture 45">
+            <a:extLst>
+              <a:ext uri="{FF2B5EF4-FFF2-40B4-BE49-F238E27FC236}">
+                <a16:creationId xmlns:a16="http://schemas.microsoft.com/office/drawing/2014/main" id="{F8D2020A-1916-4685-BCFC-CA052D82B97F}"/>
+              </a:ext>
+            </a:extLst>
+          </p:cNvPr>
+          <p:cNvPicPr>
+            <a:picLocks noChangeAspect="1"/>
+          </p:cNvPicPr>
+          <p:nvPr>
+            <p:custDataLst>
+              <p:tags r:id="rId1"/>
+            </p:custDataLst>
+          </p:nvPr>
+        </p:nvPicPr>
+        <p:blipFill>
+          <a:blip r:embed="rId16" cstate="print">
+            <a:extLst>
+              <a:ext uri="{28A0092B-C50C-407E-A947-70E740481C1C}">
+                <a14:useLocalDpi xmlns:a14="http://schemas.microsoft.com/office/drawing/2010/main" val="0"/>
+              </a:ext>
+            </a:extLst>
+          </a:blip>
+          <a:stretch>
+            <a:fillRect/>
+          </a:stretch>
+        </p:blipFill>
+        <p:spPr>
+          <a:xfrm>
+            <a:off x="164594" y="1175745"/>
+            <a:ext cx="3104158" cy="672812"/>
+          </a:xfrm>
+          <a:prstGeom prst="rect">
+            <a:avLst/>
+          </a:prstGeom>
+        </p:spPr>
+      </p:pic>
+      <p:sp>
+        <p:nvSpPr>
+          <p:cNvPr id="34" name="Rectangle 33">
+            <a:extLst>
+              <a:ext uri="{FF2B5EF4-FFF2-40B4-BE49-F238E27FC236}">
+                <a16:creationId xmlns:a16="http://schemas.microsoft.com/office/drawing/2014/main" id="{C98B872D-396F-4CC8-9DEE-180776A735BC}"/>
+              </a:ext>
+            </a:extLst>
+          </p:cNvPr>
+          <p:cNvSpPr/>
+          <p:nvPr/>
+        </p:nvSpPr>
+        <p:spPr>
+          <a:xfrm>
+            <a:off x="75698" y="146304"/>
+            <a:ext cx="6717397" cy="768096"/>
+          </a:xfrm>
+          <a:prstGeom prst="rect">
+            <a:avLst/>
+          </a:prstGeom>
+        </p:spPr>
+        <p:style>
+          <a:lnRef idx="2">
+            <a:schemeClr val="accent1">
+              <a:shade val="50000"/>
+            </a:schemeClr>
+          </a:lnRef>
+          <a:fillRef idx="1">
+            <a:schemeClr val="accent1"/>
+          </a:fillRef>
+          <a:effectRef idx="0">
+            <a:schemeClr val="accent1"/>
+          </a:effectRef>
+          <a:fontRef idx="minor">
+            <a:schemeClr val="lt1"/>
+          </a:fontRef>
+        </p:style>
+        <p:txBody>
+          <a:bodyPr rtlCol="0" anchor="ctr"/>
+          <a:lstStyle/>
+          <a:p>
+            <a:pPr algn="ctr"/>
+            <a:r>
+              <a:rPr lang="en-US" b="1" dirty="0">
+                <a:latin typeface="Garamond" panose="02020404030301010803" pitchFamily="18" charset="0"/>
+                <a:cs typeface="Helvetica" panose="020B0604020202020204" pitchFamily="34" charset="0"/>
+              </a:rPr>
+              <a:t>Verifying Bit-vector Invertibility Conditions in Coq</a:t>
+            </a:r>
+          </a:p>
+          <a:p>
+            <a:pPr algn="ctr"/>
+            <a:r>
+              <a:rPr lang="en-US" sz="1200" b="1" dirty="0" err="1">
+                <a:latin typeface="Garamond" panose="02020404030301010803" pitchFamily="18" charset="0"/>
+                <a:cs typeface="Helvetica" panose="020B0604020202020204" pitchFamily="34" charset="0"/>
+              </a:rPr>
+              <a:t>Burak</a:t>
+            </a:r>
+            <a:r>
+              <a:rPr lang="en-US" sz="1200" b="1" dirty="0">
+                <a:latin typeface="Garamond" panose="02020404030301010803" pitchFamily="18" charset="0"/>
+                <a:cs typeface="Helvetica" panose="020B0604020202020204" pitchFamily="34" charset="0"/>
+              </a:rPr>
+              <a:t> Ekici</a:t>
+            </a:r>
+            <a:r>
+              <a:rPr lang="en-US" sz="1200" b="1" baseline="30000" dirty="0">
+                <a:latin typeface="Garamond" panose="02020404030301010803" pitchFamily="18" charset="0"/>
+                <a:cs typeface="Helvetica" panose="020B0604020202020204" pitchFamily="34" charset="0"/>
+              </a:rPr>
+              <a:t>1    </a:t>
+            </a:r>
+            <a:r>
+              <a:rPr lang="en-US" sz="1200" b="1" dirty="0">
+                <a:latin typeface="Garamond" panose="02020404030301010803" pitchFamily="18" charset="0"/>
+                <a:cs typeface="Helvetica" panose="020B0604020202020204" pitchFamily="34" charset="0"/>
+              </a:rPr>
+              <a:t>Arjun Viswanathan</a:t>
+            </a:r>
+            <a:r>
+              <a:rPr lang="en-US" sz="1200" b="1" baseline="30000" dirty="0">
+                <a:latin typeface="Garamond" panose="02020404030301010803" pitchFamily="18" charset="0"/>
+                <a:cs typeface="Helvetica" panose="020B0604020202020204" pitchFamily="34" charset="0"/>
+              </a:rPr>
+              <a:t>2    </a:t>
+            </a:r>
+            <a:r>
+              <a:rPr lang="en-US" sz="1200" b="1" dirty="0">
+                <a:latin typeface="Garamond" panose="02020404030301010803" pitchFamily="18" charset="0"/>
+                <a:cs typeface="Helvetica" panose="020B0604020202020204" pitchFamily="34" charset="0"/>
+              </a:rPr>
+              <a:t>Yoni Zohar</a:t>
+            </a:r>
+            <a:r>
+              <a:rPr lang="en-US" sz="1200" b="1" baseline="30000" dirty="0">
+                <a:latin typeface="Garamond" panose="02020404030301010803" pitchFamily="18" charset="0"/>
+                <a:cs typeface="Helvetica" panose="020B0604020202020204" pitchFamily="34" charset="0"/>
+              </a:rPr>
+              <a:t>3    </a:t>
+            </a:r>
+            <a:r>
+              <a:rPr lang="en-US" sz="1200" b="1" dirty="0">
+                <a:latin typeface="Garamond" panose="02020404030301010803" pitchFamily="18" charset="0"/>
+                <a:cs typeface="Helvetica" panose="020B0604020202020204" pitchFamily="34" charset="0"/>
+              </a:rPr>
+              <a:t>Clark Barrett</a:t>
+            </a:r>
+            <a:r>
+              <a:rPr lang="en-US" sz="1200" b="1" baseline="30000" dirty="0">
+                <a:latin typeface="Garamond" panose="02020404030301010803" pitchFamily="18" charset="0"/>
+                <a:cs typeface="Helvetica" panose="020B0604020202020204" pitchFamily="34" charset="0"/>
+              </a:rPr>
+              <a:t>3    </a:t>
+            </a:r>
+            <a:r>
+              <a:rPr lang="en-US" sz="1200" b="1" dirty="0">
+                <a:latin typeface="Garamond" panose="02020404030301010803" pitchFamily="18" charset="0"/>
+                <a:cs typeface="Helvetica" panose="020B0604020202020204" pitchFamily="34" charset="0"/>
+              </a:rPr>
+              <a:t>Cesare Tinelli</a:t>
+            </a:r>
+            <a:r>
+              <a:rPr lang="en-US" sz="1200" b="1" baseline="30000" dirty="0">
+                <a:latin typeface="Garamond" panose="02020404030301010803" pitchFamily="18" charset="0"/>
+                <a:cs typeface="Helvetica" panose="020B0604020202020204" pitchFamily="34" charset="0"/>
+              </a:rPr>
+              <a:t>2</a:t>
+            </a:r>
+            <a:endParaRPr lang="en-US" sz="1200" b="1" dirty="0">
+              <a:latin typeface="Garamond" panose="02020404030301010803" pitchFamily="18" charset="0"/>
+              <a:cs typeface="Helvetica" panose="020B0604020202020204" pitchFamily="34" charset="0"/>
+            </a:endParaRPr>
+          </a:p>
+          <a:p>
+            <a:pPr algn="ctr"/>
+            <a:r>
+              <a:rPr lang="en-US" sz="1200" baseline="30000" dirty="0">
+                <a:latin typeface="Garamond" panose="02020404030301010803" pitchFamily="18" charset="0"/>
+                <a:cs typeface="Helvetica" panose="020B0604020202020204" pitchFamily="34" charset="0"/>
+              </a:rPr>
+              <a:t>1</a:t>
+            </a:r>
+            <a:r>
+              <a:rPr lang="en-US" sz="1200" dirty="0">
+                <a:latin typeface="Garamond" panose="02020404030301010803" pitchFamily="18" charset="0"/>
+                <a:cs typeface="Helvetica" panose="020B0604020202020204" pitchFamily="34" charset="0"/>
+              </a:rPr>
+              <a:t> University of Innsbruck      </a:t>
+            </a:r>
+            <a:r>
+              <a:rPr lang="en-US" sz="1200" baseline="30000" dirty="0">
+                <a:latin typeface="Garamond" panose="02020404030301010803" pitchFamily="18" charset="0"/>
+                <a:cs typeface="Helvetica" panose="020B0604020202020204" pitchFamily="34" charset="0"/>
+              </a:rPr>
+              <a:t>2</a:t>
+            </a:r>
+            <a:r>
+              <a:rPr lang="en-US" sz="1200" dirty="0">
+                <a:latin typeface="Garamond" panose="02020404030301010803" pitchFamily="18" charset="0"/>
+                <a:cs typeface="Helvetica" panose="020B0604020202020204" pitchFamily="34" charset="0"/>
+              </a:rPr>
+              <a:t> University of Iowa      </a:t>
+            </a:r>
+            <a:r>
+              <a:rPr lang="en-US" sz="1200" baseline="30000" dirty="0">
+                <a:latin typeface="Garamond" panose="02020404030301010803" pitchFamily="18" charset="0"/>
+                <a:cs typeface="Helvetica" panose="020B0604020202020204" pitchFamily="34" charset="0"/>
+              </a:rPr>
+              <a:t>3</a:t>
+            </a:r>
+            <a:r>
+              <a:rPr lang="en-US" sz="1200" dirty="0">
+                <a:latin typeface="Garamond" panose="02020404030301010803" pitchFamily="18" charset="0"/>
+                <a:cs typeface="Helvetica" panose="020B0604020202020204" pitchFamily="34" charset="0"/>
+              </a:rPr>
+              <a:t> Stanford University </a:t>
+            </a:r>
+          </a:p>
+          <a:p>
+            <a:pPr algn="ctr"/>
+            <a:endParaRPr lang="en-US" sz="1200" b="1" baseline="30000" dirty="0">
+              <a:latin typeface="Garamond" panose="02020404030301010803" pitchFamily="18" charset="0"/>
+              <a:cs typeface="Helvetica" panose="020B0604020202020204" pitchFamily="34" charset="0"/>
+            </a:endParaRPr>
+          </a:p>
+        </p:txBody>
+      </p:sp>
+      <p:pic>
+        <p:nvPicPr>
+          <p:cNvPr id="38" name="Picture 37">
+            <a:extLst>
+              <a:ext uri="{FF2B5EF4-FFF2-40B4-BE49-F238E27FC236}">
+                <a16:creationId xmlns:a16="http://schemas.microsoft.com/office/drawing/2014/main" id="{1EA017B2-DE39-4591-8E3A-AE2C3C9A1419}"/>
+              </a:ext>
+            </a:extLst>
+          </p:cNvPr>
+          <p:cNvPicPr>
+            <a:picLocks noChangeAspect="1"/>
+          </p:cNvPicPr>
+          <p:nvPr/>
+        </p:nvPicPr>
+        <p:blipFill>
+          <a:blip r:embed="rId17" cstate="print">
+            <a:extLst>
+              <a:ext uri="{28A0092B-C50C-407E-A947-70E740481C1C}">
+                <a14:useLocalDpi xmlns:a14="http://schemas.microsoft.com/office/drawing/2010/main" val="0"/>
+              </a:ext>
+            </a:extLst>
+          </a:blip>
+          <a:stretch>
+            <a:fillRect/>
+          </a:stretch>
+        </p:blipFill>
+        <p:spPr>
+          <a:xfrm>
+            <a:off x="164592" y="207956"/>
+            <a:ext cx="634317" cy="582345"/>
+          </a:xfrm>
+          <a:prstGeom prst="rect">
+            <a:avLst/>
+          </a:prstGeom>
+        </p:spPr>
+      </p:pic>
+      <p:sp>
+        <p:nvSpPr>
+          <p:cNvPr id="42" name="Content Placeholder 2 2 2">
+            <a:extLst>
+              <a:ext uri="{FF2B5EF4-FFF2-40B4-BE49-F238E27FC236}">
+                <a16:creationId xmlns:a16="http://schemas.microsoft.com/office/drawing/2014/main" id="{2348EB35-15F3-4914-8216-FC2440CDCBF6}"/>
+              </a:ext>
+            </a:extLst>
+          </p:cNvPr>
+          <p:cNvSpPr>
+            <a:spLocks noGrp="1"/>
+          </p:cNvSpPr>
+          <p:nvPr/>
+        </p:nvSpPr>
+        <p:spPr>
+          <a:xfrm>
+            <a:off x="141899" y="3525199"/>
+            <a:ext cx="3161803" cy="865508"/>
+          </a:xfrm>
+          <a:prstGeom prst="rect">
+            <a:avLst/>
+          </a:prstGeom>
+        </p:spPr>
+        <p:txBody>
+          <a:bodyPr vert="horz" lIns="51435" tIns="25718" rIns="51435" bIns="25718" rtlCol="0" anchor="t">
+            <a:noAutofit/>
+          </a:bodyPr>
+          <a:lstStyle>
+            <a:lvl1pPr marL="228600" indent="-228600" algn="l" defTabSz="914400" rtl="0" eaLnBrk="1" latinLnBrk="0" hangingPunct="1">
+              <a:lnSpc>
+                <a:spcPct val="90000"/>
+              </a:lnSpc>
+              <a:spcBef>
+                <a:spcPts val="1000"/>
+              </a:spcBef>
+              <a:buFont typeface="Arial" panose="020B0604020202020204" pitchFamily="34" charset="0"/>
+              <a:buChar char="•"/>
+              <a:defRPr sz="2800" kern="1200">
+                <a:solidFill>
+                  <a:schemeClr val="tx1"/>
+                </a:solidFill>
+                <a:latin typeface="+mn-lt"/>
+                <a:ea typeface="+mn-ea"/>
+                <a:cs typeface="+mn-cs"/>
+              </a:defRPr>
+            </a:lvl1pPr>
+            <a:lvl2pPr marL="685800" indent="-228600" algn="l" defTabSz="914400" rtl="0" eaLnBrk="1" latinLnBrk="0" hangingPunct="1">
+              <a:lnSpc>
+                <a:spcPct val="90000"/>
+              </a:lnSpc>
+              <a:spcBef>
+                <a:spcPts val="500"/>
+              </a:spcBef>
+              <a:buFont typeface="Arial" panose="020B0604020202020204" pitchFamily="34" charset="0"/>
+              <a:buChar char="•"/>
+              <a:defRPr sz="2400" kern="1200">
+                <a:solidFill>
+                  <a:schemeClr val="tx1"/>
+                </a:solidFill>
+                <a:latin typeface="+mn-lt"/>
+                <a:ea typeface="+mn-ea"/>
+                <a:cs typeface="+mn-cs"/>
+              </a:defRPr>
+            </a:lvl2pPr>
+            <a:lvl3pPr marL="1143000" indent="-228600" algn="l" defTabSz="914400" rtl="0" eaLnBrk="1" latinLnBrk="0" hangingPunct="1">
+              <a:lnSpc>
+                <a:spcPct val="90000"/>
+              </a:lnSpc>
+              <a:spcBef>
+                <a:spcPts val="500"/>
+              </a:spcBef>
+              <a:buFont typeface="Arial" panose="020B0604020202020204" pitchFamily="34" charset="0"/>
+              <a:buChar char="•"/>
+              <a:defRPr sz="2000" kern="1200">
+                <a:solidFill>
+                  <a:schemeClr val="tx1"/>
+                </a:solidFill>
+                <a:latin typeface="+mn-lt"/>
+                <a:ea typeface="+mn-ea"/>
+                <a:cs typeface="+mn-cs"/>
+              </a:defRPr>
+            </a:lvl3pPr>
+            <a:lvl4pPr marL="1600200" indent="-228600" algn="l" defTabSz="914400" rtl="0" eaLnBrk="1" latinLnBrk="0" hangingPunct="1">
+              <a:lnSpc>
+                <a:spcPct val="90000"/>
+              </a:lnSpc>
+              <a:spcBef>
+                <a:spcPts val="500"/>
+              </a:spcBef>
+              <a:buFont typeface="Arial" panose="020B0604020202020204" pitchFamily="34" charset="0"/>
+              <a:buChar char="•"/>
+              <a:defRPr sz="1800" kern="1200">
+                <a:solidFill>
+                  <a:schemeClr val="tx1"/>
+                </a:solidFill>
+                <a:latin typeface="+mn-lt"/>
+                <a:ea typeface="+mn-ea"/>
+                <a:cs typeface="+mn-cs"/>
+              </a:defRPr>
+            </a:lvl4pPr>
+            <a:lvl5pPr marL="2057400" indent="-228600" algn="l" defTabSz="914400" rtl="0" eaLnBrk="1" latinLnBrk="0" hangingPunct="1">
+              <a:lnSpc>
+                <a:spcPct val="90000"/>
+              </a:lnSpc>
+              <a:spcBef>
+                <a:spcPts val="500"/>
+              </a:spcBef>
+              <a:buFont typeface="Arial" panose="020B0604020202020204" pitchFamily="34" charset="0"/>
+              <a:buChar char="•"/>
+              <a:defRPr sz="1800" kern="1200">
+                <a:solidFill>
+                  <a:schemeClr val="tx1"/>
+                </a:solidFill>
+                <a:latin typeface="+mn-lt"/>
+                <a:ea typeface="+mn-ea"/>
+                <a:cs typeface="+mn-cs"/>
+              </a:defRPr>
+            </a:lvl5pPr>
+            <a:lvl6pPr marL="2514600" indent="-228600" algn="l" defTabSz="914400" rtl="0" eaLnBrk="1" latinLnBrk="0" hangingPunct="1">
+              <a:lnSpc>
+                <a:spcPct val="90000"/>
+              </a:lnSpc>
+              <a:spcBef>
+                <a:spcPts val="500"/>
+              </a:spcBef>
+              <a:buFont typeface="Arial" panose="020B0604020202020204" pitchFamily="34" charset="0"/>
+              <a:buChar char="•"/>
+              <a:defRPr sz="1800" kern="1200">
+                <a:solidFill>
+                  <a:schemeClr val="tx1"/>
+                </a:solidFill>
+                <a:latin typeface="+mn-lt"/>
+                <a:ea typeface="+mn-ea"/>
+                <a:cs typeface="+mn-cs"/>
+              </a:defRPr>
+            </a:lvl6pPr>
+            <a:lvl7pPr marL="2971800" indent="-228600" algn="l" defTabSz="914400" rtl="0" eaLnBrk="1" latinLnBrk="0" hangingPunct="1">
+              <a:lnSpc>
+                <a:spcPct val="90000"/>
+              </a:lnSpc>
+              <a:spcBef>
+                <a:spcPts val="500"/>
+              </a:spcBef>
+              <a:buFont typeface="Arial" panose="020B0604020202020204" pitchFamily="34" charset="0"/>
+              <a:buChar char="•"/>
+              <a:defRPr sz="1800" kern="1200">
+                <a:solidFill>
+                  <a:schemeClr val="tx1"/>
+                </a:solidFill>
+                <a:latin typeface="+mn-lt"/>
+                <a:ea typeface="+mn-ea"/>
+                <a:cs typeface="+mn-cs"/>
+              </a:defRPr>
+            </a:lvl7pPr>
+            <a:lvl8pPr marL="3429000" indent="-228600" algn="l" defTabSz="914400" rtl="0" eaLnBrk="1" latinLnBrk="0" hangingPunct="1">
+              <a:lnSpc>
+                <a:spcPct val="90000"/>
+              </a:lnSpc>
+              <a:spcBef>
+                <a:spcPts val="500"/>
+              </a:spcBef>
+              <a:buFont typeface="Arial" panose="020B0604020202020204" pitchFamily="34" charset="0"/>
+              <a:buChar char="•"/>
+              <a:defRPr sz="1800" kern="1200">
+                <a:solidFill>
+                  <a:schemeClr val="tx1"/>
+                </a:solidFill>
+                <a:latin typeface="+mn-lt"/>
+                <a:ea typeface="+mn-ea"/>
+                <a:cs typeface="+mn-cs"/>
+              </a:defRPr>
+            </a:lvl8pPr>
+            <a:lvl9pPr marL="3886200" indent="-228600" algn="l" defTabSz="914400" rtl="0" eaLnBrk="1" latinLnBrk="0" hangingPunct="1">
+              <a:lnSpc>
+                <a:spcPct val="90000"/>
+              </a:lnSpc>
+              <a:spcBef>
+                <a:spcPts val="500"/>
+              </a:spcBef>
+              <a:buFont typeface="Arial" panose="020B0604020202020204" pitchFamily="34" charset="0"/>
+              <a:buChar char="•"/>
+              <a:defRPr sz="1800" kern="1200">
+                <a:solidFill>
+                  <a:schemeClr val="tx1"/>
+                </a:solidFill>
+                <a:latin typeface="+mn-lt"/>
+                <a:ea typeface="+mn-ea"/>
+                <a:cs typeface="+mn-cs"/>
+              </a:defRPr>
+            </a:lvl9pPr>
+          </a:lstStyle>
+          <a:p>
+            <a:pPr marL="0" indent="0" algn="ctr">
+              <a:lnSpc>
+                <a:spcPct val="60000"/>
+              </a:lnSpc>
+              <a:buNone/>
+            </a:pPr>
+            <a:r>
+              <a:rPr lang="en-US" sz="1200" b="1" dirty="0">
+                <a:latin typeface="Garamond" panose="02020404030301010803" pitchFamily="18" charset="0"/>
+                <a:cs typeface="Helvetica" panose="020B0604020202020204" pitchFamily="34" charset="0"/>
+              </a:rPr>
+              <a:t>Examples</a:t>
+            </a:r>
+          </a:p>
+          <a:p>
+            <a:pPr>
+              <a:lnSpc>
+                <a:spcPct val="60000"/>
+              </a:lnSpc>
+            </a:pPr>
+            <a:r>
+              <a:rPr lang="en-US" sz="1200" b="1" dirty="0">
+                <a:latin typeface="Garamond" panose="02020404030301010803" pitchFamily="18" charset="0"/>
+                <a:cs typeface="Helvetica" panose="020B0604020202020204" pitchFamily="34" charset="0"/>
+              </a:rPr>
+              <a:t> </a:t>
+            </a:r>
+          </a:p>
+          <a:p>
+            <a:pPr>
+              <a:lnSpc>
+                <a:spcPct val="60000"/>
+              </a:lnSpc>
+            </a:pPr>
+            <a:r>
+              <a:rPr lang="en-US" sz="1200" b="1" dirty="0">
+                <a:latin typeface="Garamond" panose="02020404030301010803" pitchFamily="18" charset="0"/>
+                <a:cs typeface="Helvetica" panose="020B0604020202020204" pitchFamily="34" charset="0"/>
+              </a:rPr>
+              <a:t> </a:t>
+            </a:r>
+          </a:p>
+          <a:p>
+            <a:pPr>
+              <a:lnSpc>
+                <a:spcPct val="60000"/>
+              </a:lnSpc>
+            </a:pPr>
+            <a:r>
+              <a:rPr lang="en-US" sz="1200" b="1" dirty="0">
+                <a:latin typeface="Garamond" panose="02020404030301010803" pitchFamily="18" charset="0"/>
+                <a:cs typeface="Helvetica" panose="020B0604020202020204" pitchFamily="34" charset="0"/>
+              </a:rPr>
+              <a:t> </a:t>
+            </a:r>
+          </a:p>
+        </p:txBody>
+      </p:sp>
+      <p:pic>
+        <p:nvPicPr>
+          <p:cNvPr id="47" name="Picture 46">
+            <a:extLst>
+              <a:ext uri="{FF2B5EF4-FFF2-40B4-BE49-F238E27FC236}">
+                <a16:creationId xmlns:a16="http://schemas.microsoft.com/office/drawing/2014/main" id="{87003FBD-5142-452C-983C-BD31F936153F}"/>
+              </a:ext>
+            </a:extLst>
+          </p:cNvPr>
+          <p:cNvPicPr>
+            <a:picLocks noChangeAspect="1"/>
+          </p:cNvPicPr>
+          <p:nvPr>
+            <p:custDataLst>
+              <p:tags r:id="rId2"/>
+            </p:custDataLst>
+          </p:nvPr>
+        </p:nvPicPr>
+        <p:blipFill>
+          <a:blip r:embed="rId18" cstate="print">
+            <a:extLst>
+              <a:ext uri="{28A0092B-C50C-407E-A947-70E740481C1C}">
+                <a14:useLocalDpi xmlns:a14="http://schemas.microsoft.com/office/drawing/2010/main" val="0"/>
+              </a:ext>
+            </a:extLst>
+          </a:blip>
+          <a:stretch>
+            <a:fillRect/>
+          </a:stretch>
+        </p:blipFill>
+        <p:spPr>
+          <a:xfrm>
+            <a:off x="1215316" y="3763388"/>
+            <a:ext cx="1346029" cy="112966"/>
+          </a:xfrm>
+          <a:prstGeom prst="rect">
+            <a:avLst/>
+          </a:prstGeom>
+        </p:spPr>
+      </p:pic>
+      <p:pic>
+        <p:nvPicPr>
+          <p:cNvPr id="48" name="Picture 47">
+            <a:extLst>
+              <a:ext uri="{FF2B5EF4-FFF2-40B4-BE49-F238E27FC236}">
+                <a16:creationId xmlns:a16="http://schemas.microsoft.com/office/drawing/2014/main" id="{A572466E-F07E-47F7-B1E9-35A677C86A59}"/>
+              </a:ext>
+            </a:extLst>
+          </p:cNvPr>
+          <p:cNvPicPr>
+            <a:picLocks noChangeAspect="1"/>
+          </p:cNvPicPr>
+          <p:nvPr>
+            <p:custDataLst>
+              <p:tags r:id="rId3"/>
+            </p:custDataLst>
+          </p:nvPr>
+        </p:nvPicPr>
+        <p:blipFill>
+          <a:blip r:embed="rId19" cstate="print">
+            <a:extLst>
+              <a:ext uri="{28A0092B-C50C-407E-A947-70E740481C1C}">
+                <a14:useLocalDpi xmlns:a14="http://schemas.microsoft.com/office/drawing/2010/main" val="0"/>
+              </a:ext>
+            </a:extLst>
+          </a:blip>
+          <a:stretch>
+            <a:fillRect/>
+          </a:stretch>
+        </p:blipFill>
+        <p:spPr>
+          <a:xfrm>
+            <a:off x="712311" y="3985839"/>
+            <a:ext cx="1948893" cy="112966"/>
+          </a:xfrm>
+          <a:prstGeom prst="rect">
+            <a:avLst/>
+          </a:prstGeom>
+        </p:spPr>
+      </p:pic>
+      <p:pic>
+        <p:nvPicPr>
+          <p:cNvPr id="51" name="Picture 50">
+            <a:extLst>
+              <a:ext uri="{FF2B5EF4-FFF2-40B4-BE49-F238E27FC236}">
+                <a16:creationId xmlns:a16="http://schemas.microsoft.com/office/drawing/2014/main" id="{DE8DE35E-F8E2-480D-80DB-A325E8DD4951}"/>
+              </a:ext>
+            </a:extLst>
+          </p:cNvPr>
+          <p:cNvPicPr>
+            <a:picLocks noChangeAspect="1"/>
+          </p:cNvPicPr>
+          <p:nvPr>
+            <p:custDataLst>
+              <p:tags r:id="rId4"/>
+            </p:custDataLst>
+          </p:nvPr>
+        </p:nvPicPr>
+        <p:blipFill>
+          <a:blip r:embed="rId20" cstate="print">
+            <a:extLst>
+              <a:ext uri="{28A0092B-C50C-407E-A947-70E740481C1C}">
+                <a14:useLocalDpi xmlns:a14="http://schemas.microsoft.com/office/drawing/2010/main" val="0"/>
+              </a:ext>
+            </a:extLst>
+          </a:blip>
+          <a:stretch>
+            <a:fillRect/>
+          </a:stretch>
+        </p:blipFill>
+        <p:spPr>
+          <a:xfrm>
+            <a:off x="329239" y="4216944"/>
+            <a:ext cx="2540896" cy="141589"/>
+          </a:xfrm>
+          <a:prstGeom prst="rect">
+            <a:avLst/>
+          </a:prstGeom>
+        </p:spPr>
+      </p:pic>
+      <p:pic>
+        <p:nvPicPr>
+          <p:cNvPr id="52" name="Picture 51">
+            <a:extLst>
+              <a:ext uri="{FF2B5EF4-FFF2-40B4-BE49-F238E27FC236}">
+                <a16:creationId xmlns:a16="http://schemas.microsoft.com/office/drawing/2014/main" id="{7314D6C4-B05E-4F89-8208-99E01E85B684}"/>
+              </a:ext>
+            </a:extLst>
+          </p:cNvPr>
+          <p:cNvPicPr>
+            <a:picLocks noChangeAspect="1"/>
+          </p:cNvPicPr>
+          <p:nvPr>
+            <p:custDataLst>
+              <p:tags r:id="rId5"/>
+            </p:custDataLst>
+          </p:nvPr>
+        </p:nvPicPr>
+        <p:blipFill>
+          <a:blip r:embed="rId21" cstate="print">
+            <a:extLst>
+              <a:ext uri="{28A0092B-C50C-407E-A947-70E740481C1C}">
+                <a14:useLocalDpi xmlns:a14="http://schemas.microsoft.com/office/drawing/2010/main" val="0"/>
+              </a:ext>
+            </a:extLst>
+          </a:blip>
+          <a:stretch>
+            <a:fillRect/>
+          </a:stretch>
+        </p:blipFill>
+        <p:spPr>
+          <a:xfrm>
+            <a:off x="353715" y="4648403"/>
+            <a:ext cx="2498894" cy="2096597"/>
+          </a:xfrm>
+          <a:prstGeom prst="rect">
+            <a:avLst/>
+          </a:prstGeom>
+        </p:spPr>
+      </p:pic>
+      <p:pic>
+        <p:nvPicPr>
+          <p:cNvPr id="53" name="Picture 52">
+            <a:extLst>
+              <a:ext uri="{FF2B5EF4-FFF2-40B4-BE49-F238E27FC236}">
+                <a16:creationId xmlns:a16="http://schemas.microsoft.com/office/drawing/2014/main" id="{84CCA78A-01F1-4F21-B0CA-17E8CD23D3B2}"/>
+              </a:ext>
+            </a:extLst>
+          </p:cNvPr>
+          <p:cNvPicPr>
+            <a:picLocks noChangeAspect="1"/>
+          </p:cNvPicPr>
+          <p:nvPr>
+            <p:custDataLst>
+              <p:tags r:id="rId6"/>
+            </p:custDataLst>
+          </p:nvPr>
+        </p:nvPicPr>
+        <p:blipFill>
+          <a:blip r:embed="rId22" cstate="print">
+            <a:extLst>
+              <a:ext uri="{28A0092B-C50C-407E-A947-70E740481C1C}">
+                <a14:useLocalDpi xmlns:a14="http://schemas.microsoft.com/office/drawing/2010/main" val="0"/>
+              </a:ext>
+            </a:extLst>
+          </a:blip>
+          <a:stretch>
+            <a:fillRect/>
+          </a:stretch>
+        </p:blipFill>
+        <p:spPr>
+          <a:xfrm>
+            <a:off x="483477" y="6877683"/>
+            <a:ext cx="1620747" cy="580597"/>
+          </a:xfrm>
+          <a:prstGeom prst="rect">
+            <a:avLst/>
+          </a:prstGeom>
+        </p:spPr>
+      </p:pic>
+      <p:sp>
+        <p:nvSpPr>
+          <p:cNvPr id="58" name="Content Placeholder 2 2 1 2 1">
+            <a:extLst>
+              <a:ext uri="{FF2B5EF4-FFF2-40B4-BE49-F238E27FC236}">
+                <a16:creationId xmlns:a16="http://schemas.microsoft.com/office/drawing/2014/main" id="{E0981990-2E22-4367-9686-92A19524029D}"/>
+              </a:ext>
+            </a:extLst>
+          </p:cNvPr>
+          <p:cNvSpPr>
+            <a:spLocks noGrp="1"/>
+          </p:cNvSpPr>
+          <p:nvPr/>
+        </p:nvSpPr>
+        <p:spPr>
+          <a:xfrm>
+            <a:off x="3144176" y="5450289"/>
+            <a:ext cx="3161803" cy="2096597"/>
+          </a:xfrm>
+          <a:prstGeom prst="rect">
+            <a:avLst/>
+          </a:prstGeom>
+        </p:spPr>
+        <p:txBody>
+          <a:bodyPr vert="horz" lIns="51435" tIns="25718" rIns="51435" bIns="25718" rtlCol="0" anchor="t">
+            <a:noAutofit/>
+          </a:bodyPr>
+          <a:lstStyle>
+            <a:lvl1pPr marL="228600" indent="-228600" algn="l" defTabSz="914400" rtl="0" eaLnBrk="1" latinLnBrk="0" hangingPunct="1">
+              <a:lnSpc>
+                <a:spcPct val="90000"/>
+              </a:lnSpc>
+              <a:spcBef>
+                <a:spcPts val="1000"/>
+              </a:spcBef>
+              <a:buFont typeface="Arial" panose="020B0604020202020204" pitchFamily="34" charset="0"/>
+              <a:buChar char="•"/>
+              <a:defRPr sz="2800" kern="1200">
+                <a:solidFill>
+                  <a:schemeClr val="tx1"/>
+                </a:solidFill>
+                <a:latin typeface="+mn-lt"/>
+                <a:ea typeface="+mn-ea"/>
+                <a:cs typeface="+mn-cs"/>
+              </a:defRPr>
+            </a:lvl1pPr>
+            <a:lvl2pPr marL="685800" indent="-228600" algn="l" defTabSz="914400" rtl="0" eaLnBrk="1" latinLnBrk="0" hangingPunct="1">
+              <a:lnSpc>
+                <a:spcPct val="90000"/>
+              </a:lnSpc>
+              <a:spcBef>
+                <a:spcPts val="500"/>
+              </a:spcBef>
+              <a:buFont typeface="Arial" panose="020B0604020202020204" pitchFamily="34" charset="0"/>
+              <a:buChar char="•"/>
+              <a:defRPr sz="2400" kern="1200">
+                <a:solidFill>
+                  <a:schemeClr val="tx1"/>
+                </a:solidFill>
+                <a:latin typeface="+mn-lt"/>
+                <a:ea typeface="+mn-ea"/>
+                <a:cs typeface="+mn-cs"/>
+              </a:defRPr>
+            </a:lvl2pPr>
+            <a:lvl3pPr marL="1143000" indent="-228600" algn="l" defTabSz="914400" rtl="0" eaLnBrk="1" latinLnBrk="0" hangingPunct="1">
+              <a:lnSpc>
+                <a:spcPct val="90000"/>
+              </a:lnSpc>
+              <a:spcBef>
+                <a:spcPts val="500"/>
+              </a:spcBef>
+              <a:buFont typeface="Arial" panose="020B0604020202020204" pitchFamily="34" charset="0"/>
+              <a:buChar char="•"/>
+              <a:defRPr sz="2000" kern="1200">
+                <a:solidFill>
+                  <a:schemeClr val="tx1"/>
+                </a:solidFill>
+                <a:latin typeface="+mn-lt"/>
+                <a:ea typeface="+mn-ea"/>
+                <a:cs typeface="+mn-cs"/>
+              </a:defRPr>
+            </a:lvl3pPr>
+            <a:lvl4pPr marL="1600200" indent="-228600" algn="l" defTabSz="914400" rtl="0" eaLnBrk="1" latinLnBrk="0" hangingPunct="1">
+              <a:lnSpc>
+                <a:spcPct val="90000"/>
+              </a:lnSpc>
+              <a:spcBef>
+                <a:spcPts val="500"/>
+              </a:spcBef>
+              <a:buFont typeface="Arial" panose="020B0604020202020204" pitchFamily="34" charset="0"/>
+              <a:buChar char="•"/>
+              <a:defRPr sz="1800" kern="1200">
+                <a:solidFill>
+                  <a:schemeClr val="tx1"/>
+                </a:solidFill>
+                <a:latin typeface="+mn-lt"/>
+                <a:ea typeface="+mn-ea"/>
+                <a:cs typeface="+mn-cs"/>
+              </a:defRPr>
+            </a:lvl4pPr>
+            <a:lvl5pPr marL="2057400" indent="-228600" algn="l" defTabSz="914400" rtl="0" eaLnBrk="1" latinLnBrk="0" hangingPunct="1">
+              <a:lnSpc>
+                <a:spcPct val="90000"/>
+              </a:lnSpc>
+              <a:spcBef>
+                <a:spcPts val="500"/>
+              </a:spcBef>
+              <a:buFont typeface="Arial" panose="020B0604020202020204" pitchFamily="34" charset="0"/>
+              <a:buChar char="•"/>
+              <a:defRPr sz="1800" kern="1200">
+                <a:solidFill>
+                  <a:schemeClr val="tx1"/>
+                </a:solidFill>
+                <a:latin typeface="+mn-lt"/>
+                <a:ea typeface="+mn-ea"/>
+                <a:cs typeface="+mn-cs"/>
+              </a:defRPr>
+            </a:lvl5pPr>
+            <a:lvl6pPr marL="2514600" indent="-228600" algn="l" defTabSz="914400" rtl="0" eaLnBrk="1" latinLnBrk="0" hangingPunct="1">
+              <a:lnSpc>
+                <a:spcPct val="90000"/>
+              </a:lnSpc>
+              <a:spcBef>
+                <a:spcPts val="500"/>
+              </a:spcBef>
+              <a:buFont typeface="Arial" panose="020B0604020202020204" pitchFamily="34" charset="0"/>
+              <a:buChar char="•"/>
+              <a:defRPr sz="1800" kern="1200">
+                <a:solidFill>
+                  <a:schemeClr val="tx1"/>
+                </a:solidFill>
+                <a:latin typeface="+mn-lt"/>
+                <a:ea typeface="+mn-ea"/>
+                <a:cs typeface="+mn-cs"/>
+              </a:defRPr>
+            </a:lvl6pPr>
+            <a:lvl7pPr marL="2971800" indent="-228600" algn="l" defTabSz="914400" rtl="0" eaLnBrk="1" latinLnBrk="0" hangingPunct="1">
+              <a:lnSpc>
+                <a:spcPct val="90000"/>
+              </a:lnSpc>
+              <a:spcBef>
+                <a:spcPts val="500"/>
+              </a:spcBef>
+              <a:buFont typeface="Arial" panose="020B0604020202020204" pitchFamily="34" charset="0"/>
+              <a:buChar char="•"/>
+              <a:defRPr sz="1800" kern="1200">
+                <a:solidFill>
+                  <a:schemeClr val="tx1"/>
+                </a:solidFill>
+                <a:latin typeface="+mn-lt"/>
+                <a:ea typeface="+mn-ea"/>
+                <a:cs typeface="+mn-cs"/>
+              </a:defRPr>
+            </a:lvl7pPr>
+            <a:lvl8pPr marL="3429000" indent="-228600" algn="l" defTabSz="914400" rtl="0" eaLnBrk="1" latinLnBrk="0" hangingPunct="1">
+              <a:lnSpc>
+                <a:spcPct val="90000"/>
+              </a:lnSpc>
+              <a:spcBef>
+                <a:spcPts val="500"/>
+              </a:spcBef>
+              <a:buFont typeface="Arial" panose="020B0604020202020204" pitchFamily="34" charset="0"/>
+              <a:buChar char="•"/>
+              <a:defRPr sz="1800" kern="1200">
+                <a:solidFill>
+                  <a:schemeClr val="tx1"/>
+                </a:solidFill>
+                <a:latin typeface="+mn-lt"/>
+                <a:ea typeface="+mn-ea"/>
+                <a:cs typeface="+mn-cs"/>
+              </a:defRPr>
+            </a:lvl8pPr>
+            <a:lvl9pPr marL="3886200" indent="-228600" algn="l" defTabSz="914400" rtl="0" eaLnBrk="1" latinLnBrk="0" hangingPunct="1">
+              <a:lnSpc>
+                <a:spcPct val="90000"/>
+              </a:lnSpc>
+              <a:spcBef>
+                <a:spcPts val="500"/>
+              </a:spcBef>
+              <a:buFont typeface="Arial" panose="020B0604020202020204" pitchFamily="34" charset="0"/>
+              <a:buChar char="•"/>
+              <a:defRPr sz="1800" kern="1200">
+                <a:solidFill>
+                  <a:schemeClr val="tx1"/>
+                </a:solidFill>
+                <a:latin typeface="+mn-lt"/>
+                <a:ea typeface="+mn-ea"/>
+                <a:cs typeface="+mn-cs"/>
+              </a:defRPr>
+            </a:lvl9pPr>
+          </a:lstStyle>
+          <a:p>
+            <a:pPr marL="0" indent="0" algn="ctr">
+              <a:lnSpc>
+                <a:spcPct val="60000"/>
+              </a:lnSpc>
+              <a:buNone/>
+            </a:pPr>
+            <a:r>
+              <a:rPr lang="en-US" sz="1200" b="1" dirty="0">
+                <a:latin typeface="Garamond" panose="02020404030301010803" pitchFamily="18" charset="0"/>
+                <a:cs typeface="Helvetica" panose="020B0604020202020204" pitchFamily="34" charset="0"/>
+              </a:rPr>
+              <a:t>Bit-vector Library</a:t>
+            </a:r>
+          </a:p>
+          <a:p>
+            <a:pPr marL="0" indent="0">
+              <a:lnSpc>
+                <a:spcPct val="60000"/>
+              </a:lnSpc>
+              <a:buNone/>
+            </a:pPr>
+            <a:r>
+              <a:rPr lang="en-US" sz="1200" u="sng" dirty="0">
+                <a:latin typeface="Garamond" panose="02020404030301010803" pitchFamily="18" charset="0"/>
+                <a:cs typeface="Helvetica" panose="020B0604020202020204" pitchFamily="34" charset="0"/>
+              </a:rPr>
+              <a:t>Basic Signature</a:t>
+            </a:r>
+          </a:p>
+          <a:p>
+            <a:pPr>
+              <a:lnSpc>
+                <a:spcPct val="60000"/>
+              </a:lnSpc>
+            </a:pPr>
+            <a:r>
+              <a:rPr lang="en-US" sz="1200" dirty="0">
+                <a:latin typeface="Baskerville Old Face" panose="02020602080505020303" pitchFamily="18" charset="0"/>
+                <a:cs typeface="Helvetica" panose="020B0604020202020204" pitchFamily="34" charset="0"/>
+              </a:rPr>
+              <a:t>Arithmetic:</a:t>
+            </a:r>
+          </a:p>
+          <a:p>
+            <a:pPr>
+              <a:lnSpc>
+                <a:spcPct val="60000"/>
+              </a:lnSpc>
+            </a:pPr>
+            <a:r>
+              <a:rPr lang="en-US" sz="1200" dirty="0">
+                <a:latin typeface="Baskerville Old Face" panose="02020602080505020303" pitchFamily="18" charset="0"/>
+                <a:cs typeface="Helvetica" panose="020B0604020202020204" pitchFamily="34" charset="0"/>
+              </a:rPr>
+              <a:t>Bit-wise logical:</a:t>
+            </a:r>
+          </a:p>
+          <a:p>
+            <a:pPr>
+              <a:lnSpc>
+                <a:spcPct val="60000"/>
+              </a:lnSpc>
+            </a:pPr>
+            <a:r>
+              <a:rPr lang="en-US" sz="1200" dirty="0">
+                <a:latin typeface="Baskerville Old Face" panose="02020602080505020303" pitchFamily="18" charset="0"/>
+                <a:cs typeface="Helvetica" panose="020B0604020202020204" pitchFamily="34" charset="0"/>
+              </a:rPr>
+              <a:t>Comparison:</a:t>
+            </a:r>
+          </a:p>
+          <a:p>
+            <a:pPr marL="0" indent="0">
+              <a:lnSpc>
+                <a:spcPct val="60000"/>
+              </a:lnSpc>
+              <a:buNone/>
+            </a:pPr>
+            <a:r>
+              <a:rPr lang="en-US" sz="1200" u="sng" dirty="0">
+                <a:latin typeface="Garamond" panose="02020404030301010803" pitchFamily="18" charset="0"/>
+                <a:cs typeface="Helvetica" panose="020B0604020202020204" pitchFamily="34" charset="0"/>
+              </a:rPr>
+              <a:t>Extended Signature</a:t>
+            </a:r>
+          </a:p>
+          <a:p>
+            <a:pPr>
+              <a:lnSpc>
+                <a:spcPct val="60000"/>
+              </a:lnSpc>
+            </a:pPr>
+            <a:r>
+              <a:rPr lang="en-US" sz="1200" dirty="0">
+                <a:latin typeface="Baskerville Old Face" panose="02020602080505020303" pitchFamily="18" charset="0"/>
+                <a:cs typeface="Helvetica" panose="020B0604020202020204" pitchFamily="34" charset="0"/>
+              </a:rPr>
+              <a:t>Comparison:</a:t>
+            </a:r>
+          </a:p>
+          <a:p>
+            <a:pPr>
+              <a:lnSpc>
+                <a:spcPct val="60000"/>
+              </a:lnSpc>
+            </a:pPr>
+            <a:r>
+              <a:rPr lang="en-US" sz="1200" dirty="0">
+                <a:latin typeface="Baskerville Old Face" panose="02020602080505020303" pitchFamily="18" charset="0"/>
+                <a:cs typeface="Helvetica" panose="020B0604020202020204" pitchFamily="34" charset="0"/>
+              </a:rPr>
+              <a:t>Shift:</a:t>
+            </a:r>
+          </a:p>
+          <a:p>
+            <a:pPr>
+              <a:lnSpc>
+                <a:spcPct val="60000"/>
+              </a:lnSpc>
+            </a:pPr>
+            <a:r>
+              <a:rPr lang="en-US" sz="1200" dirty="0">
+                <a:latin typeface="Baskerville Old Face" panose="02020602080505020303" pitchFamily="18" charset="0"/>
+                <a:cs typeface="Helvetica" panose="020B0604020202020204" pitchFamily="34" charset="0"/>
+              </a:rPr>
+              <a:t>Shifts redefined:</a:t>
+            </a:r>
+          </a:p>
+          <a:p>
+            <a:pPr>
+              <a:lnSpc>
+                <a:spcPct val="60000"/>
+              </a:lnSpc>
+            </a:pPr>
+            <a:endParaRPr lang="en-US" sz="1200" dirty="0">
+              <a:latin typeface="Baskerville Old Face" panose="02020602080505020303" pitchFamily="18" charset="0"/>
+              <a:cs typeface="Helvetica" panose="020B0604020202020204" pitchFamily="34" charset="0"/>
+            </a:endParaRPr>
+          </a:p>
+        </p:txBody>
+      </p:sp>
+      <p:pic>
+        <p:nvPicPr>
+          <p:cNvPr id="79" name="Picture 78">
+            <a:extLst>
+              <a:ext uri="{FF2B5EF4-FFF2-40B4-BE49-F238E27FC236}">
+                <a16:creationId xmlns:a16="http://schemas.microsoft.com/office/drawing/2014/main" id="{75B15566-AB7F-4805-9623-BB8EDA65C6F4}"/>
+              </a:ext>
+            </a:extLst>
+          </p:cNvPr>
+          <p:cNvPicPr>
+            <a:picLocks noChangeAspect="1"/>
+          </p:cNvPicPr>
+          <p:nvPr>
+            <p:custDataLst>
+              <p:tags r:id="rId7"/>
+            </p:custDataLst>
+          </p:nvPr>
+        </p:nvPicPr>
+        <p:blipFill>
+          <a:blip r:embed="rId23" cstate="print">
+            <a:extLst>
+              <a:ext uri="{28A0092B-C50C-407E-A947-70E740481C1C}">
+                <a14:useLocalDpi xmlns:a14="http://schemas.microsoft.com/office/drawing/2010/main" val="0"/>
+              </a:ext>
+            </a:extLst>
+          </a:blip>
+          <a:stretch>
+            <a:fillRect/>
+          </a:stretch>
+        </p:blipFill>
+        <p:spPr>
+          <a:xfrm>
+            <a:off x="4171612" y="5932556"/>
+            <a:ext cx="469242" cy="112097"/>
+          </a:xfrm>
+          <a:prstGeom prst="rect">
+            <a:avLst/>
+          </a:prstGeom>
+        </p:spPr>
+      </p:pic>
+      <p:pic>
+        <p:nvPicPr>
+          <p:cNvPr id="81" name="Picture 80">
+            <a:extLst>
+              <a:ext uri="{FF2B5EF4-FFF2-40B4-BE49-F238E27FC236}">
+                <a16:creationId xmlns:a16="http://schemas.microsoft.com/office/drawing/2014/main" id="{BF936E76-013F-482F-822E-775D68BEBF99}"/>
+              </a:ext>
+            </a:extLst>
+          </p:cNvPr>
+          <p:cNvPicPr>
+            <a:picLocks noChangeAspect="1"/>
+          </p:cNvPicPr>
+          <p:nvPr>
+            <p:custDataLst>
+              <p:tags r:id="rId8"/>
+            </p:custDataLst>
+          </p:nvPr>
+        </p:nvPicPr>
+        <p:blipFill>
+          <a:blip r:embed="rId24" cstate="print">
+            <a:extLst>
+              <a:ext uri="{28A0092B-C50C-407E-A947-70E740481C1C}">
+                <a14:useLocalDpi xmlns:a14="http://schemas.microsoft.com/office/drawing/2010/main" val="0"/>
+              </a:ext>
+            </a:extLst>
+          </a:blip>
+          <a:stretch>
+            <a:fillRect/>
+          </a:stretch>
+        </p:blipFill>
+        <p:spPr>
+          <a:xfrm>
+            <a:off x="4436841" y="6146604"/>
+            <a:ext cx="501029" cy="151771"/>
+          </a:xfrm>
+          <a:prstGeom prst="rect">
+            <a:avLst/>
+          </a:prstGeom>
+        </p:spPr>
+      </p:pic>
+      <p:pic>
+        <p:nvPicPr>
+          <p:cNvPr id="85" name="Picture 84">
+            <a:extLst>
+              <a:ext uri="{FF2B5EF4-FFF2-40B4-BE49-F238E27FC236}">
+                <a16:creationId xmlns:a16="http://schemas.microsoft.com/office/drawing/2014/main" id="{E0DE86C8-7699-49D2-BF6B-A60FE0BBC1BC}"/>
+              </a:ext>
+            </a:extLst>
+          </p:cNvPr>
+          <p:cNvPicPr>
+            <a:picLocks noChangeAspect="1"/>
+          </p:cNvPicPr>
+          <p:nvPr>
+            <p:custDataLst>
+              <p:tags r:id="rId9"/>
+            </p:custDataLst>
+          </p:nvPr>
+        </p:nvPicPr>
+        <p:blipFill>
+          <a:blip r:embed="rId25" cstate="print">
+            <a:extLst>
+              <a:ext uri="{28A0092B-C50C-407E-A947-70E740481C1C}">
+                <a14:useLocalDpi xmlns:a14="http://schemas.microsoft.com/office/drawing/2010/main" val="0"/>
+              </a:ext>
+            </a:extLst>
+          </a:blip>
+          <a:stretch>
+            <a:fillRect/>
+          </a:stretch>
+        </p:blipFill>
+        <p:spPr>
+          <a:xfrm>
+            <a:off x="5734391" y="5932123"/>
+            <a:ext cx="475429" cy="110628"/>
+          </a:xfrm>
+          <a:prstGeom prst="rect">
+            <a:avLst/>
+          </a:prstGeom>
+        </p:spPr>
+      </p:pic>
+      <p:pic>
+        <p:nvPicPr>
+          <p:cNvPr id="83" name="Picture 82">
+            <a:extLst>
+              <a:ext uri="{FF2B5EF4-FFF2-40B4-BE49-F238E27FC236}">
+                <a16:creationId xmlns:a16="http://schemas.microsoft.com/office/drawing/2014/main" id="{2E49B911-ED36-43FD-AA61-BFA79F0BDBDC}"/>
+              </a:ext>
+            </a:extLst>
+          </p:cNvPr>
+          <p:cNvPicPr>
+            <a:picLocks noChangeAspect="1"/>
+          </p:cNvPicPr>
+          <p:nvPr>
+            <p:custDataLst>
+              <p:tags r:id="rId10"/>
+            </p:custDataLst>
+          </p:nvPr>
+        </p:nvPicPr>
+        <p:blipFill>
+          <a:blip r:embed="rId26" cstate="print">
+            <a:extLst>
+              <a:ext uri="{28A0092B-C50C-407E-A947-70E740481C1C}">
+                <a14:useLocalDpi xmlns:a14="http://schemas.microsoft.com/office/drawing/2010/main" val="0"/>
+              </a:ext>
+            </a:extLst>
+          </a:blip>
+          <a:stretch>
+            <a:fillRect/>
+          </a:stretch>
+        </p:blipFill>
+        <p:spPr>
+          <a:xfrm>
+            <a:off x="4280955" y="6399924"/>
+            <a:ext cx="1564342" cy="141714"/>
+          </a:xfrm>
+          <a:prstGeom prst="rect">
+            <a:avLst/>
+          </a:prstGeom>
+        </p:spPr>
+      </p:pic>
+      <p:sp>
+        <p:nvSpPr>
+          <p:cNvPr id="74" name="Content Placeholder 2 2 1 2 2">
+            <a:extLst>
+              <a:ext uri="{FF2B5EF4-FFF2-40B4-BE49-F238E27FC236}">
+                <a16:creationId xmlns:a16="http://schemas.microsoft.com/office/drawing/2014/main" id="{94144D4B-8320-4D20-B7AF-026C8BAA8177}"/>
+              </a:ext>
+            </a:extLst>
+          </p:cNvPr>
+          <p:cNvSpPr>
+            <a:spLocks noGrp="1"/>
+          </p:cNvSpPr>
+          <p:nvPr/>
+        </p:nvSpPr>
+        <p:spPr>
+          <a:xfrm>
+            <a:off x="5024144" y="5915932"/>
+            <a:ext cx="1512761" cy="564108"/>
+          </a:xfrm>
+          <a:prstGeom prst="rect">
+            <a:avLst/>
+          </a:prstGeom>
+        </p:spPr>
+        <p:txBody>
+          <a:bodyPr vert="horz" lIns="51435" tIns="25718" rIns="51435" bIns="25718" rtlCol="0" anchor="t">
+            <a:noAutofit/>
+          </a:bodyPr>
+          <a:lstStyle>
+            <a:lvl1pPr marL="228600" indent="-228600" algn="l" defTabSz="914400" rtl="0" eaLnBrk="1" latinLnBrk="0" hangingPunct="1">
+              <a:lnSpc>
+                <a:spcPct val="90000"/>
+              </a:lnSpc>
+              <a:spcBef>
+                <a:spcPts val="1000"/>
+              </a:spcBef>
+              <a:buFont typeface="Arial" panose="020B0604020202020204" pitchFamily="34" charset="0"/>
+              <a:buChar char="•"/>
+              <a:defRPr sz="2800" kern="1200">
+                <a:solidFill>
+                  <a:schemeClr val="tx1"/>
+                </a:solidFill>
+                <a:latin typeface="+mn-lt"/>
+                <a:ea typeface="+mn-ea"/>
+                <a:cs typeface="+mn-cs"/>
+              </a:defRPr>
+            </a:lvl1pPr>
+            <a:lvl2pPr marL="685800" indent="-228600" algn="l" defTabSz="914400" rtl="0" eaLnBrk="1" latinLnBrk="0" hangingPunct="1">
+              <a:lnSpc>
+                <a:spcPct val="90000"/>
+              </a:lnSpc>
+              <a:spcBef>
+                <a:spcPts val="500"/>
+              </a:spcBef>
+              <a:buFont typeface="Arial" panose="020B0604020202020204" pitchFamily="34" charset="0"/>
+              <a:buChar char="•"/>
+              <a:defRPr sz="2400" kern="1200">
+                <a:solidFill>
+                  <a:schemeClr val="tx1"/>
+                </a:solidFill>
+                <a:latin typeface="+mn-lt"/>
+                <a:ea typeface="+mn-ea"/>
+                <a:cs typeface="+mn-cs"/>
+              </a:defRPr>
+            </a:lvl2pPr>
+            <a:lvl3pPr marL="1143000" indent="-228600" algn="l" defTabSz="914400" rtl="0" eaLnBrk="1" latinLnBrk="0" hangingPunct="1">
+              <a:lnSpc>
+                <a:spcPct val="90000"/>
+              </a:lnSpc>
+              <a:spcBef>
+                <a:spcPts val="500"/>
+              </a:spcBef>
+              <a:buFont typeface="Arial" panose="020B0604020202020204" pitchFamily="34" charset="0"/>
+              <a:buChar char="•"/>
+              <a:defRPr sz="2000" kern="1200">
+                <a:solidFill>
+                  <a:schemeClr val="tx1"/>
+                </a:solidFill>
+                <a:latin typeface="+mn-lt"/>
+                <a:ea typeface="+mn-ea"/>
+                <a:cs typeface="+mn-cs"/>
+              </a:defRPr>
+            </a:lvl3pPr>
+            <a:lvl4pPr marL="1600200" indent="-228600" algn="l" defTabSz="914400" rtl="0" eaLnBrk="1" latinLnBrk="0" hangingPunct="1">
+              <a:lnSpc>
+                <a:spcPct val="90000"/>
+              </a:lnSpc>
+              <a:spcBef>
+                <a:spcPts val="500"/>
+              </a:spcBef>
+              <a:buFont typeface="Arial" panose="020B0604020202020204" pitchFamily="34" charset="0"/>
+              <a:buChar char="•"/>
+              <a:defRPr sz="1800" kern="1200">
+                <a:solidFill>
+                  <a:schemeClr val="tx1"/>
+                </a:solidFill>
+                <a:latin typeface="+mn-lt"/>
+                <a:ea typeface="+mn-ea"/>
+                <a:cs typeface="+mn-cs"/>
+              </a:defRPr>
+            </a:lvl4pPr>
+            <a:lvl5pPr marL="2057400" indent="-228600" algn="l" defTabSz="914400" rtl="0" eaLnBrk="1" latinLnBrk="0" hangingPunct="1">
+              <a:lnSpc>
+                <a:spcPct val="90000"/>
+              </a:lnSpc>
+              <a:spcBef>
+                <a:spcPts val="500"/>
+              </a:spcBef>
+              <a:buFont typeface="Arial" panose="020B0604020202020204" pitchFamily="34" charset="0"/>
+              <a:buChar char="•"/>
+              <a:defRPr sz="1800" kern="1200">
+                <a:solidFill>
+                  <a:schemeClr val="tx1"/>
+                </a:solidFill>
+                <a:latin typeface="+mn-lt"/>
+                <a:ea typeface="+mn-ea"/>
+                <a:cs typeface="+mn-cs"/>
+              </a:defRPr>
+            </a:lvl5pPr>
+            <a:lvl6pPr marL="2514600" indent="-228600" algn="l" defTabSz="914400" rtl="0" eaLnBrk="1" latinLnBrk="0" hangingPunct="1">
+              <a:lnSpc>
+                <a:spcPct val="90000"/>
+              </a:lnSpc>
+              <a:spcBef>
+                <a:spcPts val="500"/>
+              </a:spcBef>
+              <a:buFont typeface="Arial" panose="020B0604020202020204" pitchFamily="34" charset="0"/>
+              <a:buChar char="•"/>
+              <a:defRPr sz="1800" kern="1200">
+                <a:solidFill>
+                  <a:schemeClr val="tx1"/>
+                </a:solidFill>
+                <a:latin typeface="+mn-lt"/>
+                <a:ea typeface="+mn-ea"/>
+                <a:cs typeface="+mn-cs"/>
+              </a:defRPr>
+            </a:lvl6pPr>
+            <a:lvl7pPr marL="2971800" indent="-228600" algn="l" defTabSz="914400" rtl="0" eaLnBrk="1" latinLnBrk="0" hangingPunct="1">
+              <a:lnSpc>
+                <a:spcPct val="90000"/>
+              </a:lnSpc>
+              <a:spcBef>
+                <a:spcPts val="500"/>
+              </a:spcBef>
+              <a:buFont typeface="Arial" panose="020B0604020202020204" pitchFamily="34" charset="0"/>
+              <a:buChar char="•"/>
+              <a:defRPr sz="1800" kern="1200">
+                <a:solidFill>
+                  <a:schemeClr val="tx1"/>
+                </a:solidFill>
+                <a:latin typeface="+mn-lt"/>
+                <a:ea typeface="+mn-ea"/>
+                <a:cs typeface="+mn-cs"/>
+              </a:defRPr>
+            </a:lvl7pPr>
+            <a:lvl8pPr marL="3429000" indent="-228600" algn="l" defTabSz="914400" rtl="0" eaLnBrk="1" latinLnBrk="0" hangingPunct="1">
+              <a:lnSpc>
+                <a:spcPct val="90000"/>
+              </a:lnSpc>
+              <a:spcBef>
+                <a:spcPts val="500"/>
+              </a:spcBef>
+              <a:buFont typeface="Arial" panose="020B0604020202020204" pitchFamily="34" charset="0"/>
+              <a:buChar char="•"/>
+              <a:defRPr sz="1800" kern="1200">
+                <a:solidFill>
+                  <a:schemeClr val="tx1"/>
+                </a:solidFill>
+                <a:latin typeface="+mn-lt"/>
+                <a:ea typeface="+mn-ea"/>
+                <a:cs typeface="+mn-cs"/>
+              </a:defRPr>
+            </a:lvl8pPr>
+            <a:lvl9pPr marL="3886200" indent="-228600" algn="l" defTabSz="914400" rtl="0" eaLnBrk="1" latinLnBrk="0" hangingPunct="1">
+              <a:lnSpc>
+                <a:spcPct val="90000"/>
+              </a:lnSpc>
+              <a:spcBef>
+                <a:spcPts val="500"/>
+              </a:spcBef>
+              <a:buFont typeface="Arial" panose="020B0604020202020204" pitchFamily="34" charset="0"/>
+              <a:buChar char="•"/>
+              <a:defRPr sz="1800" kern="1200">
+                <a:solidFill>
+                  <a:schemeClr val="tx1"/>
+                </a:solidFill>
+                <a:latin typeface="+mn-lt"/>
+                <a:ea typeface="+mn-ea"/>
+                <a:cs typeface="+mn-cs"/>
+              </a:defRPr>
+            </a:lvl9pPr>
+          </a:lstStyle>
+          <a:p>
+            <a:pPr>
+              <a:lnSpc>
+                <a:spcPct val="60000"/>
+              </a:lnSpc>
+            </a:pPr>
+            <a:r>
+              <a:rPr lang="en-US" sz="1200" dirty="0">
+                <a:latin typeface="Baskerville Old Face" panose="02020602080505020303" pitchFamily="18" charset="0"/>
+                <a:cs typeface="Helvetica" panose="020B0604020202020204" pitchFamily="34" charset="0"/>
+              </a:rPr>
+              <a:t>Shift:</a:t>
+            </a:r>
+          </a:p>
+          <a:p>
+            <a:pPr>
+              <a:lnSpc>
+                <a:spcPct val="60000"/>
+              </a:lnSpc>
+            </a:pPr>
+            <a:r>
+              <a:rPr lang="en-US" sz="1200" dirty="0">
+                <a:latin typeface="Baskerville Old Face" panose="02020602080505020303" pitchFamily="18" charset="0"/>
+                <a:cs typeface="Helvetica" panose="020B0604020202020204" pitchFamily="34" charset="0"/>
+              </a:rPr>
+              <a:t>Concatenation:  </a:t>
+            </a:r>
+          </a:p>
+        </p:txBody>
+      </p:sp>
+      <p:pic>
+        <p:nvPicPr>
+          <p:cNvPr id="77" name="Picture 76">
+            <a:extLst>
+              <a:ext uri="{FF2B5EF4-FFF2-40B4-BE49-F238E27FC236}">
+                <a16:creationId xmlns:a16="http://schemas.microsoft.com/office/drawing/2014/main" id="{7B7866D4-DBC8-409C-8970-BE1E7D37B032}"/>
+              </a:ext>
+            </a:extLst>
+          </p:cNvPr>
+          <p:cNvPicPr>
+            <a:picLocks noChangeAspect="1"/>
+          </p:cNvPicPr>
+          <p:nvPr>
+            <p:custDataLst>
+              <p:tags r:id="rId11"/>
+            </p:custDataLst>
+          </p:nvPr>
+        </p:nvPicPr>
+        <p:blipFill>
+          <a:blip r:embed="rId27" cstate="print">
+            <a:extLst>
+              <a:ext uri="{28A0092B-C50C-407E-A947-70E740481C1C}">
+                <a14:useLocalDpi xmlns:a14="http://schemas.microsoft.com/office/drawing/2010/main" val="0"/>
+              </a:ext>
+            </a:extLst>
+          </a:blip>
+          <a:stretch>
+            <a:fillRect/>
+          </a:stretch>
+        </p:blipFill>
+        <p:spPr>
+          <a:xfrm>
+            <a:off x="6265247" y="6194546"/>
+            <a:ext cx="59429" cy="59429"/>
+          </a:xfrm>
+          <a:prstGeom prst="rect">
+            <a:avLst/>
+          </a:prstGeom>
+        </p:spPr>
+      </p:pic>
+      <p:pic>
+        <p:nvPicPr>
+          <p:cNvPr id="88" name="Picture 87">
+            <a:extLst>
+              <a:ext uri="{FF2B5EF4-FFF2-40B4-BE49-F238E27FC236}">
+                <a16:creationId xmlns:a16="http://schemas.microsoft.com/office/drawing/2014/main" id="{9C595C54-332E-424C-996E-A71D15CBDD4B}"/>
+              </a:ext>
+            </a:extLst>
+          </p:cNvPr>
+          <p:cNvPicPr>
+            <a:picLocks noChangeAspect="1"/>
+          </p:cNvPicPr>
+          <p:nvPr>
+            <p:custDataLst>
+              <p:tags r:id="rId12"/>
+            </p:custDataLst>
+          </p:nvPr>
+        </p:nvPicPr>
+        <p:blipFill>
+          <a:blip r:embed="rId28" cstate="print">
+            <a:extLst>
+              <a:ext uri="{28A0092B-C50C-407E-A947-70E740481C1C}">
+                <a14:useLocalDpi xmlns:a14="http://schemas.microsoft.com/office/drawing/2010/main" val="0"/>
+              </a:ext>
+            </a:extLst>
+          </a:blip>
+          <a:stretch>
+            <a:fillRect/>
+          </a:stretch>
+        </p:blipFill>
+        <p:spPr>
+          <a:xfrm>
+            <a:off x="4341915" y="6880062"/>
+            <a:ext cx="488228" cy="126171"/>
+          </a:xfrm>
+          <a:prstGeom prst="rect">
+            <a:avLst/>
+          </a:prstGeom>
+        </p:spPr>
+      </p:pic>
+      <p:pic>
+        <p:nvPicPr>
+          <p:cNvPr id="91" name="Picture 90">
+            <a:extLst>
+              <a:ext uri="{FF2B5EF4-FFF2-40B4-BE49-F238E27FC236}">
+                <a16:creationId xmlns:a16="http://schemas.microsoft.com/office/drawing/2014/main" id="{87B5F2C0-1AFE-48E8-AAB4-904F7916D926}"/>
+              </a:ext>
+            </a:extLst>
+          </p:cNvPr>
+          <p:cNvPicPr>
+            <a:picLocks noChangeAspect="1"/>
+          </p:cNvPicPr>
+          <p:nvPr>
+            <p:custDataLst>
+              <p:tags r:id="rId13"/>
+            </p:custDataLst>
+          </p:nvPr>
+        </p:nvPicPr>
+        <p:blipFill>
+          <a:blip r:embed="rId29" cstate="print">
+            <a:extLst>
+              <a:ext uri="{28A0092B-C50C-407E-A947-70E740481C1C}">
+                <a14:useLocalDpi xmlns:a14="http://schemas.microsoft.com/office/drawing/2010/main" val="0"/>
+              </a:ext>
+            </a:extLst>
+          </a:blip>
+          <a:stretch>
+            <a:fillRect/>
+          </a:stretch>
+        </p:blipFill>
+        <p:spPr>
+          <a:xfrm>
+            <a:off x="3895009" y="7116703"/>
+            <a:ext cx="239543" cy="105142"/>
+          </a:xfrm>
+          <a:prstGeom prst="rect">
+            <a:avLst/>
+          </a:prstGeom>
+        </p:spPr>
+      </p:pic>
+      <p:pic>
+        <p:nvPicPr>
+          <p:cNvPr id="96" name="Picture 95">
+            <a:extLst>
+              <a:ext uri="{FF2B5EF4-FFF2-40B4-BE49-F238E27FC236}">
+                <a16:creationId xmlns:a16="http://schemas.microsoft.com/office/drawing/2014/main" id="{0D3F8680-69EA-484C-A718-C4D7BA9C1D67}"/>
+              </a:ext>
+            </a:extLst>
+          </p:cNvPr>
+          <p:cNvPicPr>
+            <a:picLocks noChangeAspect="1"/>
+          </p:cNvPicPr>
+          <p:nvPr>
+            <p:custDataLst>
+              <p:tags r:id="rId14"/>
+            </p:custDataLst>
+          </p:nvPr>
+        </p:nvPicPr>
+        <p:blipFill>
+          <a:blip r:embed="rId30" cstate="print">
+            <a:extLst>
+              <a:ext uri="{28A0092B-C50C-407E-A947-70E740481C1C}">
+                <a14:useLocalDpi xmlns:a14="http://schemas.microsoft.com/office/drawing/2010/main" val="0"/>
+              </a:ext>
+            </a:extLst>
+          </a:blip>
+          <a:stretch>
+            <a:fillRect/>
+          </a:stretch>
+        </p:blipFill>
+        <p:spPr>
+          <a:xfrm>
+            <a:off x="4592428" y="7344657"/>
+            <a:ext cx="881372" cy="127999"/>
+          </a:xfrm>
+          <a:prstGeom prst="rect">
+            <a:avLst/>
+          </a:prstGeom>
+        </p:spPr>
+      </p:pic>
     </p:spTree>
     <p:extLst>
       <p:ext uri="{BB962C8B-B14F-4D97-AF65-F5344CB8AC3E}">
@@ -4827,7 +6315,519 @@
   <p:clrMapOvr>
     <a:masterClrMapping/>
   </p:clrMapOvr>
+  <p:timing>
+    <p:tnLst>
+      <p:par>
+        <p:cTn id="1" dur="indefinite" restart="never" nodeType="tmRoot">
+          <p:childTnLst>
+            <p:seq concurrent="1" nextAc="seek">
+              <p:cTn id="2" dur="indefinite" nodeType="mainSeq">
+                <p:childTnLst>
+                  <p:par>
+                    <p:cTn id="3" fill="hold">
+                      <p:stCondLst>
+                        <p:cond delay="indefinite"/>
+                      </p:stCondLst>
+                      <p:childTnLst>
+                        <p:par>
+                          <p:cTn id="4" fill="hold">
+                            <p:stCondLst>
+                              <p:cond delay="0"/>
+                            </p:stCondLst>
+                            <p:childTnLst>
+                              <p:par>
+                                <p:cTn id="5" presetID="1" presetClass="entr" presetSubtype="0" fill="hold" nodeType="clickEffect">
+                                  <p:stCondLst>
+                                    <p:cond delay="0"/>
+                                  </p:stCondLst>
+                                  <p:childTnLst>
+                                    <p:set>
+                                      <p:cBhvr>
+                                        <p:cTn id="6" dur="1" fill="hold">
+                                          <p:stCondLst>
+                                            <p:cond delay="0"/>
+                                          </p:stCondLst>
+                                        </p:cTn>
+                                        <p:tgtEl>
+                                          <p:spTgt spid="47"/>
+                                        </p:tgtEl>
+                                        <p:attrNameLst>
+                                          <p:attrName>style.visibility</p:attrName>
+                                        </p:attrNameLst>
+                                      </p:cBhvr>
+                                      <p:to>
+                                        <p:strVal val="visible"/>
+                                      </p:to>
+                                    </p:set>
+                                  </p:childTnLst>
+                                </p:cTn>
+                              </p:par>
+                              <p:par>
+                                <p:cTn id="7" presetID="1" presetClass="entr" presetSubtype="0" fill="hold" nodeType="withEffect">
+                                  <p:stCondLst>
+                                    <p:cond delay="0"/>
+                                  </p:stCondLst>
+                                  <p:childTnLst>
+                                    <p:set>
+                                      <p:cBhvr>
+                                        <p:cTn id="8" dur="1" fill="hold">
+                                          <p:stCondLst>
+                                            <p:cond delay="0"/>
+                                          </p:stCondLst>
+                                        </p:cTn>
+                                        <p:tgtEl>
+                                          <p:spTgt spid="48"/>
+                                        </p:tgtEl>
+                                        <p:attrNameLst>
+                                          <p:attrName>style.visibility</p:attrName>
+                                        </p:attrNameLst>
+                                      </p:cBhvr>
+                                      <p:to>
+                                        <p:strVal val="visible"/>
+                                      </p:to>
+                                    </p:set>
+                                  </p:childTnLst>
+                                </p:cTn>
+                              </p:par>
+                            </p:childTnLst>
+                          </p:cTn>
+                        </p:par>
+                      </p:childTnLst>
+                    </p:cTn>
+                  </p:par>
+                  <p:par>
+                    <p:cTn id="9" fill="hold">
+                      <p:stCondLst>
+                        <p:cond delay="indefinite"/>
+                      </p:stCondLst>
+                      <p:childTnLst>
+                        <p:par>
+                          <p:cTn id="10" fill="hold">
+                            <p:stCondLst>
+                              <p:cond delay="0"/>
+                            </p:stCondLst>
+                            <p:childTnLst>
+                              <p:par>
+                                <p:cTn id="11" presetID="1" presetClass="entr" presetSubtype="0" fill="hold" nodeType="clickEffect">
+                                  <p:stCondLst>
+                                    <p:cond delay="0"/>
+                                  </p:stCondLst>
+                                  <p:childTnLst>
+                                    <p:set>
+                                      <p:cBhvr>
+                                        <p:cTn id="12" dur="1" fill="hold">
+                                          <p:stCondLst>
+                                            <p:cond delay="0"/>
+                                          </p:stCondLst>
+                                        </p:cTn>
+                                        <p:tgtEl>
+                                          <p:spTgt spid="51"/>
+                                        </p:tgtEl>
+                                        <p:attrNameLst>
+                                          <p:attrName>style.visibility</p:attrName>
+                                        </p:attrNameLst>
+                                      </p:cBhvr>
+                                      <p:to>
+                                        <p:strVal val="visible"/>
+                                      </p:to>
+                                    </p:set>
+                                  </p:childTnLst>
+                                </p:cTn>
+                              </p:par>
+                              <p:par>
+                                <p:cTn id="13" presetID="1" presetClass="entr" presetSubtype="0" fill="hold" nodeType="withEffect">
+                                  <p:stCondLst>
+                                    <p:cond delay="0"/>
+                                  </p:stCondLst>
+                                  <p:childTnLst>
+                                    <p:set>
+                                      <p:cBhvr>
+                                        <p:cTn id="14" dur="1" fill="hold">
+                                          <p:stCondLst>
+                                            <p:cond delay="0"/>
+                                          </p:stCondLst>
+                                        </p:cTn>
+                                        <p:tgtEl>
+                                          <p:spTgt spid="52"/>
+                                        </p:tgtEl>
+                                        <p:attrNameLst>
+                                          <p:attrName>style.visibility</p:attrName>
+                                        </p:attrNameLst>
+                                      </p:cBhvr>
+                                      <p:to>
+                                        <p:strVal val="visible"/>
+                                      </p:to>
+                                    </p:set>
+                                  </p:childTnLst>
+                                </p:cTn>
+                              </p:par>
+                              <p:par>
+                                <p:cTn id="15" presetID="1" presetClass="entr" presetSubtype="0" fill="hold" nodeType="withEffect">
+                                  <p:stCondLst>
+                                    <p:cond delay="0"/>
+                                  </p:stCondLst>
+                                  <p:childTnLst>
+                                    <p:set>
+                                      <p:cBhvr>
+                                        <p:cTn id="16" dur="1" fill="hold">
+                                          <p:stCondLst>
+                                            <p:cond delay="0"/>
+                                          </p:stCondLst>
+                                        </p:cTn>
+                                        <p:tgtEl>
+                                          <p:spTgt spid="53"/>
+                                        </p:tgtEl>
+                                        <p:attrNameLst>
+                                          <p:attrName>style.visibility</p:attrName>
+                                        </p:attrNameLst>
+                                      </p:cBhvr>
+                                      <p:to>
+                                        <p:strVal val="visible"/>
+                                      </p:to>
+                                    </p:set>
+                                  </p:childTnLst>
+                                </p:cTn>
+                              </p:par>
+                            </p:childTnLst>
+                          </p:cTn>
+                        </p:par>
+                      </p:childTnLst>
+                    </p:cTn>
+                  </p:par>
+                  <p:par>
+                    <p:cTn id="17" fill="hold">
+                      <p:stCondLst>
+                        <p:cond delay="indefinite"/>
+                      </p:stCondLst>
+                      <p:childTnLst>
+                        <p:par>
+                          <p:cTn id="18" fill="hold">
+                            <p:stCondLst>
+                              <p:cond delay="0"/>
+                            </p:stCondLst>
+                            <p:childTnLst>
+                              <p:par>
+                                <p:cTn id="19" presetID="1" presetClass="entr" presetSubtype="0" fill="hold" nodeType="clickEffect">
+                                  <p:stCondLst>
+                                    <p:cond delay="0"/>
+                                  </p:stCondLst>
+                                  <p:childTnLst>
+                                    <p:set>
+                                      <p:cBhvr>
+                                        <p:cTn id="20" dur="1" fill="hold">
+                                          <p:stCondLst>
+                                            <p:cond delay="0"/>
+                                          </p:stCondLst>
+                                        </p:cTn>
+                                        <p:tgtEl>
+                                          <p:spTgt spid="79"/>
+                                        </p:tgtEl>
+                                        <p:attrNameLst>
+                                          <p:attrName>style.visibility</p:attrName>
+                                        </p:attrNameLst>
+                                      </p:cBhvr>
+                                      <p:to>
+                                        <p:strVal val="visible"/>
+                                      </p:to>
+                                    </p:set>
+                                  </p:childTnLst>
+                                </p:cTn>
+                              </p:par>
+                            </p:childTnLst>
+                          </p:cTn>
+                        </p:par>
+                      </p:childTnLst>
+                    </p:cTn>
+                  </p:par>
+                </p:childTnLst>
+              </p:cTn>
+              <p:prevCondLst>
+                <p:cond evt="onPrev" delay="0">
+                  <p:tgtEl>
+                    <p:sldTgt/>
+                  </p:tgtEl>
+                </p:cond>
+              </p:prevCondLst>
+              <p:nextCondLst>
+                <p:cond evt="onNext" delay="0">
+                  <p:tgtEl>
+                    <p:sldTgt/>
+                  </p:tgtEl>
+                </p:cond>
+              </p:nextCondLst>
+            </p:seq>
+          </p:childTnLst>
+        </p:cTn>
+      </p:par>
+    </p:tnLst>
+  </p:timing>
 </p:sld>
+</file>
+
+<file path=ppt/tags/tag1.xml><?xml version="1.0" encoding="utf-8"?>
+<p:tagLst xmlns:a="http://schemas.openxmlformats.org/drawingml/2006/main" xmlns:r="http://schemas.openxmlformats.org/officeDocument/2006/relationships" xmlns:p="http://schemas.openxmlformats.org/presentationml/2006/main">
+  <p:tag name="OUTPUTDPI" val="1200"/>
+  <p:tag name="ORIGINALHEIGHT" val="547.4316"/>
+  <p:tag name="ORIGINALWIDTH" val="2525.684"/>
+  <p:tag name="LATEXADDIN" val="\documentclass{article}&#10;\usepackage{amsmath}&#10;\usepackage{mathtools}&#10;\usepackage[dvipsnames]{xcolor}&#10;\pagestyle{empty}&#10;\begin{document}&#10;\color{NavyBlue}$\overbrace{\forall s,t : BV_n.\ \underbrace{IC[s,t]}_{\substack{\text{Invertibility} \\ \text{Condition}}} \iff \exists x : BV_n.\ \ell[x,s,t]}^{\text{Invertibility Equivalence}}$&#10;\end{document}"/>
+  <p:tag name="IGUANATEXSIZE" val="28"/>
+  <p:tag name="IGUANATEXCURSOR" val="280"/>
+  <p:tag name="TRANSPARENCY" val="True"/>
+  <p:tag name="FILENAME" val=""/>
+  <p:tag name="LATEXENGINEID" val="0"/>
+  <p:tag name="TEMPFOLDER" val="c:\temp\"/>
+  <p:tag name="LATEXFORMHEIGHT" val="312"/>
+  <p:tag name="LATEXFORMWIDTH" val="384"/>
+  <p:tag name="LATEXFORMWRAP" val="True"/>
+  <p:tag name="BITMAPVECTOR" val="0"/>
+</p:tagLst>
+</file>
+
+<file path=ppt/tags/tag10.xml><?xml version="1.0" encoding="utf-8"?>
+<p:tagLst xmlns:a="http://schemas.openxmlformats.org/drawingml/2006/main" xmlns:r="http://schemas.openxmlformats.org/officeDocument/2006/relationships" xmlns:p="http://schemas.openxmlformats.org/presentationml/2006/main">
+  <p:tag name="OUTPUTDPI" val="1200"/>
+  <p:tag name="ORIGINALHEIGHT" val="116.2354"/>
+  <p:tag name="ORIGINALWIDTH" val="1283.09"/>
+  <p:tag name="LATEXADDIN" val="\documentclass{article}&#10;\usepackage{amsmath}&#10;\usepackage[dvipsnames]{xcolor}&#10;\pagestyle{empty}&#10;\begin{document}&#10;\color{NavyBlue}$=,\ \neq,\ &lt;_u,\ &gt;_u,\ &lt;_s,\ &gt;_s$&#10;\end{document}"/>
+  <p:tag name="IGUANATEXSIZE" val="12"/>
+  <p:tag name="IGUANATEXCURSOR" val="157"/>
+  <p:tag name="TRANSPARENCY" val="True"/>
+  <p:tag name="FILENAME" val=""/>
+  <p:tag name="LATEXENGINEID" val="0"/>
+  <p:tag name="TEMPFOLDER" val="c:\temp\"/>
+  <p:tag name="LATEXFORMHEIGHT" val="312"/>
+  <p:tag name="LATEXFORMWIDTH" val="384"/>
+  <p:tag name="LATEXFORMWRAP" val="True"/>
+  <p:tag name="BITMAPVECTOR" val="0"/>
+</p:tagLst>
+</file>
+
+<file path=ppt/tags/tag11.xml><?xml version="1.0" encoding="utf-8"?>
+<p:tagLst xmlns:a="http://schemas.openxmlformats.org/drawingml/2006/main" xmlns:r="http://schemas.openxmlformats.org/officeDocument/2006/relationships" xmlns:p="http://schemas.openxmlformats.org/presentationml/2006/main">
+  <p:tag name="OUTPUTDPI" val="1200"/>
+  <p:tag name="ORIGINALHEIGHT" val="48.74394"/>
+  <p:tag name="ORIGINALWIDTH" val="48.74394"/>
+  <p:tag name="LATEXADDIN" val="\documentclass{article}&#10;\usepackage{amsmath}&#10;\usepackage[dvipsnames]{xcolor}&#10;\pagestyle{empty}&#10;\begin{document}&#10;\color{NavyBlue}$\circ$&#10;\end{document}"/>
+  <p:tag name="IGUANATEXSIZE" val="12"/>
+  <p:tag name="IGUANATEXCURSOR" val="134"/>
+  <p:tag name="TRANSPARENCY" val="True"/>
+  <p:tag name="FILENAME" val=""/>
+  <p:tag name="LATEXENGINEID" val="0"/>
+  <p:tag name="TEMPFOLDER" val="c:\temp\"/>
+  <p:tag name="LATEXFORMHEIGHT" val="312"/>
+  <p:tag name="LATEXFORMWIDTH" val="384"/>
+  <p:tag name="LATEXFORMWRAP" val="True"/>
+  <p:tag name="BITMAPVECTOR" val="0"/>
+</p:tagLst>
+</file>
+
+<file path=ppt/tags/tag12.xml><?xml version="1.0" encoding="utf-8"?>
+<p:tagLst xmlns:a="http://schemas.openxmlformats.org/drawingml/2006/main" xmlns:r="http://schemas.openxmlformats.org/officeDocument/2006/relationships" xmlns:p="http://schemas.openxmlformats.org/presentationml/2006/main">
+  <p:tag name="OUTPUTDPI" val="1200"/>
+  <p:tag name="ORIGINALHEIGHT" val="103.4871"/>
+  <p:tag name="ORIGINALWIDTH" val="400.4499"/>
+  <p:tag name="LATEXADDIN" val="\documentclass{article}&#10;\usepackage{amsmath}&#10;\usepackage[dvipsnames]{xcolor}&#10;\pagestyle{empty}&#10;\begin{document}&#10;\color{NavyBlue}$\leq_u,\ \geq_u$&#10;\end{document}"/>
+  <p:tag name="IGUANATEXSIZE" val="12"/>
+  <p:tag name="IGUANATEXCURSOR" val="144"/>
+  <p:tag name="TRANSPARENCY" val="True"/>
+  <p:tag name="FILENAME" val=""/>
+  <p:tag name="LATEXENGINEID" val="0"/>
+  <p:tag name="TEMPFOLDER" val="c:\temp\"/>
+  <p:tag name="LATEXFORMHEIGHT" val="312"/>
+  <p:tag name="LATEXFORMWIDTH" val="384"/>
+  <p:tag name="LATEXFORMWRAP" val="True"/>
+  <p:tag name="BITMAPVECTOR" val="0"/>
+</p:tagLst>
+</file>
+
+<file path=ppt/tags/tag13.xml><?xml version="1.0" encoding="utf-8"?>
+<p:tagLst xmlns:a="http://schemas.openxmlformats.org/drawingml/2006/main" xmlns:r="http://schemas.openxmlformats.org/officeDocument/2006/relationships" xmlns:p="http://schemas.openxmlformats.org/presentationml/2006/main">
+  <p:tag name="OUTPUTDPI" val="1200"/>
+  <p:tag name="ORIGINALHEIGHT" val="86.23921"/>
+  <p:tag name="ORIGINALWIDTH" val="196.4754"/>
+  <p:tag name="LATEXADDIN" val="\documentclass{article}&#10;\usepackage{amsmath}&#10;\usepackage[dvipsnames]{xcolor}&#10;\pagestyle{empty}&#10;\begin{document}&#10;\color{NavyBlue}$&gt;\kern-.3em&gt;_a$&#10;\end{document}"/>
+  <p:tag name="IGUANATEXSIZE" val="12"/>
+  <p:tag name="IGUANATEXCURSOR" val="143"/>
+  <p:tag name="TRANSPARENCY" val="True"/>
+  <p:tag name="FILENAME" val=""/>
+  <p:tag name="LATEXENGINEID" val="0"/>
+  <p:tag name="TEMPFOLDER" val="c:\temp\"/>
+  <p:tag name="LATEXFORMHEIGHT" val="312"/>
+  <p:tag name="LATEXFORMWIDTH" val="384"/>
+  <p:tag name="LATEXFORMWRAP" val="True"/>
+  <p:tag name="BITMAPVECTOR" val="0"/>
+</p:tagLst>
+</file>
+
+<file path=ppt/tags/tag14.xml><?xml version="1.0" encoding="utf-8"?>
+<p:tagLst xmlns:a="http://schemas.openxmlformats.org/drawingml/2006/main" xmlns:r="http://schemas.openxmlformats.org/officeDocument/2006/relationships" xmlns:p="http://schemas.openxmlformats.org/presentationml/2006/main">
+  <p:tag name="OUTPUTDPI" val="1200"/>
+  <p:tag name="ORIGINALHEIGHT" val="104.9868"/>
+  <p:tag name="ORIGINALWIDTH" val="722.9096"/>
+  <p:tag name="LATEXADDIN" val="\documentclass{article}&#10;\usepackage{amsmath}&#10;\usepackage[dvipsnames]{xcolor}&#10;\pagestyle{empty}&#10;\begin{document}&#10;\color{NavyBlue}$\underline{&lt;\kern-.3em&lt;},\ \underline{&gt;\kern-.3em&gt;},\ \underline{&gt;\kern-.3em&gt;_a}$&#10;\end{document}"/>
+  <p:tag name="IGUANATEXSIZE" val="12"/>
+  <p:tag name="IGUANATEXCURSOR" val="181"/>
+  <p:tag name="TRANSPARENCY" val="True"/>
+  <p:tag name="FILENAME" val=""/>
+  <p:tag name="LATEXENGINEID" val="0"/>
+  <p:tag name="TEMPFOLDER" val="c:\temp\"/>
+  <p:tag name="LATEXFORMHEIGHT" val="312"/>
+  <p:tag name="LATEXFORMWIDTH" val="384"/>
+  <p:tag name="LATEXFORMWRAP" val="True"/>
+  <p:tag name="BITMAPVECTOR" val="0"/>
+</p:tagLst>
+</file>
+
+<file path=ppt/tags/tag2.xml><?xml version="1.0" encoding="utf-8"?>
+<p:tagLst xmlns:a="http://schemas.openxmlformats.org/drawingml/2006/main" xmlns:r="http://schemas.openxmlformats.org/officeDocument/2006/relationships" xmlns:p="http://schemas.openxmlformats.org/presentationml/2006/main">
+  <p:tag name="OUTPUTDPI" val="1200"/>
+  <p:tag name="ORIGINALHEIGHT" val="97.48779"/>
+  <p:tag name="ORIGINALWIDTH" val="1161.605"/>
+  <p:tag name="LATEXADDIN" val="\documentclass{article}&#10;\usepackage{amsmath}&#10;\usepackage[dvipsnames]{xcolor}&#10;\pagestyle{empty}&#10;\begin{document}&#10;\color{NavyBlue}$\top \iff \exists x.\ x + s = t$&#10;\end{document}"/>
+  <p:tag name="IGUANATEXSIZE" val="28"/>
+  <p:tag name="IGUANATEXCURSOR" val="133"/>
+  <p:tag name="TRANSPARENCY" val="True"/>
+  <p:tag name="FILENAME" val=""/>
+  <p:tag name="LATEXENGINEID" val="0"/>
+  <p:tag name="TEMPFOLDER" val="c:\temp\"/>
+  <p:tag name="LATEXFORMHEIGHT" val="312"/>
+  <p:tag name="LATEXFORMWIDTH" val="384"/>
+  <p:tag name="LATEXFORMWRAP" val="True"/>
+  <p:tag name="BITMAPVECTOR" val="0"/>
+</p:tagLst>
+</file>
+
+<file path=ppt/tags/tag3.xml><?xml version="1.0" encoding="utf-8"?>
+<p:tagLst xmlns:a="http://schemas.openxmlformats.org/drawingml/2006/main" xmlns:r="http://schemas.openxmlformats.org/officeDocument/2006/relationships" xmlns:p="http://schemas.openxmlformats.org/presentationml/2006/main">
+  <p:tag name="OUTPUTDPI" val="1200"/>
+  <p:tag name="ORIGINALHEIGHT" val="92.2385"/>
+  <p:tag name="ORIGINALWIDTH" val="1591.301"/>
+  <p:tag name="LATEXADDIN" val="\documentclass{article}&#10;\usepackage{amsmath}&#10;\usepackage[dvipsnames]{xcolor}&#10;\pagestyle{empty}&#10;\begin{document}&#10;\color{NavyBlue}$t\ \&amp;\ s = t \iff \exists x.\ x\ \&amp;\ s = t$&#10;\end{document}"/>
+  <p:tag name="IGUANATEXSIZE" val="28"/>
+  <p:tag name="IGUANATEXCURSOR" val="141"/>
+  <p:tag name="TRANSPARENCY" val="True"/>
+  <p:tag name="FILENAME" val=""/>
+  <p:tag name="LATEXENGINEID" val="0"/>
+  <p:tag name="TEMPFOLDER" val="c:\temp\"/>
+  <p:tag name="LATEXFORMHEIGHT" val="312"/>
+  <p:tag name="LATEXFORMWIDTH" val="384"/>
+  <p:tag name="LATEXFORMWRAP" val="True"/>
+  <p:tag name="BITMAPVECTOR" val="0"/>
+</p:tagLst>
+</file>
+
+<file path=ppt/tags/tag4.xml><?xml version="1.0" encoding="utf-8"?>
+<p:tagLst xmlns:a="http://schemas.openxmlformats.org/drawingml/2006/main" xmlns:r="http://schemas.openxmlformats.org/officeDocument/2006/relationships" xmlns:p="http://schemas.openxmlformats.org/presentationml/2006/main">
+  <p:tag name="OUTPUTDPI" val="1200"/>
+  <p:tag name="ORIGINALHEIGHT" val="123.7346"/>
+  <p:tag name="ORIGINALWIDTH" val="2220.472"/>
+  <p:tag name="LATEXADDIN" val="\documentclass{article}&#10;\usepackage{amsmath}&#10;\usepackage{xspace}&#10;\usepackage[dvipsnames]{xcolor}&#10;\pagestyle{empty}&#10;\begin{document}&#10;\noindent \color{NavyBlue}&#10;$t &lt;_u ({\ensuremath{{\sim}\,}\xspace} s &gt;\kern-.3em&gt; s)&#10;\ \iff \ &#10;\exists x.\ (x &gt;\kern-.3em&gt; s) &lt;_u t$&#10;\end{document}"/>
+  <p:tag name="IGUANATEXSIZE" val="28"/>
+  <p:tag name="IGUANATEXCURSOR" val="262"/>
+  <p:tag name="TRANSPARENCY" val="True"/>
+  <p:tag name="FILENAME" val=""/>
+  <p:tag name="LATEXENGINEID" val="0"/>
+  <p:tag name="TEMPFOLDER" val="c:\temp\"/>
+  <p:tag name="LATEXFORMHEIGHT" val="312"/>
+  <p:tag name="LATEXFORMWIDTH" val="384"/>
+  <p:tag name="LATEXFORMWRAP" val="True"/>
+  <p:tag name="BITMAPVECTOR" val="0"/>
+</p:tagLst>
+</file>
+
+<file path=ppt/tags/tag5.xml><?xml version="1.0" encoding="utf-8"?>
+<p:tagLst xmlns:a="http://schemas.openxmlformats.org/drawingml/2006/main" xmlns:r="http://schemas.openxmlformats.org/officeDocument/2006/relationships" xmlns:p="http://schemas.openxmlformats.org/presentationml/2006/main">
+  <p:tag name="OUTPUTDPI" val="1200"/>
+  <p:tag name="ORIGINALHEIGHT" val="2235.47"/>
+  <p:tag name="ORIGINALWIDTH" val="2664.417"/>
+  <p:tag name="LATEXADDIN" val="\documentclass{article}&#10;\usepackage{amsmath}&#10;\usepackage[dvipsnames]{xcolor}&#10;\usepackage{xspace}&#10;\usepackage{pifont}&#10;\usepackage{amssymb}&#10;\pagestyle{empty}&#10;\begin{document}&#10;\begin{table}&#10;\begin{center}&#10;{%&#10;  \renewcommand{\arraystretch}{1.2}%&#10;  \begin{tabular}{r@{\hspace{2.0em}}c@{\hspace{1.0em}}c@{\hspace{1.5em}}c@{\hspace{1.0em}}c@{\hspace{1.5em}}c@{\hspace{1.0em}}c}&#10;    \hline&#10;    \\[-2.5ex]&#10;    $\ell[x]$ &amp; $=$ &amp; $\not =$ &amp; $&lt;_u$ &amp; $&gt;_u$ &amp; $\leq_u$ &amp; $\geq_u$&#10;    \\[.5ex]&#10;    \hline&#10;    \\[-2.5ex]&#10;    $- x \bowtie t$ &amp; \color{Blue}{$\checkmark$}\nolinebreak\kern-0.7em\xspace\color{OliveGreen}{$\checkmark$} &amp; \color{OliveGreen}{$\checkmark$} &amp; \color{OliveGreen}{$\checkmark$} &amp; \color{OliveGreen}{$\checkmark$}  &#10;     &amp; \color{OliveGreen}{$\checkmark$} &amp; \color{OliveGreen}{$\checkmark$} \\&#10;    $\sim x  \bowtie t$ &amp; \color{Blue}{$\checkmark$}\nolinebreak\kern-0.7em\xspace\color{OliveGreen}{$\checkmark$} &amp; \color{OliveGreen}{$\checkmark$} &amp; \color{OliveGreen}{$\checkmark$} &amp; \color{OliveGreen}{$\checkmark$}  &#10;     &amp; \color{OliveGreen}{$\checkmark$} &amp; \color{OliveGreen}{$\checkmark$}  \\&#10;    $x\ \&amp;\ s \bowtie t$ &amp; \color{Blue}{$\checkmark$} &amp; \color{OliveGreen}{$\checkmark$} &amp; \color{OliveGreen}{$\checkmark$} &amp; \color{OliveGreen}{$\checkmark$}  &#10;     &amp; \color{OliveGreen}{$\checkmark$} &amp; \color{OliveGreen}{$\checkmark$} \\&#10;    $x \mid s   \bowtie t$ &amp; \color{Blue}{$\checkmark$} &amp; \color{OliveGreen}{$\checkmark$} &amp; \color{OliveGreen}{$\checkmark$} &amp; \color{OliveGreen}{$\checkmark$} &#10;     &amp; \color{OliveGreen}{$\checkmark$} &amp; \color{OliveGreen}{$\checkmark$} \\&#10;    $x \mathop{&lt;\kern-.3em&lt;} s  \bowtie t$ &amp; \color{Blue}{$\checkmark$} &amp; \color{Blue}{$\checkmark$} &amp; \color{OliveGreen}{$\checkmark$} &amp; \color{Blue}{$\checkmark$}   &#10;     &amp; \color{OliveGreen}{$\checkmark$} &amp; \color{Blue}{$\checkmark$} \\&#10;    $s \mathop{&lt;\kern-.3em&lt;} x  \bowtie t$ &amp; \color{Blue}{$\checkmark$}\nolinebreak\kern-0.7em\xspace\color{OliveGreen}{$\checkmark$} &amp; \color{OliveGreen}{$\checkmark$} &amp; \color{OliveGreen}{$\checkmark$} &amp; \color{OliveGreen}{$\checkmark$} &#10;     &amp; \color{OliveGreen}{$\checkmark$} &amp; \color{OliveGreen}{$\checkmark$} \\&#10;    $x \mathop{&gt;\kern-.3em&gt;} s \bowtie t$ &amp; \color{Blue}{$\checkmark$}\nolinebreak\kern-0.7em\xspace\color{OliveGreen}{$\checkmark$} &amp; \color{OliveGreen}{$\checkmark$} &amp; \color{OliveGreen}{$\checkmark$} &amp; \color{red}\ding{53} &#10;     &amp; \color{OliveGreen}{$\checkmark$} &amp; \color{OliveGreen}{$\checkmark$} \\&#10;    $s \mathop{&gt;\kern-.3em&gt;} x \bowtie t$ &amp; \color{Blue}{$\checkmark$}\nolinebreak\kern-0.7em\xspace\color{OliveGreen}{$\checkmark$} &amp; \color{OliveGreen}{$\checkmark$} &amp; \color{OliveGreen}{$\checkmark$} &amp; \color{OliveGreen}{$\checkmark$} &#10;     &amp; \color{OliveGreen}{$\checkmark$} &amp; \color{OliveGreen}{$\checkmark$} \\&#10;    $x \mathop{&gt;\kern-.3em&gt;_a} s \bowtie t$ &amp; \color{Blue}{$\checkmark$} &amp; \color{OliveGreen}{$\checkmark$} &amp; \color{OliveGreen}{$\checkmark$} &amp; \color{OliveGreen}{$\checkmark$} &#10;     &amp; \color{OliveGreen}{$\checkmark$} &amp; \color{OliveGreen}{$\checkmark$} \\&#10;    $s \mathop{&gt;\kern-.3em&gt;_a} x \bowtie t$ &amp; \color{Blue}{$\checkmark$}\nolinebreak\kern-0.7em\xspace\color{OliveGreen}{$\checkmark$} &amp; \color{OliveGreen}{$\checkmark$} &amp; \color{Blue}{$\checkmark$} &amp; \color{Blue}{$\checkmark$}  &#10;     &amp; \color{Blue}{$\checkmark$} &amp; \color{Blue}{$\checkmark$} \\&#10;    $x + s   \bowtie t$ &amp; \color{Blue}{$\checkmark$}\nolinebreak\kern-0.7em\xspace\color{OliveGreen}{$\checkmark$} &amp; \color{OliveGreen}{$\checkmark$} &amp; \color{OliveGreen}{$\checkmark$} &amp; \color{OliveGreen}{$\checkmark$} &#10;     &amp; \color{OliveGreen}{$\checkmark$} &amp; \color{OliveGreen}{$\checkmark$} \\&#10;  \end{tabular}%&#10;}&#10;\end{center}&#10;\end{table} &#10;\end{document}"/>
+  <p:tag name="IGUANATEXSIZE" val="28"/>
+  <p:tag name="IGUANATEXCURSOR" val="3672"/>
+  <p:tag name="TRANSPARENCY" val="True"/>
+  <p:tag name="FILENAME" val=""/>
+  <p:tag name="LATEXENGINEID" val="0"/>
+  <p:tag name="TEMPFOLDER" val="c:\temp\"/>
+  <p:tag name="LATEXFORMHEIGHT" val="312"/>
+  <p:tag name="LATEXFORMWIDTH" val="384"/>
+  <p:tag name="LATEXFORMWRAP" val="True"/>
+  <p:tag name="BITMAPVECTOR" val="0"/>
+</p:tagLst>
+</file>
+
+<file path=ppt/tags/tag6.xml><?xml version="1.0" encoding="utf-8"?>
+<p:tagLst xmlns:a="http://schemas.openxmlformats.org/drawingml/2006/main" xmlns:r="http://schemas.openxmlformats.org/officeDocument/2006/relationships" xmlns:p="http://schemas.openxmlformats.org/presentationml/2006/main">
+  <p:tag name="OUTPUTDPI" val="1200"/>
+  <p:tag name="ORIGINALHEIGHT" val="672.6659"/>
+  <p:tag name="ORIGINALWIDTH" val="1877.765"/>
+  <p:tag name="LATEXADDIN" val="\documentclass{article}&#10;\usepackage[a4paper]{geometry}&#10;\geometry{textwidth=\paperwidth, textheight=\paperheight, noheadfoot, nomarginpar}&#10;\setlength{\topskip}{0mm}&#10;\setlength{\parindent}{0mm}&#10;\usepackage{amsmath}&#10;\usepackage[dvipsnames]{xcolor}&#10;\usepackage{xspace}&#10;\usepackage{pifont}&#10;\usepackage{amssymb}&#10;\pagestyle{empty}&#10;\begin{document}&#10;\begin{align*}&#10;\textsf{\color{blue}{$\checkmark$}} &amp;\ \color{black}\textsf{Verified in Coq} \\&#10;\textsf{\color{OliveGreen}{$\checkmark$}} &amp;\ \color{black}\textsf{Verified in SMT} \\&#10;\textsf{\color{blue}{$\checkmark$}\nolinebreak\kern-0.7em\xspace\color{OliveGreen}{$\checkmark$}} &amp;\ \color{black}\textsf{Verified in Coq and SMT}\\&#10;\textsf{\color{red}\ding{53}} &amp;\ \color{black}\textsf{Verified in neither Coq nor SMT}&#10;\end{align*}&#10;\end{document}"/>
+  <p:tag name="IGUANATEXSIZE" val="20"/>
+  <p:tag name="IGUANATEXCURSOR" val="785"/>
+  <p:tag name="TRANSPARENCY" val="True"/>
+  <p:tag name="FILENAME" val=""/>
+  <p:tag name="LATEXENGINEID" val="0"/>
+  <p:tag name="TEMPFOLDER" val="c:\temp\"/>
+  <p:tag name="LATEXFORMHEIGHT" val="312"/>
+  <p:tag name="LATEXFORMWIDTH" val="384"/>
+  <p:tag name="LATEXFORMWRAP" val="True"/>
+  <p:tag name="BITMAPVECTOR" val="0"/>
+</p:tagLst>
+</file>
+
+<file path=ppt/tags/tag7.xml><?xml version="1.0" encoding="utf-8"?>
+<p:tagLst xmlns:a="http://schemas.openxmlformats.org/drawingml/2006/main" xmlns:r="http://schemas.openxmlformats.org/officeDocument/2006/relationships" xmlns:p="http://schemas.openxmlformats.org/presentationml/2006/main">
+  <p:tag name="OUTPUTDPI" val="1200"/>
+  <p:tag name="ORIGINALHEIGHT" val="96.73788"/>
+  <p:tag name="ORIGINALWIDTH" val="404.9494"/>
+  <p:tag name="LATEXADDIN" val="\documentclass{article}&#10;\usepackage{amsmath}&#10;\usepackage[dvipsnames]{xcolor}&#10;\pagestyle{empty}&#10;\begin{document}&#10;\color{NavyBlue}$+,\ -,\ \cdot$&#10;\end{document}"/>
+  <p:tag name="IGUANATEXSIZE" val="28"/>
+  <p:tag name="IGUANATEXCURSOR" val="132"/>
+  <p:tag name="TRANSPARENCY" val="True"/>
+  <p:tag name="FILENAME" val=""/>
+  <p:tag name="LATEXENGINEID" val="0"/>
+  <p:tag name="TEMPFOLDER" val="c:\temp\"/>
+  <p:tag name="LATEXFORMHEIGHT" val="312"/>
+  <p:tag name="LATEXFORMWIDTH" val="384"/>
+  <p:tag name="LATEXFORMWRAP" val="True"/>
+  <p:tag name="BITMAPVECTOR" val="0"/>
+</p:tagLst>
+</file>
+
+<file path=ppt/tags/tag8.xml><?xml version="1.0" encoding="utf-8"?>
+<p:tagLst xmlns:a="http://schemas.openxmlformats.org/drawingml/2006/main" xmlns:r="http://schemas.openxmlformats.org/officeDocument/2006/relationships" xmlns:p="http://schemas.openxmlformats.org/presentationml/2006/main">
+  <p:tag name="OUTPUTDPI" val="1200"/>
+  <p:tag name="ORIGINALHEIGHT" val="124.4844"/>
+  <p:tag name="ORIGINALWIDTH" val="410.9487"/>
+  <p:tag name="LATEXADDIN" val="\documentclass{article}&#10;\usepackage{amsmath}&#10;\usepackage[dvipsnames]{xcolor}&#10;\pagestyle{empty}&#10;\begin{document}&#10;\color{NavyBlue}$\&amp;,\ \mid,\ \sim$&#10;\end{document}"/>
+  <p:tag name="IGUANATEXSIZE" val="12"/>
+  <p:tag name="IGUANATEXCURSOR" val="140"/>
+  <p:tag name="TRANSPARENCY" val="True"/>
+  <p:tag name="FILENAME" val=""/>
+  <p:tag name="LATEXENGINEID" val="0"/>
+  <p:tag name="TEMPFOLDER" val="c:\temp\"/>
+  <p:tag name="LATEXFORMHEIGHT" val="312"/>
+  <p:tag name="LATEXFORMWIDTH" val="384"/>
+  <p:tag name="LATEXFORMWRAP" val="True"/>
+  <p:tag name="BITMAPVECTOR" val="0"/>
+</p:tagLst>
+</file>
+
+<file path=ppt/tags/tag9.xml><?xml version="1.0" encoding="utf-8"?>
+<p:tagLst xmlns:a="http://schemas.openxmlformats.org/drawingml/2006/main" xmlns:r="http://schemas.openxmlformats.org/officeDocument/2006/relationships" xmlns:p="http://schemas.openxmlformats.org/presentationml/2006/main">
+  <p:tag name="OUTPUTDPI" val="1200"/>
+  <p:tag name="ORIGINALHEIGHT" val="90.73866"/>
+  <p:tag name="ORIGINALWIDTH" val="389.9513"/>
+  <p:tag name="LATEXADDIN" val="\documentclass{article}&#10;\usepackage{amsmath}&#10;\usepackage[dvipsnames]{xcolor}&#10;\pagestyle{empty}&#10;\begin{document}&#10;\color{NavyBlue}$&lt;\kern-.3em&lt;,\ &gt;\kern-.3em&gt;$&#10;\end{document}"/>
+  <p:tag name="IGUANATEXSIZE" val="12"/>
+  <p:tag name="IGUANATEXCURSOR" val="143"/>
+  <p:tag name="TRANSPARENCY" val="True"/>
+  <p:tag name="FILENAME" val=""/>
+  <p:tag name="LATEXENGINEID" val="0"/>
+  <p:tag name="TEMPFOLDER" val="c:\temp\"/>
+  <p:tag name="LATEXFORMHEIGHT" val="312"/>
+  <p:tag name="LATEXFORMWIDTH" val="384"/>
+  <p:tag name="LATEXFORMWRAP" val="True"/>
+  <p:tag name="BITMAPVECTOR" val="0"/>
+</p:tagLst>
 </file>
 
 <file path=ppt/theme/theme1.xml><?xml version="1.0" encoding="utf-8"?>
@@ -4876,9 +6876,9 @@
         <a:latin typeface="Calibri Light" panose="020F0302020204030204"/>
         <a:ea typeface=""/>
         <a:cs typeface=""/>
-        <a:font script="Jpan" typeface="ＭＳ Ｐゴシック"/>
+        <a:font script="Jpan" typeface="游ゴシック Light"/>
         <a:font script="Hang" typeface="맑은 고딕"/>
-        <a:font script="Hans" typeface="宋体"/>
+        <a:font script="Hans" typeface="等线 Light"/>
         <a:font script="Hant" typeface="新細明體"/>
         <a:font script="Arab" typeface="Times New Roman"/>
         <a:font script="Hebr" typeface="Times New Roman"/>
@@ -4911,9 +6911,9 @@
         <a:latin typeface="Calibri" panose="020F0502020204030204"/>
         <a:ea typeface=""/>
         <a:cs typeface=""/>
-        <a:font script="Jpan" typeface="ＭＳ Ｐゴシック"/>
+        <a:font script="Jpan" typeface="游ゴシック"/>
         <a:font script="Hang" typeface="맑은 고딕"/>
-        <a:font script="Hans" typeface="宋体"/>
+        <a:font script="Hans" typeface="等线"/>
         <a:font script="Hant" typeface="新細明體"/>
         <a:font script="Arab" typeface="Arial"/>
         <a:font script="Hebr" typeface="Arial"/>

--- a/FMCAD Poster.pptx
+++ b/FMCAD Poster.pptx
@@ -115,9 +115,9 @@
 <file path=ppt/revisionInfo.xml><?xml version="1.0" encoding="utf-8"?>
 <p1510:revInfo xmlns:a="http://schemas.openxmlformats.org/drawingml/2006/main" xmlns:r="http://schemas.openxmlformats.org/officeDocument/2006/relationships" xmlns:p1510="http://schemas.microsoft.com/office/powerpoint/2015/10/main">
   <p1510:revLst>
+    <p1510:client id="{4FB6AA68-809D-F51E-F4CE-AD11CF5F0493}" v="609" dt="2019-09-28T00:46:43.085"/>
+    <p1510:client id="{869EC253-3183-9D03-DEF4-48C017D3C47D}" v="51" dt="2019-09-27T23:52:25.014"/>
     <p1510:client id="{FD8E1D27-11F9-1F91-3558-DE17A3379917}" v="55" dt="2019-09-28T02:48:01.550"/>
-    <p1510:client id="{869EC253-3183-9D03-DEF4-48C017D3C47D}" v="51" dt="2019-09-27T23:52:25.014"/>
-    <p1510:client id="{4FB6AA68-809D-F51E-F4CE-AD11CF5F0493}" v="609" dt="2019-09-28T00:46:43.085"/>
     <p1510:client id="{B0A645ED-900C-C548-20FF-3E18CB47768F}" v="91" dt="2019-09-28T01:00:44.013"/>
   </p1510:revLst>
 </p1510:revInfo>
@@ -4078,7 +4078,21 @@
                 <a:latin typeface="Baskerville Old Face" panose="02020602080505020303" pitchFamily="18" charset="0"/>
                 <a:cs typeface="Calibri"/>
               </a:rPr>
-              <a:t>CVC4 uses invertibility equivalences in a quantifier-instantiation technique that deals with solving quantified bit-vector formulas.</a:t>
+              <a:t>The </a:t>
+            </a:r>
+            <a:r>
+              <a:rPr lang="en-US" sz="1200">
+                <a:latin typeface="Baskerville Old Face" panose="02020602080505020303" pitchFamily="18" charset="0"/>
+                <a:cs typeface="Calibri"/>
+              </a:rPr>
+              <a:t>CVC4 SMT-solver uses </a:t>
+            </a:r>
+            <a:r>
+              <a:rPr lang="en-US" sz="1200" dirty="0">
+                <a:latin typeface="Baskerville Old Face" panose="02020602080505020303" pitchFamily="18" charset="0"/>
+                <a:cs typeface="Calibri"/>
+              </a:rPr>
+              <a:t>invertibility equivalences in a quantifier-instantiation technique that deals with solving quantified bit-vector formulas.</a:t>
             </a:r>
           </a:p>
           <a:p>

--- a/FMCAD Poster.pptx
+++ b/FMCAD Poster.pptx
@@ -115,9 +115,9 @@
 <file path=ppt/revisionInfo.xml><?xml version="1.0" encoding="utf-8"?>
 <p1510:revInfo xmlns:a="http://schemas.openxmlformats.org/drawingml/2006/main" xmlns:r="http://schemas.openxmlformats.org/officeDocument/2006/relationships" xmlns:p1510="http://schemas.microsoft.com/office/powerpoint/2015/10/main">
   <p1510:revLst>
+    <p1510:client id="{FD8E1D27-11F9-1F91-3558-DE17A3379917}" v="55" dt="2019-09-28T02:48:01.550"/>
+    <p1510:client id="{869EC253-3183-9D03-DEF4-48C017D3C47D}" v="51" dt="2019-09-27T23:52:25.014"/>
     <p1510:client id="{4FB6AA68-809D-F51E-F4CE-AD11CF5F0493}" v="609" dt="2019-09-28T00:46:43.085"/>
-    <p1510:client id="{869EC253-3183-9D03-DEF4-48C017D3C47D}" v="51" dt="2019-09-27T23:52:25.014"/>
-    <p1510:client id="{FD8E1D27-11F9-1F91-3558-DE17A3379917}" v="55" dt="2019-09-28T02:48:01.550"/>
     <p1510:client id="{B0A645ED-900C-C548-20FF-3E18CB47768F}" v="91" dt="2019-09-28T01:00:44.013"/>
   </p1510:revLst>
 </p1510:revInfo>
@@ -546,7 +546,7 @@
           <a:p>
             <a:fld id="{846CE7D5-CF57-46EF-B807-FDD0502418D4}" type="datetimeFigureOut">
               <a:rPr lang="en-US" smtClean="0"/>
-              <a:t>10/3/2019</a:t>
+              <a:t>10/8/2019</a:t>
             </a:fld>
             <a:endParaRPr lang="en-US"/>
           </a:p>
@@ -716,7 +716,7 @@
           <a:p>
             <a:fld id="{846CE7D5-CF57-46EF-B807-FDD0502418D4}" type="datetimeFigureOut">
               <a:rPr lang="en-US" smtClean="0"/>
-              <a:t>10/3/2019</a:t>
+              <a:t>10/8/2019</a:t>
             </a:fld>
             <a:endParaRPr lang="en-US"/>
           </a:p>
@@ -896,7 +896,7 @@
           <a:p>
             <a:fld id="{846CE7D5-CF57-46EF-B807-FDD0502418D4}" type="datetimeFigureOut">
               <a:rPr lang="en-US" smtClean="0"/>
-              <a:t>10/3/2019</a:t>
+              <a:t>10/8/2019</a:t>
             </a:fld>
             <a:endParaRPr lang="en-US"/>
           </a:p>
@@ -1066,7 +1066,7 @@
           <a:p>
             <a:fld id="{846CE7D5-CF57-46EF-B807-FDD0502418D4}" type="datetimeFigureOut">
               <a:rPr lang="en-US" smtClean="0"/>
-              <a:t>10/3/2019</a:t>
+              <a:t>10/8/2019</a:t>
             </a:fld>
             <a:endParaRPr lang="en-US"/>
           </a:p>
@@ -1310,7 +1310,7 @@
           <a:p>
             <a:fld id="{846CE7D5-CF57-46EF-B807-FDD0502418D4}" type="datetimeFigureOut">
               <a:rPr lang="en-US" smtClean="0"/>
-              <a:t>10/3/2019</a:t>
+              <a:t>10/8/2019</a:t>
             </a:fld>
             <a:endParaRPr lang="en-US"/>
           </a:p>
@@ -1542,7 +1542,7 @@
           <a:p>
             <a:fld id="{846CE7D5-CF57-46EF-B807-FDD0502418D4}" type="datetimeFigureOut">
               <a:rPr lang="en-US" smtClean="0"/>
-              <a:t>10/3/2019</a:t>
+              <a:t>10/8/2019</a:t>
             </a:fld>
             <a:endParaRPr lang="en-US"/>
           </a:p>
@@ -1909,7 +1909,7 @@
           <a:p>
             <a:fld id="{846CE7D5-CF57-46EF-B807-FDD0502418D4}" type="datetimeFigureOut">
               <a:rPr lang="en-US" smtClean="0"/>
-              <a:t>10/3/2019</a:t>
+              <a:t>10/8/2019</a:t>
             </a:fld>
             <a:endParaRPr lang="en-US"/>
           </a:p>
@@ -2027,7 +2027,7 @@
           <a:p>
             <a:fld id="{846CE7D5-CF57-46EF-B807-FDD0502418D4}" type="datetimeFigureOut">
               <a:rPr lang="en-US" smtClean="0"/>
-              <a:t>10/3/2019</a:t>
+              <a:t>10/8/2019</a:t>
             </a:fld>
             <a:endParaRPr lang="en-US"/>
           </a:p>
@@ -2122,7 +2122,7 @@
           <a:p>
             <a:fld id="{846CE7D5-CF57-46EF-B807-FDD0502418D4}" type="datetimeFigureOut">
               <a:rPr lang="en-US" smtClean="0"/>
-              <a:t>10/3/2019</a:t>
+              <a:t>10/8/2019</a:t>
             </a:fld>
             <a:endParaRPr lang="en-US"/>
           </a:p>
@@ -2399,7 +2399,7 @@
           <a:p>
             <a:fld id="{846CE7D5-CF57-46EF-B807-FDD0502418D4}" type="datetimeFigureOut">
               <a:rPr lang="en-US" smtClean="0"/>
-              <a:t>10/3/2019</a:t>
+              <a:t>10/8/2019</a:t>
             </a:fld>
             <a:endParaRPr lang="en-US"/>
           </a:p>
@@ -2656,7 +2656,7 @@
           <a:p>
             <a:fld id="{846CE7D5-CF57-46EF-B807-FDD0502418D4}" type="datetimeFigureOut">
               <a:rPr lang="en-US" smtClean="0"/>
-              <a:t>10/3/2019</a:t>
+              <a:t>10/8/2019</a:t>
             </a:fld>
             <a:endParaRPr lang="en-US"/>
           </a:p>
@@ -2869,7 +2869,7 @@
           <a:p>
             <a:fld id="{846CE7D5-CF57-46EF-B807-FDD0502418D4}" type="datetimeFigureOut">
               <a:rPr lang="en-US" smtClean="0"/>
-              <a:t>10/3/2019</a:t>
+              <a:t>10/8/2019</a:t>
             </a:fld>
             <a:endParaRPr lang="en-US"/>
           </a:p>
@@ -3289,14 +3289,14 @@
           <p:nvPr>
             <p:extLst>
               <p:ext uri="{D42A27DB-BD31-4B8C-83A1-F6EECF244321}">
-                <p14:modId xmlns:p14="http://schemas.microsoft.com/office/powerpoint/2010/main" val="2924641499"/>
+                <p14:modId xmlns:p14="http://schemas.microsoft.com/office/powerpoint/2010/main" val="941608351"/>
               </p:ext>
             </p:extLst>
           </p:nvPr>
         </p:nvGraphicFramePr>
         <p:xfrm>
-          <a:off x="287822" y="7955265"/>
-          <a:ext cx="6339231" cy="1698225"/>
+          <a:off x="115451" y="7810528"/>
+          <a:ext cx="6619302" cy="2003532"/>
         </p:xfrm>
         <a:graphic>
           <a:graphicData uri="http://schemas.openxmlformats.org/drawingml/2006/table">
@@ -3305,28 +3305,28 @@
                 <a:tableStyleId>{5C22544A-7EE6-4342-B048-85BDC9FD1C3A}</a:tableStyleId>
               </a:tblPr>
               <a:tblGrid>
-                <a:gridCol w="1183472">
+                <a:gridCol w="1235758">
                   <a:extLst>
                     <a:ext uri="{9D8B030D-6E8A-4147-A177-3AD203B41FA5}">
                       <a16:colId xmlns:a16="http://schemas.microsoft.com/office/drawing/2014/main" val="4000343425"/>
                     </a:ext>
                   </a:extLst>
                 </a:gridCol>
-                <a:gridCol w="1811866">
+                <a:gridCol w="1891916">
                   <a:extLst>
                     <a:ext uri="{9D8B030D-6E8A-4147-A177-3AD203B41FA5}">
                       <a16:colId xmlns:a16="http://schemas.microsoft.com/office/drawing/2014/main" val="3219697129"/>
                     </a:ext>
                   </a:extLst>
                 </a:gridCol>
-                <a:gridCol w="1719982">
+                <a:gridCol w="1795972">
                   <a:extLst>
                     <a:ext uri="{9D8B030D-6E8A-4147-A177-3AD203B41FA5}">
                       <a16:colId xmlns:a16="http://schemas.microsoft.com/office/drawing/2014/main" val="1954095810"/>
                     </a:ext>
                   </a:extLst>
                 </a:gridCol>
-                <a:gridCol w="1623911">
+                <a:gridCol w="1695656">
                   <a:extLst>
                     <a:ext uri="{9D8B030D-6E8A-4147-A177-3AD203B41FA5}">
                       <a16:colId xmlns:a16="http://schemas.microsoft.com/office/drawing/2014/main" val="1938054758"/>
@@ -3334,7 +3334,7 @@
                   </a:extLst>
                 </a:gridCol>
               </a:tblGrid>
-              <a:tr h="249993">
+              <a:tr h="261625">
                 <a:tc>
                   <a:txBody>
                     <a:bodyPr/>
@@ -3347,7 +3347,7 @@
                         </a:rPr>
                         <a:t>​</a:t>
                       </a:r>
-                      <a:endParaRPr lang="en-US" sz="600" b="1">
+                      <a:endParaRPr lang="en-US" sz="600" b="1" dirty="0">
                         <a:solidFill>
                           <a:srgbClr val="FFFFFF"/>
                         </a:solidFill>
@@ -3447,7 +3447,7 @@
                   </a:ext>
                 </a:extLst>
               </a:tr>
-              <a:tr h="399088">
+              <a:tr h="580150">
                 <a:tc>
                   <a:txBody>
                     <a:bodyPr/>
@@ -3455,13 +3455,13 @@
                     <a:p>
                       <a:pPr fontAlgn="base"/>
                       <a:r>
-                        <a:rPr lang="en-US" sz="1000" b="1" dirty="0">
+                        <a:rPr lang="en-US" sz="1100" b="1" dirty="0">
                           <a:effectLst/>
                           <a:latin typeface="Garamond" panose="02020404030301010803" pitchFamily="18" charset="0"/>
                         </a:rPr>
                         <a:t>Bit-vector</a:t>
                       </a:r>
-                      <a:endParaRPr lang="en-US" sz="1000" b="1" dirty="0">
+                      <a:endParaRPr lang="en-US" sz="1100" b="1" dirty="0">
                         <a:latin typeface="Garamond" panose="02020404030301010803" pitchFamily="18" charset="0"/>
                       </a:endParaRPr>
                     </a:p>
@@ -3470,7 +3470,7 @@
                         <a:buNone/>
                       </a:pPr>
                       <a:r>
-                        <a:rPr lang="en-US" sz="1000" b="1" dirty="0">
+                        <a:rPr lang="en-US" sz="1100" b="1" dirty="0">
                           <a:effectLst/>
                           <a:latin typeface="Garamond" panose="02020404030301010803" pitchFamily="18" charset="0"/>
                         </a:rPr>
@@ -3487,7 +3487,7 @@
                     <a:p>
                       <a:pPr fontAlgn="base"/>
                       <a:r>
-                        <a:rPr lang="en-US" sz="1000" dirty="0">
+                        <a:rPr lang="en-US" sz="1100" dirty="0">
                           <a:effectLst/>
                           <a:latin typeface="Baskerville Old Face" panose="02020602080505020303" pitchFamily="18" charset="0"/>
                         </a:rPr>
@@ -3497,7 +3497,7 @@
                     <a:p>
                       <a:pPr fontAlgn="base"/>
                       <a:r>
-                        <a:rPr lang="en-US" sz="1000" dirty="0">
+                        <a:rPr lang="en-US" sz="1100" dirty="0">
                           <a:effectLst/>
                           <a:latin typeface="Baskerville Old Face" panose="02020602080505020303" pitchFamily="18" charset="0"/>
                         </a:rPr>
@@ -3514,7 +3514,7 @@
                     <a:p>
                       <a:pPr fontAlgn="base"/>
                       <a:r>
-                        <a:rPr lang="en-US" sz="1000" dirty="0">
+                        <a:rPr lang="en-US" sz="1100" dirty="0">
                           <a:effectLst/>
                           <a:latin typeface="Baskerville Old Face" panose="02020602080505020303" pitchFamily="18" charset="0"/>
                         </a:rPr>
@@ -3524,7 +3524,7 @@
                     <a:p>
                       <a:pPr fontAlgn="base"/>
                       <a:r>
-                        <a:rPr lang="en-US" sz="1000" dirty="0">
+                        <a:rPr lang="en-US" sz="1100" dirty="0">
                           <a:effectLst/>
                           <a:latin typeface="Baskerville Old Face" panose="02020602080505020303" pitchFamily="18" charset="0"/>
                         </a:rPr>
@@ -3541,7 +3541,7 @@
                     <a:p>
                       <a:pPr fontAlgn="base"/>
                       <a:r>
-                        <a:rPr lang="en-US" sz="1000" b="0" u="none" dirty="0">
+                        <a:rPr lang="en-US" sz="1100" b="0" u="none" dirty="0">
                           <a:solidFill>
                             <a:schemeClr val="bg1"/>
                           </a:solidFill>
@@ -3554,7 +3554,7 @@
                     <a:p>
                       <a:pPr fontAlgn="base"/>
                       <a:r>
-                        <a:rPr lang="en-US" sz="1000" b="0" u="none" dirty="0">
+                        <a:rPr lang="en-US" sz="1100" b="0" u="none" dirty="0">
                           <a:solidFill>
                             <a:schemeClr val="bg1"/>
                           </a:solidFill>
@@ -3577,7 +3577,7 @@
                   </a:ext>
                 </a:extLst>
               </a:tr>
-              <a:tr h="336672">
+              <a:tr h="352337">
                 <a:tc>
                   <a:txBody>
                     <a:bodyPr/>
@@ -3585,7 +3585,7 @@
                     <a:p>
                       <a:pPr fontAlgn="base"/>
                       <a:r>
-                        <a:rPr lang="en-US" sz="1000" b="1" dirty="0">
+                        <a:rPr lang="en-US" sz="1100" b="1" dirty="0">
                           <a:effectLst/>
                           <a:latin typeface="Garamond" panose="02020404030301010803" pitchFamily="18" charset="0"/>
                         </a:rPr>
@@ -3602,7 +3602,7 @@
                     <a:p>
                       <a:pPr fontAlgn="base"/>
                       <a:r>
-                        <a:rPr lang="en-US" sz="1000" dirty="0">
+                        <a:rPr lang="en-US" sz="1100" dirty="0">
                           <a:effectLst/>
                           <a:latin typeface="Baskerville Old Face" panose="02020602080505020303" pitchFamily="18" charset="0"/>
                         </a:rPr>
@@ -3619,7 +3619,7 @@
                     <a:p>
                       <a:pPr fontAlgn="base"/>
                       <a:r>
-                        <a:rPr lang="en-US" sz="1000" dirty="0">
+                        <a:rPr lang="en-US" sz="1100" dirty="0">
                           <a:effectLst/>
                           <a:latin typeface="Baskerville Old Face" panose="02020602080505020303" pitchFamily="18" charset="0"/>
                         </a:rPr>
@@ -3636,14 +3636,14 @@
                     <a:p>
                       <a:pPr fontAlgn="base"/>
                       <a:r>
-                        <a:rPr lang="en-US" sz="1000" b="0" u="none" dirty="0">
+                        <a:rPr lang="en-US" sz="1100" b="0" u="none" dirty="0">
                           <a:solidFill>
                             <a:schemeClr val="bg1"/>
                           </a:solidFill>
                           <a:effectLst/>
                           <a:latin typeface="Baskerville Old Face" panose="02020602080505020303" pitchFamily="18" charset="0"/>
                         </a:rPr>
-                        <a:t>Bit-vectors dependent over n​</a:t>
+                        <a:t>Bit-vectors dependent on n​</a:t>
                       </a:r>
                     </a:p>
                   </a:txBody>
@@ -3659,7 +3659,7 @@
                   </a:ext>
                 </a:extLst>
               </a:tr>
-              <a:tr h="347551">
+              <a:tr h="404710">
                 <a:tc>
                   <a:txBody>
                     <a:bodyPr/>
@@ -3667,7 +3667,7 @@
                     <a:p>
                       <a:pPr fontAlgn="base"/>
                       <a:r>
-                        <a:rPr lang="en-US" sz="1000" b="1" dirty="0">
+                        <a:rPr lang="en-US" sz="1100" b="1" dirty="0">
                           <a:effectLst/>
                           <a:latin typeface="Garamond" panose="02020404030301010803" pitchFamily="18" charset="0"/>
                         </a:rPr>
@@ -3684,7 +3684,7 @@
                     <a:p>
                       <a:pPr fontAlgn="base"/>
                       <a:r>
-                        <a:rPr lang="en-US" sz="1000" dirty="0">
+                        <a:rPr lang="en-US" sz="1100" dirty="0">
                           <a:effectLst/>
                           <a:latin typeface="Baskerville Old Face" panose="02020602080505020303" pitchFamily="18" charset="0"/>
                         </a:rPr>
@@ -3701,7 +3701,7 @@
                     <a:p>
                       <a:pPr fontAlgn="base"/>
                       <a:r>
-                        <a:rPr lang="en-US" sz="1000" dirty="0">
+                        <a:rPr lang="en-US" sz="1100" dirty="0">
                           <a:effectLst/>
                           <a:latin typeface="Baskerville Old Face" panose="02020602080505020303" pitchFamily="18" charset="0"/>
                         </a:rPr>
@@ -3718,7 +3718,7 @@
                     <a:p>
                       <a:pPr fontAlgn="base"/>
                       <a:r>
-                        <a:rPr lang="en-US" sz="1000" b="0" u="none" dirty="0">
+                        <a:rPr lang="en-US" sz="1100" b="0" u="none" dirty="0">
                           <a:solidFill>
                             <a:schemeClr val="bg1"/>
                           </a:solidFill>
@@ -3731,7 +3731,7 @@
                     <a:p>
                       <a:pPr fontAlgn="base"/>
                       <a:r>
-                        <a:rPr lang="en-US" sz="1000" b="0" u="none" dirty="0">
+                        <a:rPr lang="en-US" sz="1100" b="0" u="none" dirty="0">
                           <a:solidFill>
                             <a:schemeClr val="bg1"/>
                           </a:solidFill>
@@ -3754,7 +3754,7 @@
                   </a:ext>
                 </a:extLst>
               </a:tr>
-              <a:tr h="347551">
+              <a:tr h="404710">
                 <a:tc>
                   <a:txBody>
                     <a:bodyPr/>
@@ -3762,7 +3762,7 @@
                     <a:p>
                       <a:pPr fontAlgn="base"/>
                       <a:r>
-                        <a:rPr lang="en-US" sz="1000" b="1" dirty="0">
+                        <a:rPr lang="en-US" sz="1100" b="1" dirty="0">
                           <a:effectLst/>
                           <a:latin typeface="Garamond" panose="02020404030301010803" pitchFamily="18" charset="0"/>
                         </a:rPr>
@@ -3779,7 +3779,7 @@
                     <a:p>
                       <a:pPr fontAlgn="base"/>
                       <a:r>
-                        <a:rPr lang="en-US" sz="1000" dirty="0">
+                        <a:rPr lang="en-US" sz="1100" dirty="0">
                           <a:effectLst/>
                           <a:latin typeface="Baskerville Old Face" panose="02020602080505020303" pitchFamily="18" charset="0"/>
                         </a:rPr>
@@ -3789,7 +3789,7 @@
                     <a:p>
                       <a:pPr fontAlgn="base"/>
                       <a:r>
-                        <a:rPr lang="en-US" sz="1000" dirty="0">
+                        <a:rPr lang="en-US" sz="1100" dirty="0">
                           <a:effectLst/>
                           <a:latin typeface="Baskerville Old Face" panose="02020602080505020303" pitchFamily="18" charset="0"/>
                         </a:rPr>
@@ -3806,7 +3806,7 @@
                     <a:p>
                       <a:pPr fontAlgn="base"/>
                       <a:r>
-                        <a:rPr lang="en-US" sz="1000" dirty="0">
+                        <a:rPr lang="en-US" sz="1100" dirty="0">
                           <a:effectLst/>
                           <a:latin typeface="Baskerville Old Face" panose="02020602080505020303" pitchFamily="18" charset="0"/>
                         </a:rPr>
@@ -3816,7 +3816,7 @@
                     <a:p>
                       <a:pPr fontAlgn="base"/>
                       <a:r>
-                        <a:rPr lang="en-US" sz="1000" dirty="0">
+                        <a:rPr lang="en-US" sz="1100" dirty="0">
                           <a:effectLst/>
                           <a:latin typeface="Baskerville Old Face" panose="02020602080505020303" pitchFamily="18" charset="0"/>
                         </a:rPr>
@@ -3833,7 +3833,7 @@
                     <a:p>
                       <a:pPr fontAlgn="base"/>
                       <a:r>
-                        <a:rPr lang="en-US" sz="1000" b="0" u="none" dirty="0">
+                        <a:rPr lang="en-US" sz="1100" b="0" u="none" dirty="0">
                           <a:solidFill>
                             <a:schemeClr val="bg1"/>
                           </a:solidFill>
@@ -3846,7 +3846,7 @@
                     <a:p>
                       <a:pPr fontAlgn="base"/>
                       <a:r>
-                        <a:rPr lang="en-US" sz="1000" b="0" u="none" dirty="0">
+                        <a:rPr lang="en-US" sz="1100" b="0" u="none" dirty="0">
                           <a:solidFill>
                             <a:schemeClr val="bg1"/>
                           </a:solidFill>
@@ -4074,25 +4074,11 @@
               </a:spcBef>
             </a:pPr>
             <a:r>
-              <a:rPr lang="en-US" sz="1200" dirty="0">
+              <a:rPr lang="en-US" sz="1300" dirty="0">
                 <a:latin typeface="Baskerville Old Face" panose="02020602080505020303" pitchFamily="18" charset="0"/>
                 <a:cs typeface="Calibri"/>
               </a:rPr>
-              <a:t>The </a:t>
-            </a:r>
-            <a:r>
-              <a:rPr lang="en-US" sz="1200">
-                <a:latin typeface="Baskerville Old Face" panose="02020602080505020303" pitchFamily="18" charset="0"/>
-                <a:cs typeface="Calibri"/>
-              </a:rPr>
-              <a:t>CVC4 SMT-solver uses </a:t>
-            </a:r>
-            <a:r>
-              <a:rPr lang="en-US" sz="1200" dirty="0">
-                <a:latin typeface="Baskerville Old Face" panose="02020602080505020303" pitchFamily="18" charset="0"/>
-                <a:cs typeface="Calibri"/>
-              </a:rPr>
-              <a:t>invertibility equivalences in a quantifier-instantiation technique that deals with solving quantified bit-vector formulas.</a:t>
+              <a:t>The CVC4 SMT-solver uses invertibility equivalences to solve quantified bit-vector formulas</a:t>
             </a:r>
           </a:p>
           <a:p>
@@ -4105,11 +4091,11 @@
               </a:spcBef>
             </a:pPr>
             <a:r>
-              <a:rPr lang="en-US" sz="1200" dirty="0">
+              <a:rPr lang="en-US" sz="1300" dirty="0">
                 <a:latin typeface="Baskerville Old Face" panose="02020602080505020303" pitchFamily="18" charset="0"/>
                 <a:cs typeface="Calibri"/>
               </a:rPr>
-              <a:t>Proofs of these equivalences for arbitrary bit-widths certify the solver’s results on quantified bit-vector formulas.</a:t>
+              <a:t>Proofs of these equivalences for arbitrary bit-widths certify the solver’s results</a:t>
             </a:r>
           </a:p>
         </p:txBody>
@@ -4313,7 +4299,7 @@
               <a:buNone/>
             </a:pPr>
             <a:r>
-              <a:rPr lang="en-US" sz="1200" b="1" dirty="0">
+              <a:rPr lang="en-US" sz="1400" b="1" dirty="0">
                 <a:latin typeface="Garamond" panose="02020404030301010803" pitchFamily="18" charset="0"/>
                 <a:cs typeface="Helvetica" panose="020B0604020202020204" pitchFamily="34" charset="0"/>
               </a:rPr>
@@ -4331,7 +4317,12 @@
               <a:buNone/>
             </a:pPr>
             <a:r>
-              <a:rPr lang="en-US" sz="1200" u="sng" dirty="0">
+              <a:rPr lang="en-US" sz="1300" b="1" dirty="0">
+                <a:solidFill>
+                  <a:schemeClr val="accent1">
+                    <a:lumMod val="50000"/>
+                  </a:schemeClr>
+                </a:solidFill>
                 <a:latin typeface="Garamond" panose="02020404030301010803" pitchFamily="18" charset="0"/>
                 <a:cs typeface="Calibri" panose="020F0502020204030204"/>
               </a:rPr>
@@ -4349,24 +4340,24 @@
               <a:buNone/>
             </a:pPr>
             <a:r>
-              <a:rPr lang="en-US" sz="1200" dirty="0">
+              <a:rPr lang="en-US" sz="1300" dirty="0">
                 <a:latin typeface="Baskerville Old Face" panose="02020602080505020303" pitchFamily="18" charset="0"/>
               </a:rPr>
               <a:t>[</a:t>
             </a:r>
             <a:r>
-              <a:rPr lang="en-US" sz="1200" dirty="0" err="1">
+              <a:rPr lang="en-US" sz="1300" dirty="0" err="1">
                 <a:latin typeface="Baskerville Old Face" panose="02020602080505020303" pitchFamily="18" charset="0"/>
               </a:rPr>
               <a:t>Niemetz</a:t>
             </a:r>
             <a:r>
-              <a:rPr lang="en-US" sz="1200" dirty="0">
+              <a:rPr lang="en-US" sz="1300" dirty="0">
                 <a:latin typeface="Baskerville Old Face" panose="02020602080505020303" pitchFamily="18" charset="0"/>
               </a:rPr>
               <a:t> et al., CAV 2018] </a:t>
             </a:r>
-            <a:endParaRPr lang="en-US" sz="1200" dirty="0">
+            <a:endParaRPr lang="en-US" sz="1300" dirty="0">
               <a:latin typeface="Baskerville Old Face" panose="02020602080505020303" pitchFamily="18" charset="0"/>
               <a:cs typeface="Calibri" panose="020F0502020204030204"/>
             </a:endParaRPr>
@@ -4381,12 +4372,12 @@
               </a:spcBef>
             </a:pPr>
             <a:r>
-              <a:rPr lang="en-US" sz="1200" dirty="0">
+              <a:rPr lang="en-US" sz="1300" dirty="0">
                 <a:latin typeface="Baskerville Old Face" panose="02020602080505020303" pitchFamily="18" charset="0"/>
               </a:rPr>
               <a:t>generated 162 invertibility equivalences</a:t>
             </a:r>
-            <a:endParaRPr lang="en-US" sz="1200" dirty="0">
+            <a:endParaRPr lang="en-US" sz="1300" dirty="0">
               <a:latin typeface="Baskerville Old Face" panose="02020602080505020303" pitchFamily="18" charset="0"/>
               <a:cs typeface="Calibri"/>
             </a:endParaRPr>
@@ -4401,12 +4392,12 @@
               </a:spcBef>
             </a:pPr>
             <a:r>
-              <a:rPr lang="en-US" sz="1200" dirty="0">
+              <a:rPr lang="en-US" sz="1300" dirty="0">
                 <a:latin typeface="Baskerville Old Face" panose="02020602080505020303" pitchFamily="18" charset="0"/>
               </a:rPr>
               <a:t>proved them using SMT-solvers for bit-widths up to 65</a:t>
             </a:r>
-            <a:endParaRPr lang="en-US" sz="1200" dirty="0">
+            <a:endParaRPr lang="en-US" sz="1300" dirty="0">
               <a:latin typeface="Baskerville Old Face" panose="02020602080505020303" pitchFamily="18" charset="0"/>
               <a:cs typeface="Calibri"/>
             </a:endParaRPr>
@@ -4422,24 +4413,24 @@
               <a:buNone/>
             </a:pPr>
             <a:r>
-              <a:rPr lang="en-US" sz="1200" dirty="0">
+              <a:rPr lang="en-US" sz="1300" dirty="0">
                 <a:latin typeface="Baskerville Old Face" panose="02020602080505020303" pitchFamily="18" charset="0"/>
               </a:rPr>
               <a:t>[</a:t>
             </a:r>
             <a:r>
-              <a:rPr lang="en-US" sz="1200" dirty="0" err="1">
+              <a:rPr lang="en-US" sz="1300" dirty="0" err="1">
                 <a:latin typeface="Baskerville Old Face" panose="02020602080505020303" pitchFamily="18" charset="0"/>
               </a:rPr>
               <a:t>Niemetz</a:t>
             </a:r>
             <a:r>
-              <a:rPr lang="en-US" sz="1200" dirty="0">
+              <a:rPr lang="en-US" sz="1300" dirty="0">
                 <a:latin typeface="Baskerville Old Face" panose="02020602080505020303" pitchFamily="18" charset="0"/>
               </a:rPr>
               <a:t> et al., CADE 2019] </a:t>
             </a:r>
-            <a:endParaRPr lang="en-US" sz="1200" dirty="0">
+            <a:endParaRPr lang="en-US" sz="1300" dirty="0">
               <a:latin typeface="Baskerville Old Face" panose="02020602080505020303" pitchFamily="18" charset="0"/>
               <a:cs typeface="Calibri" panose="020F0502020204030204"/>
             </a:endParaRPr>
@@ -4454,12 +4445,12 @@
               </a:spcBef>
             </a:pPr>
             <a:r>
-              <a:rPr lang="en-US" sz="1200" dirty="0">
+              <a:rPr lang="en-US" sz="1300" dirty="0">
                 <a:latin typeface="Baskerville Old Face" panose="02020602080505020303" pitchFamily="18" charset="0"/>
               </a:rPr>
               <a:t>encoded the equivalences in theories supported by SMT-solvers </a:t>
             </a:r>
-            <a:endParaRPr lang="en-US" sz="1200" dirty="0">
+            <a:endParaRPr lang="en-US" sz="1300" dirty="0">
               <a:latin typeface="Baskerville Old Face" panose="02020602080505020303" pitchFamily="18" charset="0"/>
               <a:cs typeface="Calibri"/>
             </a:endParaRPr>
@@ -4474,12 +4465,12 @@
               </a:spcBef>
             </a:pPr>
             <a:r>
-              <a:rPr lang="en-US" sz="1200" dirty="0">
+              <a:rPr lang="en-US" sz="1300" dirty="0">
                 <a:latin typeface="Baskerville Old Face" panose="02020602080505020303" pitchFamily="18" charset="0"/>
               </a:rPr>
-              <a:t>verified equivalences for parametric bit-widths</a:t>
-            </a:r>
-            <a:endParaRPr lang="en-US" sz="1200" dirty="0">
+              <a:t>verified equivalences for parametric widths</a:t>
+            </a:r>
+            <a:endParaRPr lang="en-US" sz="1300" dirty="0">
               <a:latin typeface="Baskerville Old Face" panose="02020602080505020303" pitchFamily="18" charset="0"/>
               <a:cs typeface="Calibri"/>
             </a:endParaRPr>
@@ -4494,11 +4485,27 @@
               </a:spcBef>
             </a:pPr>
             <a:r>
-              <a:rPr lang="en-US" sz="1200" dirty="0">
+              <a:rPr lang="en-US" sz="1300" dirty="0">
                 <a:latin typeface="Baskerville Old Face" panose="02020602080505020303" pitchFamily="18" charset="0"/>
               </a:rPr>
-              <a:t>approach succeeded on under 75% of the equivalences</a:t>
-            </a:r>
+              <a:t>succeeded on </a:t>
+            </a:r>
+            <a:r>
+              <a:rPr lang="en-US" sz="1400" dirty="0">
+                <a:latin typeface="Baskerville Old Face" panose="02020602080505020303" pitchFamily="18" charset="0"/>
+              </a:rPr>
+              <a:t>≈</a:t>
+            </a:r>
+            <a:r>
+              <a:rPr lang="en-US" sz="1300" dirty="0">
+                <a:latin typeface="Baskerville Old Face" panose="02020602080505020303" pitchFamily="18" charset="0"/>
+              </a:rPr>
+              <a:t>75% of the equivalences</a:t>
+            </a:r>
+            <a:endParaRPr lang="en-US" sz="1300" dirty="0">
+              <a:latin typeface="Gill Sans MT" panose="020B0502020104020203" pitchFamily="34" charset="0"/>
+              <a:cs typeface="Calibri"/>
+            </a:endParaRPr>
           </a:p>
           <a:p>
             <a:pPr marL="0" indent="0">
@@ -4510,45 +4517,42 @@
               </a:spcBef>
               <a:buNone/>
             </a:pPr>
-            <a:endParaRPr lang="en-US" sz="1200" dirty="0">
-              <a:latin typeface="Gill Sans MT" panose="020B0502020104020203" pitchFamily="34" charset="0"/>
-              <a:cs typeface="Calibri"/>
-            </a:endParaRPr>
-          </a:p>
-          <a:p>
-            <a:pPr marL="0" indent="0">
-              <a:lnSpc>
-                <a:spcPct val="100000"/>
-              </a:lnSpc>
-              <a:spcBef>
-                <a:spcPts val="400"/>
-              </a:spcBef>
-              <a:buNone/>
-            </a:pPr>
-            <a:r>
-              <a:rPr lang="en-US" sz="1200" u="sng" dirty="0">
+            <a:r>
+              <a:rPr lang="en-US" sz="1300" b="1" dirty="0">
+                <a:solidFill>
+                  <a:schemeClr val="accent1">
+                    <a:lumMod val="50000"/>
+                  </a:schemeClr>
+                </a:solidFill>
                 <a:latin typeface="Garamond" panose="02020404030301010803" pitchFamily="18" charset="0"/>
                 <a:cs typeface="Calibri"/>
               </a:rPr>
               <a:t>This work</a:t>
             </a:r>
-            <a:endParaRPr lang="en-US" sz="1200" u="sng" dirty="0">
+            <a:endParaRPr lang="en-US" sz="1300" b="1" dirty="0">
+              <a:solidFill>
+                <a:schemeClr val="accent1">
+                  <a:lumMod val="50000"/>
+                </a:schemeClr>
+              </a:solidFill>
               <a:latin typeface="Garamond" panose="02020404030301010803" pitchFamily="18" charset="0"/>
               <a:ea typeface="+mn-lt"/>
               <a:cs typeface="+mn-lt"/>
             </a:endParaRPr>
           </a:p>
           <a:p>
-            <a:pPr marL="160734" indent="-160734">
+            <a:pPr>
               <a:lnSpc>
                 <a:spcPct val="100000"/>
               </a:lnSpc>
               <a:spcBef>
                 <a:spcPts val="400"/>
               </a:spcBef>
+              <a:buFont typeface="+mj-lt"/>
+              <a:buAutoNum type="arabicPeriod"/>
             </a:pPr>
             <a:r>
-              <a:rPr lang="en-US" sz="1200" dirty="0">
+              <a:rPr lang="en-US" sz="1300" dirty="0">
                 <a:latin typeface="Baskerville Old Face" panose="02020602080505020303" pitchFamily="18" charset="0"/>
                 <a:ea typeface="+mn-lt"/>
                 <a:cs typeface="+mn-lt"/>
@@ -4557,16 +4561,18 @@
             </a:r>
           </a:p>
           <a:p>
-            <a:pPr marL="160734" indent="-160734">
+            <a:pPr>
               <a:lnSpc>
                 <a:spcPct val="100000"/>
               </a:lnSpc>
               <a:spcBef>
                 <a:spcPts val="400"/>
               </a:spcBef>
+              <a:buFont typeface="+mj-lt"/>
+              <a:buAutoNum type="arabicPeriod"/>
             </a:pPr>
             <a:r>
-              <a:rPr lang="en-US" sz="1200" dirty="0">
+              <a:rPr lang="en-US" sz="1300" dirty="0">
                 <a:latin typeface="Baskerville Old Face" panose="02020602080505020303" pitchFamily="18" charset="0"/>
                 <a:ea typeface="+mn-lt"/>
                 <a:cs typeface="+mn-lt"/>
@@ -4575,23 +4581,25 @@
             </a:r>
           </a:p>
           <a:p>
-            <a:pPr marL="160734" indent="-160734">
+            <a:pPr>
               <a:lnSpc>
                 <a:spcPct val="100000"/>
               </a:lnSpc>
               <a:spcBef>
                 <a:spcPts val="400"/>
               </a:spcBef>
+              <a:buFont typeface="+mj-lt"/>
+              <a:buAutoNum type="arabicPeriod"/>
             </a:pPr>
             <a:r>
-              <a:rPr lang="en-US" sz="1200" dirty="0">
+              <a:rPr lang="en-US" sz="1300" dirty="0">
                 <a:latin typeface="Baskerville Old Face" panose="02020602080505020303" pitchFamily="18" charset="0"/>
                 <a:ea typeface="+mn-lt"/>
                 <a:cs typeface="+mn-lt"/>
               </a:rPr>
               <a:t>proved 18 of them for arbitrary bit-width</a:t>
             </a:r>
-            <a:endParaRPr lang="en-US" sz="1200" dirty="0">
+            <a:endParaRPr lang="en-US" sz="1300" dirty="0">
               <a:latin typeface="Baskerville Old Face" panose="02020602080505020303" pitchFamily="18" charset="0"/>
               <a:cs typeface="Calibri"/>
             </a:endParaRPr>
@@ -4603,7 +4611,7 @@
               </a:lnSpc>
               <a:buNone/>
             </a:pPr>
-            <a:endParaRPr lang="en-US" sz="1200" dirty="0">
+            <a:endParaRPr lang="en-US" sz="1300" dirty="0">
               <a:latin typeface="Gill Sans MT" panose="020B0502020104020203" pitchFamily="34" charset="0"/>
               <a:cs typeface="Calibri"/>
             </a:endParaRPr>
@@ -4626,8 +4634,8 @@
         </p:nvSpPr>
         <p:spPr>
           <a:xfrm>
-            <a:off x="1422724" y="4428782"/>
-            <a:ext cx="621150" cy="187448"/>
+            <a:off x="1384620" y="4428782"/>
+            <a:ext cx="681500" cy="187448"/>
           </a:xfrm>
           <a:prstGeom prst="rect">
             <a:avLst/>
@@ -4658,7 +4666,7 @@
           </a:lstStyle>
           <a:p>
             <a:r>
-              <a:rPr lang="en-US" sz="1200" b="1" dirty="0">
+              <a:rPr lang="en-US" sz="1400" b="1" dirty="0">
                 <a:latin typeface="Garamond" panose="02020404030301010803" pitchFamily="18" charset="0"/>
                 <a:cs typeface="Calibri Light"/>
               </a:rPr>
@@ -4683,7 +4691,7 @@
         </p:nvSpPr>
         <p:spPr>
           <a:xfrm>
-            <a:off x="2479117" y="7663363"/>
+            <a:off x="2479117" y="7544094"/>
             <a:ext cx="2498894" cy="322568"/>
           </a:xfrm>
           <a:prstGeom prst="rect">
@@ -4715,14 +4723,14 @@
           </a:lstStyle>
           <a:p>
             <a:r>
-              <a:rPr lang="en-US" sz="1200" b="1" dirty="0" err="1">
+              <a:rPr lang="en-US" sz="1400" b="1" dirty="0" err="1">
                 <a:latin typeface="Garamond" panose="02020404030301010803" pitchFamily="18" charset="0"/>
                 <a:cs typeface="Calibri Light"/>
               </a:rPr>
               <a:t>Bitvector</a:t>
             </a:r>
             <a:r>
-              <a:rPr lang="en-US" sz="1200" b="1" dirty="0">
+              <a:rPr lang="en-US" sz="1400" b="1" dirty="0">
                 <a:latin typeface="Garamond" panose="02020404030301010803" pitchFamily="18" charset="0"/>
                 <a:cs typeface="Calibri Light"/>
               </a:rPr>
@@ -4733,10 +4741,10 @@
       </p:sp>
       <p:pic>
         <p:nvPicPr>
-          <p:cNvPr id="46" name="Picture 45">
+          <p:cNvPr id="8" name="Picture 7">
             <a:extLst>
               <a:ext uri="{FF2B5EF4-FFF2-40B4-BE49-F238E27FC236}">
-                <a16:creationId xmlns:a16="http://schemas.microsoft.com/office/drawing/2014/main" id="{F8D2020A-1916-4685-BCFC-CA052D82B97F}"/>
+                <a16:creationId xmlns:a16="http://schemas.microsoft.com/office/drawing/2014/main" id="{C431FB15-9104-4DF2-9C48-573A37F19B5E}"/>
               </a:ext>
             </a:extLst>
           </p:cNvPr>
@@ -4750,7 +4758,7 @@
           </p:nvPr>
         </p:nvPicPr>
         <p:blipFill>
-          <a:blip r:embed="rId16" cstate="print">
+          <a:blip r:embed="rId17" cstate="print">
             <a:extLst>
               <a:ext uri="{28A0092B-C50C-407E-A947-70E740481C1C}">
                 <a14:useLocalDpi xmlns:a14="http://schemas.microsoft.com/office/drawing/2010/main" val="0"/>
@@ -4763,8 +4771,8 @@
         </p:blipFill>
         <p:spPr>
           <a:xfrm>
-            <a:off x="164594" y="1175745"/>
-            <a:ext cx="3104158" cy="672812"/>
+            <a:off x="132573" y="1400664"/>
+            <a:ext cx="3203050" cy="481271"/>
           </a:xfrm>
           <a:prstGeom prst="rect">
             <a:avLst/>
@@ -4974,7 +4982,7 @@
           <p:nvPr/>
         </p:nvPicPr>
         <p:blipFill>
-          <a:blip r:embed="rId17" cstate="print">
+          <a:blip r:embed="rId18" cstate="print">
             <a:extLst>
               <a:ext uri="{28A0092B-C50C-407E-A947-70E740481C1C}">
                 <a14:useLocalDpi xmlns:a14="http://schemas.microsoft.com/office/drawing/2010/main" val="0"/>
@@ -5194,7 +5202,7 @@
               <a:buNone/>
             </a:pPr>
             <a:r>
-              <a:rPr lang="en-US" sz="1200" b="1" dirty="0">
+              <a:rPr lang="en-US" sz="1400" b="1" dirty="0">
                 <a:latin typeface="Garamond" panose="02020404030301010803" pitchFamily="18" charset="0"/>
                 <a:cs typeface="Helvetica" panose="020B0604020202020204" pitchFamily="34" charset="0"/>
               </a:rPr>
@@ -5202,13 +5210,14 @@
             </a:r>
           </a:p>
           <a:p>
-            <a:pPr>
+            <a:pPr marL="0" indent="0">
               <a:lnSpc>
                 <a:spcPct val="60000"/>
               </a:lnSpc>
+              <a:buNone/>
             </a:pPr>
             <a:r>
-              <a:rPr lang="en-US" sz="1200" b="1" dirty="0">
+              <a:rPr lang="en-US" sz="1300" b="1" dirty="0">
                 <a:latin typeface="Garamond" panose="02020404030301010803" pitchFamily="18" charset="0"/>
                 <a:cs typeface="Helvetica" panose="020B0604020202020204" pitchFamily="34" charset="0"/>
               </a:rPr>
@@ -5216,13 +5225,14 @@
             </a:r>
           </a:p>
           <a:p>
-            <a:pPr>
+            <a:pPr marL="0" indent="0">
               <a:lnSpc>
                 <a:spcPct val="60000"/>
               </a:lnSpc>
+              <a:buNone/>
             </a:pPr>
             <a:r>
-              <a:rPr lang="en-US" sz="1200" b="1" dirty="0">
+              <a:rPr lang="en-US" sz="1300" b="1" dirty="0">
                 <a:latin typeface="Garamond" panose="02020404030301010803" pitchFamily="18" charset="0"/>
                 <a:cs typeface="Helvetica" panose="020B0604020202020204" pitchFamily="34" charset="0"/>
               </a:rPr>
@@ -5230,13 +5240,14 @@
             </a:r>
           </a:p>
           <a:p>
-            <a:pPr>
+            <a:pPr marL="0" indent="0">
               <a:lnSpc>
                 <a:spcPct val="60000"/>
               </a:lnSpc>
+              <a:buNone/>
             </a:pPr>
             <a:r>
-              <a:rPr lang="en-US" sz="1200" b="1" dirty="0">
+              <a:rPr lang="en-US" sz="1300" b="1" dirty="0">
                 <a:latin typeface="Garamond" panose="02020404030301010803" pitchFamily="18" charset="0"/>
                 <a:cs typeface="Helvetica" panose="020B0604020202020204" pitchFamily="34" charset="0"/>
               </a:rPr>
@@ -5264,7 +5275,7 @@
           </p:nvPr>
         </p:nvPicPr>
         <p:blipFill>
-          <a:blip r:embed="rId18" cstate="print">
+          <a:blip r:embed="rId19" cstate="print">
             <a:extLst>
               <a:ext uri="{28A0092B-C50C-407E-A947-70E740481C1C}">
                 <a14:useLocalDpi xmlns:a14="http://schemas.microsoft.com/office/drawing/2010/main" val="0"/>
@@ -5304,7 +5315,7 @@
           </p:nvPr>
         </p:nvPicPr>
         <p:blipFill>
-          <a:blip r:embed="rId19" cstate="print">
+          <a:blip r:embed="rId20" cstate="print">
             <a:extLst>
               <a:ext uri="{28A0092B-C50C-407E-A947-70E740481C1C}">
                 <a14:useLocalDpi xmlns:a14="http://schemas.microsoft.com/office/drawing/2010/main" val="0"/>
@@ -5344,7 +5355,7 @@
           </p:nvPr>
         </p:nvPicPr>
         <p:blipFill>
-          <a:blip r:embed="rId20" cstate="print">
+          <a:blip r:embed="rId21" cstate="print">
             <a:extLst>
               <a:ext uri="{28A0092B-C50C-407E-A947-70E740481C1C}">
                 <a14:useLocalDpi xmlns:a14="http://schemas.microsoft.com/office/drawing/2010/main" val="0"/>
@@ -5384,7 +5395,7 @@
           </p:nvPr>
         </p:nvPicPr>
         <p:blipFill>
-          <a:blip r:embed="rId21" cstate="print">
+          <a:blip r:embed="rId22" cstate="print">
             <a:extLst>
               <a:ext uri="{28A0092B-C50C-407E-A947-70E740481C1C}">
                 <a14:useLocalDpi xmlns:a14="http://schemas.microsoft.com/office/drawing/2010/main" val="0"/>
@@ -5424,7 +5435,7 @@
           </p:nvPr>
         </p:nvPicPr>
         <p:blipFill>
-          <a:blip r:embed="rId22" cstate="print">
+          <a:blip r:embed="rId23" cstate="print">
             <a:extLst>
               <a:ext uri="{28A0092B-C50C-407E-A947-70E740481C1C}">
                 <a14:useLocalDpi xmlns:a14="http://schemas.microsoft.com/office/drawing/2010/main" val="0"/>
@@ -5461,7 +5472,7 @@
         </p:nvSpPr>
         <p:spPr>
           <a:xfrm>
-            <a:off x="3144176" y="5450289"/>
+            <a:off x="3144176" y="5315117"/>
             <a:ext cx="3161803" cy="2096597"/>
           </a:xfrm>
           <a:prstGeom prst="rect">
@@ -5644,7 +5655,7 @@
               <a:buNone/>
             </a:pPr>
             <a:r>
-              <a:rPr lang="en-US" sz="1200" b="1" dirty="0">
+              <a:rPr lang="en-US" sz="1400" b="1" dirty="0">
                 <a:latin typeface="Garamond" panose="02020404030301010803" pitchFamily="18" charset="0"/>
                 <a:cs typeface="Helvetica" panose="020B0604020202020204" pitchFamily="34" charset="0"/>
               </a:rPr>
@@ -5659,7 +5670,12 @@
               <a:buNone/>
             </a:pPr>
             <a:r>
-              <a:rPr lang="en-US" sz="1200" u="sng" dirty="0">
+              <a:rPr lang="en-US" sz="1300" b="1" dirty="0">
+                <a:solidFill>
+                  <a:schemeClr val="accent1">
+                    <a:lumMod val="50000"/>
+                  </a:schemeClr>
+                </a:solidFill>
                 <a:latin typeface="Garamond" panose="02020404030301010803" pitchFamily="18" charset="0"/>
                 <a:cs typeface="Helvetica" panose="020B0604020202020204" pitchFamily="34" charset="0"/>
               </a:rPr>
@@ -5667,45 +5683,48 @@
             </a:r>
           </a:p>
           <a:p>
-            <a:pPr>
+            <a:pPr marL="0" indent="0">
               <a:lnSpc>
                 <a:spcPct val="60000"/>
               </a:lnSpc>
+              <a:buNone/>
             </a:pPr>
             <a:r>
-              <a:rPr lang="en-US" sz="1200" dirty="0">
+              <a:rPr lang="en-US" sz="1300" dirty="0">
                 <a:latin typeface="Baskerville Old Face" panose="02020602080505020303" pitchFamily="18" charset="0"/>
                 <a:cs typeface="Helvetica" panose="020B0604020202020204" pitchFamily="34" charset="0"/>
               </a:rPr>
-              <a:t>Arithmetic:</a:t>
-            </a:r>
-          </a:p>
-          <a:p>
-            <a:pPr>
+              <a:t>   Arithmetic:</a:t>
+            </a:r>
+          </a:p>
+          <a:p>
+            <a:pPr marL="0" indent="0">
               <a:lnSpc>
                 <a:spcPct val="60000"/>
               </a:lnSpc>
+              <a:buNone/>
             </a:pPr>
             <a:r>
-              <a:rPr lang="en-US" sz="1200" dirty="0">
+              <a:rPr lang="en-US" sz="1300" dirty="0">
                 <a:latin typeface="Baskerville Old Face" panose="02020602080505020303" pitchFamily="18" charset="0"/>
                 <a:cs typeface="Helvetica" panose="020B0604020202020204" pitchFamily="34" charset="0"/>
               </a:rPr>
-              <a:t>Bit-wise logical:</a:t>
-            </a:r>
-          </a:p>
-          <a:p>
-            <a:pPr>
+              <a:t>   Bit-wise logical:</a:t>
+            </a:r>
+          </a:p>
+          <a:p>
+            <a:pPr marL="0" indent="0">
               <a:lnSpc>
                 <a:spcPct val="60000"/>
               </a:lnSpc>
+              <a:buNone/>
             </a:pPr>
             <a:r>
-              <a:rPr lang="en-US" sz="1200" dirty="0">
+              <a:rPr lang="en-US" sz="1300" dirty="0">
                 <a:latin typeface="Baskerville Old Face" panose="02020602080505020303" pitchFamily="18" charset="0"/>
                 <a:cs typeface="Helvetica" panose="020B0604020202020204" pitchFamily="34" charset="0"/>
               </a:rPr>
-              <a:t>Comparison:</a:t>
+              <a:t>   Comparison:</a:t>
             </a:r>
           </a:p>
           <a:p>
@@ -5716,7 +5735,12 @@
               <a:buNone/>
             </a:pPr>
             <a:r>
-              <a:rPr lang="en-US" sz="1200" u="sng" dirty="0">
+              <a:rPr lang="en-US" sz="1300" b="1" dirty="0">
+                <a:solidFill>
+                  <a:schemeClr val="accent1">
+                    <a:lumMod val="50000"/>
+                  </a:schemeClr>
+                </a:solidFill>
                 <a:latin typeface="Garamond" panose="02020404030301010803" pitchFamily="18" charset="0"/>
                 <a:cs typeface="Helvetica" panose="020B0604020202020204" pitchFamily="34" charset="0"/>
               </a:rPr>
@@ -5724,45 +5748,48 @@
             </a:r>
           </a:p>
           <a:p>
-            <a:pPr>
+            <a:pPr marL="0" indent="0">
               <a:lnSpc>
                 <a:spcPct val="60000"/>
               </a:lnSpc>
+              <a:buNone/>
             </a:pPr>
             <a:r>
-              <a:rPr lang="en-US" sz="1200" dirty="0">
+              <a:rPr lang="en-US" sz="1300" dirty="0">
                 <a:latin typeface="Baskerville Old Face" panose="02020602080505020303" pitchFamily="18" charset="0"/>
                 <a:cs typeface="Helvetica" panose="020B0604020202020204" pitchFamily="34" charset="0"/>
               </a:rPr>
-              <a:t>Comparison:</a:t>
-            </a:r>
-          </a:p>
-          <a:p>
-            <a:pPr>
+              <a:t>   Comparison:</a:t>
+            </a:r>
+          </a:p>
+          <a:p>
+            <a:pPr marL="0" indent="0">
               <a:lnSpc>
                 <a:spcPct val="60000"/>
               </a:lnSpc>
+              <a:buNone/>
             </a:pPr>
             <a:r>
-              <a:rPr lang="en-US" sz="1200" dirty="0">
+              <a:rPr lang="en-US" sz="1300" dirty="0">
                 <a:latin typeface="Baskerville Old Face" panose="02020602080505020303" pitchFamily="18" charset="0"/>
                 <a:cs typeface="Helvetica" panose="020B0604020202020204" pitchFamily="34" charset="0"/>
               </a:rPr>
-              <a:t>Shift:</a:t>
-            </a:r>
-          </a:p>
-          <a:p>
-            <a:pPr>
+              <a:t>   Shift:</a:t>
+            </a:r>
+          </a:p>
+          <a:p>
+            <a:pPr marL="0" indent="0">
               <a:lnSpc>
                 <a:spcPct val="60000"/>
               </a:lnSpc>
+              <a:buNone/>
             </a:pPr>
             <a:r>
-              <a:rPr lang="en-US" sz="1200" dirty="0">
+              <a:rPr lang="en-US" sz="1300" dirty="0">
                 <a:latin typeface="Baskerville Old Face" panose="02020602080505020303" pitchFamily="18" charset="0"/>
                 <a:cs typeface="Helvetica" panose="020B0604020202020204" pitchFamily="34" charset="0"/>
               </a:rPr>
-              <a:t>Shifts redefined:</a:t>
+              <a:t>   Shifts redefined:</a:t>
             </a:r>
           </a:p>
           <a:p>
@@ -5771,7 +5798,7 @@
                 <a:spcPct val="60000"/>
               </a:lnSpc>
             </a:pPr>
-            <a:endParaRPr lang="en-US" sz="1200" dirty="0">
+            <a:endParaRPr lang="en-US" sz="1300" dirty="0">
               <a:latin typeface="Baskerville Old Face" panose="02020602080505020303" pitchFamily="18" charset="0"/>
               <a:cs typeface="Helvetica" panose="020B0604020202020204" pitchFamily="34" charset="0"/>
             </a:endParaRPr>
@@ -5797,7 +5824,7 @@
           </p:nvPr>
         </p:nvPicPr>
         <p:blipFill>
-          <a:blip r:embed="rId23" cstate="print">
+          <a:blip r:embed="rId24" cstate="print">
             <a:extLst>
               <a:ext uri="{28A0092B-C50C-407E-A947-70E740481C1C}">
                 <a14:useLocalDpi xmlns:a14="http://schemas.microsoft.com/office/drawing/2010/main" val="0"/>
@@ -5810,7 +5837,7 @@
         </p:blipFill>
         <p:spPr>
           <a:xfrm>
-            <a:off x="4171612" y="5932556"/>
+            <a:off x="4195427" y="5835488"/>
             <a:ext cx="469242" cy="112097"/>
           </a:xfrm>
           <a:prstGeom prst="rect">
@@ -5837,7 +5864,7 @@
           </p:nvPr>
         </p:nvPicPr>
         <p:blipFill>
-          <a:blip r:embed="rId24" cstate="print">
+          <a:blip r:embed="rId25" cstate="print">
             <a:extLst>
               <a:ext uri="{28A0092B-C50C-407E-A947-70E740481C1C}">
                 <a14:useLocalDpi xmlns:a14="http://schemas.microsoft.com/office/drawing/2010/main" val="0"/>
@@ -5850,7 +5877,7 @@
         </p:blipFill>
         <p:spPr>
           <a:xfrm>
-            <a:off x="4436841" y="6146604"/>
+            <a:off x="4451130" y="6068588"/>
             <a:ext cx="501029" cy="151771"/>
           </a:xfrm>
           <a:prstGeom prst="rect">
@@ -5877,7 +5904,7 @@
           </p:nvPr>
         </p:nvPicPr>
         <p:blipFill>
-          <a:blip r:embed="rId25" cstate="print">
+          <a:blip r:embed="rId26" cstate="print">
             <a:extLst>
               <a:ext uri="{28A0092B-C50C-407E-A947-70E740481C1C}">
                 <a14:useLocalDpi xmlns:a14="http://schemas.microsoft.com/office/drawing/2010/main" val="0"/>
@@ -5890,7 +5917,7 @@
         </p:blipFill>
         <p:spPr>
           <a:xfrm>
-            <a:off x="5734391" y="5932123"/>
+            <a:off x="5729628" y="5806477"/>
             <a:ext cx="475429" cy="110628"/>
           </a:xfrm>
           <a:prstGeom prst="rect">
@@ -5917,7 +5944,7 @@
           </p:nvPr>
         </p:nvPicPr>
         <p:blipFill>
-          <a:blip r:embed="rId26" cstate="print">
+          <a:blip r:embed="rId27" cstate="print">
             <a:extLst>
               <a:ext uri="{28A0092B-C50C-407E-A947-70E740481C1C}">
                 <a14:useLocalDpi xmlns:a14="http://schemas.microsoft.com/office/drawing/2010/main" val="0"/>
@@ -5930,7 +5957,7 @@
         </p:blipFill>
         <p:spPr>
           <a:xfrm>
-            <a:off x="4280955" y="6399924"/>
+            <a:off x="4300007" y="6321908"/>
             <a:ext cx="1564342" cy="141714"/>
           </a:xfrm>
           <a:prstGeom prst="rect">
@@ -5954,7 +5981,7 @@
         </p:nvSpPr>
         <p:spPr>
           <a:xfrm>
-            <a:off x="5024144" y="5915932"/>
+            <a:off x="5024144" y="5780760"/>
             <a:ext cx="1512761" cy="564108"/>
           </a:xfrm>
           <a:prstGeom prst="rect">
@@ -6130,31 +6157,33 @@
             </a:lvl9pPr>
           </a:lstStyle>
           <a:p>
-            <a:pPr>
+            <a:pPr marL="0" indent="0">
               <a:lnSpc>
                 <a:spcPct val="60000"/>
               </a:lnSpc>
+              <a:buNone/>
             </a:pPr>
             <a:r>
-              <a:rPr lang="en-US" sz="1200" dirty="0">
+              <a:rPr lang="en-US" sz="1300" dirty="0">
                 <a:latin typeface="Baskerville Old Face" panose="02020602080505020303" pitchFamily="18" charset="0"/>
                 <a:cs typeface="Helvetica" panose="020B0604020202020204" pitchFamily="34" charset="0"/>
               </a:rPr>
-              <a:t>Shift:</a:t>
-            </a:r>
-          </a:p>
-          <a:p>
-            <a:pPr>
+              <a:t>   Shift:</a:t>
+            </a:r>
+          </a:p>
+          <a:p>
+            <a:pPr marL="0" indent="0">
               <a:lnSpc>
                 <a:spcPct val="60000"/>
               </a:lnSpc>
+              <a:buNone/>
             </a:pPr>
             <a:r>
-              <a:rPr lang="en-US" sz="1200" dirty="0">
+              <a:rPr lang="en-US" sz="1300" dirty="0">
                 <a:latin typeface="Baskerville Old Face" panose="02020602080505020303" pitchFamily="18" charset="0"/>
                 <a:cs typeface="Helvetica" panose="020B0604020202020204" pitchFamily="34" charset="0"/>
               </a:rPr>
-              <a:t>Concatenation:  </a:t>
+              <a:t>   Concatenation:  </a:t>
             </a:r>
           </a:p>
         </p:txBody>
@@ -6178,7 +6207,7 @@
           </p:nvPr>
         </p:nvPicPr>
         <p:blipFill>
-          <a:blip r:embed="rId27" cstate="print">
+          <a:blip r:embed="rId28" cstate="print">
             <a:extLst>
               <a:ext uri="{28A0092B-C50C-407E-A947-70E740481C1C}">
                 <a14:useLocalDpi xmlns:a14="http://schemas.microsoft.com/office/drawing/2010/main" val="0"/>
@@ -6191,7 +6220,7 @@
         </p:blipFill>
         <p:spPr>
           <a:xfrm>
-            <a:off x="6265247" y="6194546"/>
+            <a:off x="6289062" y="6064137"/>
             <a:ext cx="59429" cy="59429"/>
           </a:xfrm>
           <a:prstGeom prst="rect">
@@ -6218,7 +6247,7 @@
           </p:nvPr>
         </p:nvPicPr>
         <p:blipFill>
-          <a:blip r:embed="rId28" cstate="print">
+          <a:blip r:embed="rId29" cstate="print">
             <a:extLst>
               <a:ext uri="{28A0092B-C50C-407E-A947-70E740481C1C}">
                 <a14:useLocalDpi xmlns:a14="http://schemas.microsoft.com/office/drawing/2010/main" val="0"/>
@@ -6231,7 +6260,7 @@
         </p:blipFill>
         <p:spPr>
           <a:xfrm>
-            <a:off x="4341915" y="6880062"/>
+            <a:off x="4318101" y="6802045"/>
             <a:ext cx="488228" cy="126171"/>
           </a:xfrm>
           <a:prstGeom prst="rect">
@@ -6258,7 +6287,7 @@
           </p:nvPr>
         </p:nvPicPr>
         <p:blipFill>
-          <a:blip r:embed="rId29" cstate="print">
+          <a:blip r:embed="rId30" cstate="print">
             <a:extLst>
               <a:ext uri="{28A0092B-C50C-407E-A947-70E740481C1C}">
                 <a14:useLocalDpi xmlns:a14="http://schemas.microsoft.com/office/drawing/2010/main" val="0"/>
@@ -6271,7 +6300,7 @@
         </p:blipFill>
         <p:spPr>
           <a:xfrm>
-            <a:off x="3895009" y="7116703"/>
+            <a:off x="3733079" y="7057736"/>
             <a:ext cx="239543" cy="105142"/>
           </a:xfrm>
           <a:prstGeom prst="rect">
@@ -6298,7 +6327,7 @@
           </p:nvPr>
         </p:nvPicPr>
         <p:blipFill>
-          <a:blip r:embed="rId30" cstate="print">
+          <a:blip r:embed="rId31" cstate="print">
             <a:extLst>
               <a:ext uri="{28A0092B-C50C-407E-A947-70E740481C1C}">
                 <a14:useLocalDpi xmlns:a14="http://schemas.microsoft.com/office/drawing/2010/main" val="0"/>
@@ -6311,8 +6340,48 @@
         </p:blipFill>
         <p:spPr>
           <a:xfrm>
-            <a:off x="4592428" y="7344657"/>
+            <a:off x="4492408" y="7295217"/>
             <a:ext cx="881372" cy="127999"/>
+          </a:xfrm>
+          <a:prstGeom prst="rect">
+            <a:avLst/>
+          </a:prstGeom>
+        </p:spPr>
+      </p:pic>
+      <p:pic>
+        <p:nvPicPr>
+          <p:cNvPr id="6" name="Picture 5">
+            <a:extLst>
+              <a:ext uri="{FF2B5EF4-FFF2-40B4-BE49-F238E27FC236}">
+                <a16:creationId xmlns:a16="http://schemas.microsoft.com/office/drawing/2014/main" id="{ABAA9031-F410-461B-A352-A30FC832B9B5}"/>
+              </a:ext>
+            </a:extLst>
+          </p:cNvPr>
+          <p:cNvPicPr>
+            <a:picLocks noChangeAspect="1"/>
+          </p:cNvPicPr>
+          <p:nvPr>
+            <p:custDataLst>
+              <p:tags r:id="rId15"/>
+            </p:custDataLst>
+          </p:nvPr>
+        </p:nvPicPr>
+        <p:blipFill>
+          <a:blip r:embed="rId32" cstate="print">
+            <a:extLst>
+              <a:ext uri="{28A0092B-C50C-407E-A947-70E740481C1C}">
+                <a14:useLocalDpi xmlns:a14="http://schemas.microsoft.com/office/drawing/2010/main" val="0"/>
+              </a:ext>
+            </a:extLst>
+          </a:blip>
+          <a:stretch>
+            <a:fillRect/>
+          </a:stretch>
+        </p:blipFill>
+        <p:spPr>
+          <a:xfrm>
+            <a:off x="132573" y="1191367"/>
+            <a:ext cx="1853115" cy="153227"/>
           </a:xfrm>
           <a:prstGeom prst="rect">
             <a:avLst/>
@@ -6329,263 +6398,17 @@
   <p:clrMapOvr>
     <a:masterClrMapping/>
   </p:clrMapOvr>
-  <p:timing>
-    <p:tnLst>
-      <p:par>
-        <p:cTn id="1" dur="indefinite" restart="never" nodeType="tmRoot">
-          <p:childTnLst>
-            <p:seq concurrent="1" nextAc="seek">
-              <p:cTn id="2" dur="indefinite" nodeType="mainSeq">
-                <p:childTnLst>
-                  <p:par>
-                    <p:cTn id="3" fill="hold">
-                      <p:stCondLst>
-                        <p:cond delay="indefinite"/>
-                      </p:stCondLst>
-                      <p:childTnLst>
-                        <p:par>
-                          <p:cTn id="4" fill="hold">
-                            <p:stCondLst>
-                              <p:cond delay="0"/>
-                            </p:stCondLst>
-                            <p:childTnLst>
-                              <p:par>
-                                <p:cTn id="5" presetID="1" presetClass="entr" presetSubtype="0" fill="hold" nodeType="clickEffect">
-                                  <p:stCondLst>
-                                    <p:cond delay="0"/>
-                                  </p:stCondLst>
-                                  <p:childTnLst>
-                                    <p:set>
-                                      <p:cBhvr>
-                                        <p:cTn id="6" dur="1" fill="hold">
-                                          <p:stCondLst>
-                                            <p:cond delay="0"/>
-                                          </p:stCondLst>
-                                        </p:cTn>
-                                        <p:tgtEl>
-                                          <p:spTgt spid="47"/>
-                                        </p:tgtEl>
-                                        <p:attrNameLst>
-                                          <p:attrName>style.visibility</p:attrName>
-                                        </p:attrNameLst>
-                                      </p:cBhvr>
-                                      <p:to>
-                                        <p:strVal val="visible"/>
-                                      </p:to>
-                                    </p:set>
-                                  </p:childTnLst>
-                                </p:cTn>
-                              </p:par>
-                              <p:par>
-                                <p:cTn id="7" presetID="1" presetClass="entr" presetSubtype="0" fill="hold" nodeType="withEffect">
-                                  <p:stCondLst>
-                                    <p:cond delay="0"/>
-                                  </p:stCondLst>
-                                  <p:childTnLst>
-                                    <p:set>
-                                      <p:cBhvr>
-                                        <p:cTn id="8" dur="1" fill="hold">
-                                          <p:stCondLst>
-                                            <p:cond delay="0"/>
-                                          </p:stCondLst>
-                                        </p:cTn>
-                                        <p:tgtEl>
-                                          <p:spTgt spid="48"/>
-                                        </p:tgtEl>
-                                        <p:attrNameLst>
-                                          <p:attrName>style.visibility</p:attrName>
-                                        </p:attrNameLst>
-                                      </p:cBhvr>
-                                      <p:to>
-                                        <p:strVal val="visible"/>
-                                      </p:to>
-                                    </p:set>
-                                  </p:childTnLst>
-                                </p:cTn>
-                              </p:par>
-                            </p:childTnLst>
-                          </p:cTn>
-                        </p:par>
-                      </p:childTnLst>
-                    </p:cTn>
-                  </p:par>
-                  <p:par>
-                    <p:cTn id="9" fill="hold">
-                      <p:stCondLst>
-                        <p:cond delay="indefinite"/>
-                      </p:stCondLst>
-                      <p:childTnLst>
-                        <p:par>
-                          <p:cTn id="10" fill="hold">
-                            <p:stCondLst>
-                              <p:cond delay="0"/>
-                            </p:stCondLst>
-                            <p:childTnLst>
-                              <p:par>
-                                <p:cTn id="11" presetID="1" presetClass="entr" presetSubtype="0" fill="hold" nodeType="clickEffect">
-                                  <p:stCondLst>
-                                    <p:cond delay="0"/>
-                                  </p:stCondLst>
-                                  <p:childTnLst>
-                                    <p:set>
-                                      <p:cBhvr>
-                                        <p:cTn id="12" dur="1" fill="hold">
-                                          <p:stCondLst>
-                                            <p:cond delay="0"/>
-                                          </p:stCondLst>
-                                        </p:cTn>
-                                        <p:tgtEl>
-                                          <p:spTgt spid="51"/>
-                                        </p:tgtEl>
-                                        <p:attrNameLst>
-                                          <p:attrName>style.visibility</p:attrName>
-                                        </p:attrNameLst>
-                                      </p:cBhvr>
-                                      <p:to>
-                                        <p:strVal val="visible"/>
-                                      </p:to>
-                                    </p:set>
-                                  </p:childTnLst>
-                                </p:cTn>
-                              </p:par>
-                              <p:par>
-                                <p:cTn id="13" presetID="1" presetClass="entr" presetSubtype="0" fill="hold" nodeType="withEffect">
-                                  <p:stCondLst>
-                                    <p:cond delay="0"/>
-                                  </p:stCondLst>
-                                  <p:childTnLst>
-                                    <p:set>
-                                      <p:cBhvr>
-                                        <p:cTn id="14" dur="1" fill="hold">
-                                          <p:stCondLst>
-                                            <p:cond delay="0"/>
-                                          </p:stCondLst>
-                                        </p:cTn>
-                                        <p:tgtEl>
-                                          <p:spTgt spid="52"/>
-                                        </p:tgtEl>
-                                        <p:attrNameLst>
-                                          <p:attrName>style.visibility</p:attrName>
-                                        </p:attrNameLst>
-                                      </p:cBhvr>
-                                      <p:to>
-                                        <p:strVal val="visible"/>
-                                      </p:to>
-                                    </p:set>
-                                  </p:childTnLst>
-                                </p:cTn>
-                              </p:par>
-                              <p:par>
-                                <p:cTn id="15" presetID="1" presetClass="entr" presetSubtype="0" fill="hold" nodeType="withEffect">
-                                  <p:stCondLst>
-                                    <p:cond delay="0"/>
-                                  </p:stCondLst>
-                                  <p:childTnLst>
-                                    <p:set>
-                                      <p:cBhvr>
-                                        <p:cTn id="16" dur="1" fill="hold">
-                                          <p:stCondLst>
-                                            <p:cond delay="0"/>
-                                          </p:stCondLst>
-                                        </p:cTn>
-                                        <p:tgtEl>
-                                          <p:spTgt spid="53"/>
-                                        </p:tgtEl>
-                                        <p:attrNameLst>
-                                          <p:attrName>style.visibility</p:attrName>
-                                        </p:attrNameLst>
-                                      </p:cBhvr>
-                                      <p:to>
-                                        <p:strVal val="visible"/>
-                                      </p:to>
-                                    </p:set>
-                                  </p:childTnLst>
-                                </p:cTn>
-                              </p:par>
-                            </p:childTnLst>
-                          </p:cTn>
-                        </p:par>
-                      </p:childTnLst>
-                    </p:cTn>
-                  </p:par>
-                  <p:par>
-                    <p:cTn id="17" fill="hold">
-                      <p:stCondLst>
-                        <p:cond delay="indefinite"/>
-                      </p:stCondLst>
-                      <p:childTnLst>
-                        <p:par>
-                          <p:cTn id="18" fill="hold">
-                            <p:stCondLst>
-                              <p:cond delay="0"/>
-                            </p:stCondLst>
-                            <p:childTnLst>
-                              <p:par>
-                                <p:cTn id="19" presetID="1" presetClass="entr" presetSubtype="0" fill="hold" nodeType="clickEffect">
-                                  <p:stCondLst>
-                                    <p:cond delay="0"/>
-                                  </p:stCondLst>
-                                  <p:childTnLst>
-                                    <p:set>
-                                      <p:cBhvr>
-                                        <p:cTn id="20" dur="1" fill="hold">
-                                          <p:stCondLst>
-                                            <p:cond delay="0"/>
-                                          </p:stCondLst>
-                                        </p:cTn>
-                                        <p:tgtEl>
-                                          <p:spTgt spid="79"/>
-                                        </p:tgtEl>
-                                        <p:attrNameLst>
-                                          <p:attrName>style.visibility</p:attrName>
-                                        </p:attrNameLst>
-                                      </p:cBhvr>
-                                      <p:to>
-                                        <p:strVal val="visible"/>
-                                      </p:to>
-                                    </p:set>
-                                  </p:childTnLst>
-                                </p:cTn>
-                              </p:par>
-                            </p:childTnLst>
-                          </p:cTn>
-                        </p:par>
-                      </p:childTnLst>
-                    </p:cTn>
-                  </p:par>
-                </p:childTnLst>
-              </p:cTn>
-              <p:prevCondLst>
-                <p:cond evt="onPrev" delay="0">
-                  <p:tgtEl>
-                    <p:sldTgt/>
-                  </p:tgtEl>
-                </p:cond>
-              </p:prevCondLst>
-              <p:nextCondLst>
-                <p:cond evt="onNext" delay="0">
-                  <p:tgtEl>
-                    <p:sldTgt/>
-                  </p:tgtEl>
-                </p:cond>
-              </p:nextCondLst>
-            </p:seq>
-          </p:childTnLst>
-        </p:cTn>
-      </p:par>
-    </p:tnLst>
-  </p:timing>
 </p:sld>
 </file>
 
 <file path=ppt/tags/tag1.xml><?xml version="1.0" encoding="utf-8"?>
 <p:tagLst xmlns:a="http://schemas.openxmlformats.org/drawingml/2006/main" xmlns:r="http://schemas.openxmlformats.org/officeDocument/2006/relationships" xmlns:p="http://schemas.openxmlformats.org/presentationml/2006/main">
   <p:tag name="OUTPUTDPI" val="1200"/>
-  <p:tag name="ORIGINALHEIGHT" val="547.4316"/>
-  <p:tag name="ORIGINALWIDTH" val="2525.684"/>
-  <p:tag name="LATEXADDIN" val="\documentclass{article}&#10;\usepackage{amsmath}&#10;\usepackage{mathtools}&#10;\usepackage[dvipsnames]{xcolor}&#10;\pagestyle{empty}&#10;\begin{document}&#10;\color{NavyBlue}$\overbrace{\forall s,t : BV_n.\ \underbrace{IC[s,t]}_{\substack{\text{Invertibility} \\ \text{Condition}}} \iff \exists x : BV_n.\ \ell[x,s,t]}^{\text{Invertibility Equivalence}}$&#10;\end{document}"/>
+  <p:tag name="ORIGINALHEIGHT" val="376.4529"/>
+  <p:tag name="ORIGINALWIDTH" val="2505.437"/>
+  <p:tag name="LATEXADDIN" val="\documentclass{article}&#10;\usepackage{amsmath}&#10;\usepackage{mathtools}&#10;\usepackage[dvipsnames]{xcolor}&#10;\pagestyle{empty}&#10;\begin{document}&#10;\color{NavyBlue}&#10;$\forall s,t : BV_n.\ \underbrace{IC[s,t]}_{\substack{\text{Invertibility} \\ \text{Condition}}} \iff \exists x : BV_n.\ \ell[x,s,t]$&#10;\end{document}"/>
   <p:tag name="IGUANATEXSIZE" val="28"/>
-  <p:tag name="IGUANATEXCURSOR" val="280"/>
+  <p:tag name="IGUANATEXCURSOR" val="284"/>
   <p:tag name="TRANSPARENCY" val="True"/>
   <p:tag name="FILENAME" val=""/>
   <p:tag name="LATEXENGINEID" val="0"/>
@@ -6681,6 +6504,25 @@
   <p:tag name="LATEXADDIN" val="\documentclass{article}&#10;\usepackage{amsmath}&#10;\usepackage[dvipsnames]{xcolor}&#10;\pagestyle{empty}&#10;\begin{document}&#10;\color{NavyBlue}$\underline{&lt;\kern-.3em&lt;},\ \underline{&gt;\kern-.3em&gt;},\ \underline{&gt;\kern-.3em&gt;_a}$&#10;\end{document}"/>
   <p:tag name="IGUANATEXSIZE" val="12"/>
   <p:tag name="IGUANATEXCURSOR" val="181"/>
+  <p:tag name="TRANSPARENCY" val="True"/>
+  <p:tag name="FILENAME" val=""/>
+  <p:tag name="LATEXENGINEID" val="0"/>
+  <p:tag name="TEMPFOLDER" val="c:\temp\"/>
+  <p:tag name="LATEXFORMHEIGHT" val="312"/>
+  <p:tag name="LATEXFORMWIDTH" val="384"/>
+  <p:tag name="LATEXFORMWRAP" val="True"/>
+  <p:tag name="BITMAPVECTOR" val="0"/>
+</p:tagLst>
+</file>
+
+<file path=ppt/tags/tag15.xml><?xml version="1.0" encoding="utf-8"?>
+<p:tagLst xmlns:a="http://schemas.openxmlformats.org/drawingml/2006/main" xmlns:r="http://schemas.openxmlformats.org/officeDocument/2006/relationships" xmlns:p="http://schemas.openxmlformats.org/presentationml/2006/main">
+  <p:tag name="OUTPUTDPI" val="1200"/>
+  <p:tag name="ORIGINALHEIGHT" val="111.7361"/>
+  <p:tag name="ORIGINALWIDTH" val="1351.331"/>
+  <p:tag name="LATEXADDIN" val="\documentclass{article}&#10;\usepackage{amsmath}&#10;\usepackage[dvipsnames]{xcolor}&#10;\pagestyle{empty}&#10;\begin{document}&#10;\color{NavyBlue}Invertibility Equivalence:&#10;\end{document}"/>
+  <p:tag name="IGUANATEXSIZE" val="20"/>
+  <p:tag name="IGUANATEXCURSOR" val="128"/>
   <p:tag name="TRANSPARENCY" val="True"/>
   <p:tag name="FILENAME" val=""/>
   <p:tag name="LATEXENGINEID" val="0"/>

--- a/FMCAD Poster.pptx
+++ b/FMCAD Poster.pptx
@@ -1,6 +1,6 @@
 
 <file path=ppt/presentation.xml><?xml version="1.0" encoding="utf-8"?>
-<p:presentation xmlns:a="http://schemas.openxmlformats.org/drawingml/2006/main" xmlns:r="http://schemas.openxmlformats.org/officeDocument/2006/relationships" xmlns:p="http://schemas.openxmlformats.org/presentationml/2006/main" saveSubsetFonts="1">
+<p:presentation xmlns:a="http://schemas.openxmlformats.org/drawingml/2006/main" xmlns:r="http://schemas.openxmlformats.org/officeDocument/2006/relationships" xmlns:p="http://schemas.openxmlformats.org/presentationml/2006/main" saveSubsetFonts="1" autoCompressPictures="0">
   <p:sldMasterIdLst>
     <p:sldMasterId id="2147483672" r:id="rId1"/>
   </p:sldMasterIdLst>
@@ -8,7 +8,7 @@
     <p:sldId id="257" r:id="rId2"/>
   </p:sldIdLst>
   <p:sldSz cx="6858000" cy="9906000" type="A4"/>
-  <p:notesSz cx="7010400" cy="9296400"/>
+  <p:notesSz cx="7315200" cy="9601200"/>
   <p:defaultTextStyle>
     <a:defPPr>
       <a:defRPr lang="en-US"/>
@@ -115,9 +115,9 @@
 <file path=ppt/revisionInfo.xml><?xml version="1.0" encoding="utf-8"?>
 <p1510:revInfo xmlns:a="http://schemas.openxmlformats.org/drawingml/2006/main" xmlns:r="http://schemas.openxmlformats.org/officeDocument/2006/relationships" xmlns:p1510="http://schemas.microsoft.com/office/powerpoint/2015/10/main">
   <p1510:revLst>
+    <p1510:client id="{4FB6AA68-809D-F51E-F4CE-AD11CF5F0493}" v="609" dt="2019-09-28T00:46:43.085"/>
+    <p1510:client id="{869EC253-3183-9D03-DEF4-48C017D3C47D}" v="51" dt="2019-09-27T23:52:25.014"/>
     <p1510:client id="{FD8E1D27-11F9-1F91-3558-DE17A3379917}" v="55" dt="2019-09-28T02:48:01.550"/>
-    <p1510:client id="{869EC253-3183-9D03-DEF4-48C017D3C47D}" v="51" dt="2019-09-27T23:52:25.014"/>
-    <p1510:client id="{4FB6AA68-809D-F51E-F4CE-AD11CF5F0493}" v="609" dt="2019-09-28T00:46:43.085"/>
     <p1510:client id="{B0A645ED-900C-C548-20FF-3E18CB47768F}" v="91" dt="2019-09-28T01:00:44.013"/>
   </p1510:revLst>
 </p1510:revInfo>
@@ -546,7 +546,7 @@
           <a:p>
             <a:fld id="{846CE7D5-CF57-46EF-B807-FDD0502418D4}" type="datetimeFigureOut">
               <a:rPr lang="en-US" smtClean="0"/>
-              <a:t>10/8/2019</a:t>
+              <a:t>10/15/2019</a:t>
             </a:fld>
             <a:endParaRPr lang="en-US"/>
           </a:p>
@@ -716,7 +716,7 @@
           <a:p>
             <a:fld id="{846CE7D5-CF57-46EF-B807-FDD0502418D4}" type="datetimeFigureOut">
               <a:rPr lang="en-US" smtClean="0"/>
-              <a:t>10/8/2019</a:t>
+              <a:t>10/15/2019</a:t>
             </a:fld>
             <a:endParaRPr lang="en-US"/>
           </a:p>
@@ -896,7 +896,7 @@
           <a:p>
             <a:fld id="{846CE7D5-CF57-46EF-B807-FDD0502418D4}" type="datetimeFigureOut">
               <a:rPr lang="en-US" smtClean="0"/>
-              <a:t>10/8/2019</a:t>
+              <a:t>10/15/2019</a:t>
             </a:fld>
             <a:endParaRPr lang="en-US"/>
           </a:p>
@@ -1066,7 +1066,7 @@
           <a:p>
             <a:fld id="{846CE7D5-CF57-46EF-B807-FDD0502418D4}" type="datetimeFigureOut">
               <a:rPr lang="en-US" smtClean="0"/>
-              <a:t>10/8/2019</a:t>
+              <a:t>10/15/2019</a:t>
             </a:fld>
             <a:endParaRPr lang="en-US"/>
           </a:p>
@@ -1310,7 +1310,7 @@
           <a:p>
             <a:fld id="{846CE7D5-CF57-46EF-B807-FDD0502418D4}" type="datetimeFigureOut">
               <a:rPr lang="en-US" smtClean="0"/>
-              <a:t>10/8/2019</a:t>
+              <a:t>10/15/2019</a:t>
             </a:fld>
             <a:endParaRPr lang="en-US"/>
           </a:p>
@@ -1542,7 +1542,7 @@
           <a:p>
             <a:fld id="{846CE7D5-CF57-46EF-B807-FDD0502418D4}" type="datetimeFigureOut">
               <a:rPr lang="en-US" smtClean="0"/>
-              <a:t>10/8/2019</a:t>
+              <a:t>10/15/2019</a:t>
             </a:fld>
             <a:endParaRPr lang="en-US"/>
           </a:p>
@@ -1909,7 +1909,7 @@
           <a:p>
             <a:fld id="{846CE7D5-CF57-46EF-B807-FDD0502418D4}" type="datetimeFigureOut">
               <a:rPr lang="en-US" smtClean="0"/>
-              <a:t>10/8/2019</a:t>
+              <a:t>10/15/2019</a:t>
             </a:fld>
             <a:endParaRPr lang="en-US"/>
           </a:p>
@@ -2027,7 +2027,7 @@
           <a:p>
             <a:fld id="{846CE7D5-CF57-46EF-B807-FDD0502418D4}" type="datetimeFigureOut">
               <a:rPr lang="en-US" smtClean="0"/>
-              <a:t>10/8/2019</a:t>
+              <a:t>10/15/2019</a:t>
             </a:fld>
             <a:endParaRPr lang="en-US"/>
           </a:p>
@@ -2122,7 +2122,7 @@
           <a:p>
             <a:fld id="{846CE7D5-CF57-46EF-B807-FDD0502418D4}" type="datetimeFigureOut">
               <a:rPr lang="en-US" smtClean="0"/>
-              <a:t>10/8/2019</a:t>
+              <a:t>10/15/2019</a:t>
             </a:fld>
             <a:endParaRPr lang="en-US"/>
           </a:p>
@@ -2399,7 +2399,7 @@
           <a:p>
             <a:fld id="{846CE7D5-CF57-46EF-B807-FDD0502418D4}" type="datetimeFigureOut">
               <a:rPr lang="en-US" smtClean="0"/>
-              <a:t>10/8/2019</a:t>
+              <a:t>10/15/2019</a:t>
             </a:fld>
             <a:endParaRPr lang="en-US"/>
           </a:p>
@@ -2656,7 +2656,7 @@
           <a:p>
             <a:fld id="{846CE7D5-CF57-46EF-B807-FDD0502418D4}" type="datetimeFigureOut">
               <a:rPr lang="en-US" smtClean="0"/>
-              <a:t>10/8/2019</a:t>
+              <a:t>10/15/2019</a:t>
             </a:fld>
             <a:endParaRPr lang="en-US"/>
           </a:p>
@@ -2869,7 +2869,7 @@
           <a:p>
             <a:fld id="{846CE7D5-CF57-46EF-B807-FDD0502418D4}" type="datetimeFigureOut">
               <a:rPr lang="en-US" smtClean="0"/>
-              <a:t>10/8/2019</a:t>
+              <a:t>10/15/2019</a:t>
             </a:fld>
             <a:endParaRPr lang="en-US"/>
           </a:p>
@@ -3289,7 +3289,7 @@
           <p:nvPr>
             <p:extLst>
               <p:ext uri="{D42A27DB-BD31-4B8C-83A1-F6EECF244321}">
-                <p14:modId xmlns:p14="http://schemas.microsoft.com/office/powerpoint/2010/main" val="941608351"/>
+                <p14:modId xmlns:p14="http://schemas.microsoft.com/office/powerpoint/2010/main" val="169138698"/>
               </p:ext>
             </p:extLst>
           </p:nvPr>
@@ -3376,7 +3376,7 @@
                           <a:effectLst/>
                           <a:latin typeface="Garamond" panose="02020404030301010803" pitchFamily="18" charset="0"/>
                         </a:rPr>
-                        <a:t>[CAV 2018]​</a:t>
+                        <a:t>[CAV 18]​</a:t>
                       </a:r>
                       <a:endParaRPr lang="en-US" sz="1200" b="1" dirty="0">
                         <a:solidFill>
@@ -3783,17 +3783,7 @@
                           <a:effectLst/>
                           <a:latin typeface="Baskerville Old Face" panose="02020602080505020303" pitchFamily="18" charset="0"/>
                         </a:rPr>
-                        <a:t>All equivalences for n = 1 to 65​</a:t>
-                      </a:r>
-                    </a:p>
-                    <a:p>
-                      <a:pPr fontAlgn="base"/>
-                      <a:r>
-                        <a:rPr lang="en-US" sz="1100" dirty="0">
-                          <a:effectLst/>
-                          <a:latin typeface="Baskerville Old Face" panose="02020602080505020303" pitchFamily="18" charset="0"/>
-                        </a:rPr>
-                        <a:t>​</a:t>
+                        <a:t>Verified all equivalences for n = 1 to 65​</a:t>
                       </a:r>
                     </a:p>
                   </a:txBody>
@@ -3840,7 +3830,7 @@
                           <a:effectLst/>
                           <a:latin typeface="Baskerville Old Face" panose="02020602080505020303" pitchFamily="18" charset="0"/>
                         </a:rPr>
-                        <a:t>18 equivalences​</a:t>
+                        <a:t>Verified 18 equivalences​</a:t>
                       </a:r>
                     </a:p>
                     <a:p>
@@ -4741,10 +4731,10 @@
       </p:sp>
       <p:pic>
         <p:nvPicPr>
-          <p:cNvPr id="8" name="Picture 7">
+          <p:cNvPr id="4" name="Picture 3">
             <a:extLst>
               <a:ext uri="{FF2B5EF4-FFF2-40B4-BE49-F238E27FC236}">
-                <a16:creationId xmlns:a16="http://schemas.microsoft.com/office/drawing/2014/main" id="{C431FB15-9104-4DF2-9C48-573A37F19B5E}"/>
+                <a16:creationId xmlns:a16="http://schemas.microsoft.com/office/drawing/2014/main" id="{C1D16F0D-3F81-48F8-9F81-66ED008EAAB6}"/>
               </a:ext>
             </a:extLst>
           </p:cNvPr>
@@ -4772,7 +4762,7 @@
         <p:spPr>
           <a:xfrm>
             <a:off x="132573" y="1400664"/>
-            <a:ext cx="3203050" cy="481271"/>
+            <a:ext cx="3149362" cy="481271"/>
           </a:xfrm>
           <a:prstGeom prst="rect">
             <a:avLst/>
@@ -4967,42 +4957,6 @@
           </a:p>
         </p:txBody>
       </p:sp>
-      <p:pic>
-        <p:nvPicPr>
-          <p:cNvPr id="38" name="Picture 37">
-            <a:extLst>
-              <a:ext uri="{FF2B5EF4-FFF2-40B4-BE49-F238E27FC236}">
-                <a16:creationId xmlns:a16="http://schemas.microsoft.com/office/drawing/2014/main" id="{1EA017B2-DE39-4591-8E3A-AE2C3C9A1419}"/>
-              </a:ext>
-            </a:extLst>
-          </p:cNvPr>
-          <p:cNvPicPr>
-            <a:picLocks noChangeAspect="1"/>
-          </p:cNvPicPr>
-          <p:nvPr/>
-        </p:nvPicPr>
-        <p:blipFill>
-          <a:blip r:embed="rId18" cstate="print">
-            <a:extLst>
-              <a:ext uri="{28A0092B-C50C-407E-A947-70E740481C1C}">
-                <a14:useLocalDpi xmlns:a14="http://schemas.microsoft.com/office/drawing/2010/main" val="0"/>
-              </a:ext>
-            </a:extLst>
-          </a:blip>
-          <a:stretch>
-            <a:fillRect/>
-          </a:stretch>
-        </p:blipFill>
-        <p:spPr>
-          <a:xfrm>
-            <a:off x="164592" y="207956"/>
-            <a:ext cx="634317" cy="582345"/>
-          </a:xfrm>
-          <a:prstGeom prst="rect">
-            <a:avLst/>
-          </a:prstGeom>
-        </p:spPr>
-      </p:pic>
       <p:sp>
         <p:nvSpPr>
           <p:cNvPr id="42" name="Content Placeholder 2 2 2">
@@ -5275,7 +5229,7 @@
           </p:nvPr>
         </p:nvPicPr>
         <p:blipFill>
-          <a:blip r:embed="rId19" cstate="print">
+          <a:blip r:embed="rId18" cstate="print">
             <a:extLst>
               <a:ext uri="{28A0092B-C50C-407E-A947-70E740481C1C}">
                 <a14:useLocalDpi xmlns:a14="http://schemas.microsoft.com/office/drawing/2010/main" val="0"/>
@@ -5315,7 +5269,7 @@
           </p:nvPr>
         </p:nvPicPr>
         <p:blipFill>
-          <a:blip r:embed="rId20" cstate="print">
+          <a:blip r:embed="rId19" cstate="print">
             <a:extLst>
               <a:ext uri="{28A0092B-C50C-407E-A947-70E740481C1C}">
                 <a14:useLocalDpi xmlns:a14="http://schemas.microsoft.com/office/drawing/2010/main" val="0"/>
@@ -5355,7 +5309,7 @@
           </p:nvPr>
         </p:nvPicPr>
         <p:blipFill>
-          <a:blip r:embed="rId21" cstate="print">
+          <a:blip r:embed="rId20" cstate="print">
             <a:extLst>
               <a:ext uri="{28A0092B-C50C-407E-A947-70E740481C1C}">
                 <a14:useLocalDpi xmlns:a14="http://schemas.microsoft.com/office/drawing/2010/main" val="0"/>
@@ -5395,7 +5349,7 @@
           </p:nvPr>
         </p:nvPicPr>
         <p:blipFill>
-          <a:blip r:embed="rId22" cstate="print">
+          <a:blip r:embed="rId21" cstate="print">
             <a:extLst>
               <a:ext uri="{28A0092B-C50C-407E-A947-70E740481C1C}">
                 <a14:useLocalDpi xmlns:a14="http://schemas.microsoft.com/office/drawing/2010/main" val="0"/>
@@ -5435,7 +5389,7 @@
           </p:nvPr>
         </p:nvPicPr>
         <p:blipFill>
-          <a:blip r:embed="rId23" cstate="print">
+          <a:blip r:embed="rId22" cstate="print">
             <a:extLst>
               <a:ext uri="{28A0092B-C50C-407E-A947-70E740481C1C}">
                 <a14:useLocalDpi xmlns:a14="http://schemas.microsoft.com/office/drawing/2010/main" val="0"/>
@@ -5824,7 +5778,7 @@
           </p:nvPr>
         </p:nvPicPr>
         <p:blipFill>
-          <a:blip r:embed="rId24" cstate="print">
+          <a:blip r:embed="rId23" cstate="print">
             <a:extLst>
               <a:ext uri="{28A0092B-C50C-407E-A947-70E740481C1C}">
                 <a14:useLocalDpi xmlns:a14="http://schemas.microsoft.com/office/drawing/2010/main" val="0"/>
@@ -5864,7 +5818,7 @@
           </p:nvPr>
         </p:nvPicPr>
         <p:blipFill>
-          <a:blip r:embed="rId25" cstate="print">
+          <a:blip r:embed="rId24" cstate="print">
             <a:extLst>
               <a:ext uri="{28A0092B-C50C-407E-A947-70E740481C1C}">
                 <a14:useLocalDpi xmlns:a14="http://schemas.microsoft.com/office/drawing/2010/main" val="0"/>
@@ -5904,7 +5858,7 @@
           </p:nvPr>
         </p:nvPicPr>
         <p:blipFill>
-          <a:blip r:embed="rId26" cstate="print">
+          <a:blip r:embed="rId25" cstate="print">
             <a:extLst>
               <a:ext uri="{28A0092B-C50C-407E-A947-70E740481C1C}">
                 <a14:useLocalDpi xmlns:a14="http://schemas.microsoft.com/office/drawing/2010/main" val="0"/>
@@ -5944,7 +5898,7 @@
           </p:nvPr>
         </p:nvPicPr>
         <p:blipFill>
-          <a:blip r:embed="rId27" cstate="print">
+          <a:blip r:embed="rId26" cstate="print">
             <a:extLst>
               <a:ext uri="{28A0092B-C50C-407E-A947-70E740481C1C}">
                 <a14:useLocalDpi xmlns:a14="http://schemas.microsoft.com/office/drawing/2010/main" val="0"/>
@@ -6207,7 +6161,7 @@
           </p:nvPr>
         </p:nvPicPr>
         <p:blipFill>
-          <a:blip r:embed="rId28" cstate="print">
+          <a:blip r:embed="rId27" cstate="print">
             <a:extLst>
               <a:ext uri="{28A0092B-C50C-407E-A947-70E740481C1C}">
                 <a14:useLocalDpi xmlns:a14="http://schemas.microsoft.com/office/drawing/2010/main" val="0"/>
@@ -6247,7 +6201,7 @@
           </p:nvPr>
         </p:nvPicPr>
         <p:blipFill>
-          <a:blip r:embed="rId29" cstate="print">
+          <a:blip r:embed="rId28" cstate="print">
             <a:extLst>
               <a:ext uri="{28A0092B-C50C-407E-A947-70E740481C1C}">
                 <a14:useLocalDpi xmlns:a14="http://schemas.microsoft.com/office/drawing/2010/main" val="0"/>
@@ -6260,7 +6214,7 @@
         </p:blipFill>
         <p:spPr>
           <a:xfrm>
-            <a:off x="4318101" y="6802045"/>
+            <a:off x="4310637" y="6809509"/>
             <a:ext cx="488228" cy="126171"/>
           </a:xfrm>
           <a:prstGeom prst="rect">
@@ -6287,7 +6241,7 @@
           </p:nvPr>
         </p:nvPicPr>
         <p:blipFill>
-          <a:blip r:embed="rId30" cstate="print">
+          <a:blip r:embed="rId29" cstate="print">
             <a:extLst>
               <a:ext uri="{28A0092B-C50C-407E-A947-70E740481C1C}">
                 <a14:useLocalDpi xmlns:a14="http://schemas.microsoft.com/office/drawing/2010/main" val="0"/>
@@ -6327,7 +6281,7 @@
           </p:nvPr>
         </p:nvPicPr>
         <p:blipFill>
-          <a:blip r:embed="rId31" cstate="print">
+          <a:blip r:embed="rId30" cstate="print">
             <a:extLst>
               <a:ext uri="{28A0092B-C50C-407E-A947-70E740481C1C}">
                 <a14:useLocalDpi xmlns:a14="http://schemas.microsoft.com/office/drawing/2010/main" val="0"/>
@@ -6367,7 +6321,7 @@
           </p:nvPr>
         </p:nvPicPr>
         <p:blipFill>
-          <a:blip r:embed="rId32" cstate="print">
+          <a:blip r:embed="rId31" cstate="print">
             <a:extLst>
               <a:ext uri="{28A0092B-C50C-407E-A947-70E740481C1C}">
                 <a14:useLocalDpi xmlns:a14="http://schemas.microsoft.com/office/drawing/2010/main" val="0"/>
@@ -6382,6 +6336,36 @@
           <a:xfrm>
             <a:off x="132573" y="1191367"/>
             <a:ext cx="1853115" cy="153227"/>
+          </a:xfrm>
+          <a:prstGeom prst="rect">
+            <a:avLst/>
+          </a:prstGeom>
+        </p:spPr>
+      </p:pic>
+      <p:pic>
+        <p:nvPicPr>
+          <p:cNvPr id="7" name="Picture 6">
+            <a:extLst>
+              <a:ext uri="{FF2B5EF4-FFF2-40B4-BE49-F238E27FC236}">
+                <a16:creationId xmlns:a16="http://schemas.microsoft.com/office/drawing/2014/main" id="{1CFFDAA3-A490-4316-9EE8-B78E1F58F673}"/>
+              </a:ext>
+            </a:extLst>
+          </p:cNvPr>
+          <p:cNvPicPr>
+            <a:picLocks noChangeAspect="1"/>
+          </p:cNvPicPr>
+          <p:nvPr/>
+        </p:nvPicPr>
+        <p:blipFill>
+          <a:blip r:embed="rId32"/>
+          <a:stretch>
+            <a:fillRect/>
+          </a:stretch>
+        </p:blipFill>
+        <p:spPr>
+          <a:xfrm>
+            <a:off x="141899" y="206592"/>
+            <a:ext cx="656801" cy="602987"/>
           </a:xfrm>
           <a:prstGeom prst="rect">
             <a:avLst/>
@@ -6405,10 +6389,10 @@
 <p:tagLst xmlns:a="http://schemas.openxmlformats.org/drawingml/2006/main" xmlns:r="http://schemas.openxmlformats.org/officeDocument/2006/relationships" xmlns:p="http://schemas.openxmlformats.org/presentationml/2006/main">
   <p:tag name="OUTPUTDPI" val="1200"/>
   <p:tag name="ORIGINALHEIGHT" val="376.4529"/>
-  <p:tag name="ORIGINALWIDTH" val="2505.437"/>
-  <p:tag name="LATEXADDIN" val="\documentclass{article}&#10;\usepackage{amsmath}&#10;\usepackage{mathtools}&#10;\usepackage[dvipsnames]{xcolor}&#10;\pagestyle{empty}&#10;\begin{document}&#10;\color{NavyBlue}&#10;$\forall s,t : BV_n.\ \underbrace{IC[s,t]}_{\substack{\text{Invertibility} \\ \text{Condition}}} \iff \exists x : BV_n.\ \ell[x,s,t]$&#10;\end{document}"/>
+  <p:tag name="ORIGINALWIDTH" val="2463.442"/>
+  <p:tag name="LATEXADDIN" val="\documentclass{article}&#10;\usepackage{amsmath}&#10;\usepackage{mathtools}&#10;\usepackage[dvipsnames]{xcolor}&#10;\pagestyle{empty}&#10;\begin{document}&#10;\color{NavyBlue}&#10;$\forall s,t : BV_n.\underbrace{IC[s,t]}_{\substack{\text{Invertibility} \\ \text{Condition}}} \iff \exists x : BV_n.\ \ell[x,s,t]$&#10;\end{document}"/>
   <p:tag name="IGUANATEXSIZE" val="28"/>
-  <p:tag name="IGUANATEXCURSOR" val="284"/>
+  <p:tag name="IGUANATEXCURSOR" val="172"/>
   <p:tag name="TRANSPARENCY" val="True"/>
   <p:tag name="FILENAME" val=""/>
   <p:tag name="LATEXENGINEID" val="0"/>

--- a/FMCAD Poster.pptx
+++ b/FMCAD Poster.pptx
@@ -121,298 +121,6 @@
     <p1510:client id="{B0A645ED-900C-C548-20FF-3E18CB47768F}" v="91" dt="2019-09-28T01:00:44.013"/>
   </p1510:revLst>
 </p1510:revInfo>
-</file>
-
-<file path=ppt/changesInfos/changesInfo1.xml><?xml version="1.0" encoding="utf-8"?>
-<pc:chgInfo xmlns:a="http://schemas.openxmlformats.org/drawingml/2006/main" xmlns:r="http://schemas.openxmlformats.org/officeDocument/2006/relationships" xmlns:ac="http://schemas.microsoft.com/office/drawing/2013/main/command" xmlns:pc="http://schemas.microsoft.com/office/powerpoint/2013/main/command">
-  <pc:docChgLst>
-    <pc:chgData name="Viswanathan, Arjun" userId="S::viswanathn@uiowa.edu::eb902a6c-57da-49b5-b5cf-fcd1835429ce" providerId="AD" clId="Web-{B0A645ED-900C-C548-20FF-3E18CB47768F}"/>
-    <pc:docChg chg="modSld">
-      <pc:chgData name="Viswanathan, Arjun" userId="S::viswanathn@uiowa.edu::eb902a6c-57da-49b5-b5cf-fcd1835429ce" providerId="AD" clId="Web-{B0A645ED-900C-C548-20FF-3E18CB47768F}" dt="2019-09-28T01:00:44.013" v="88" actId="1076"/>
-      <pc:docMkLst>
-        <pc:docMk/>
-      </pc:docMkLst>
-      <pc:sldChg chg="addSp modSp">
-        <pc:chgData name="Viswanathan, Arjun" userId="S::viswanathn@uiowa.edu::eb902a6c-57da-49b5-b5cf-fcd1835429ce" providerId="AD" clId="Web-{B0A645ED-900C-C548-20FF-3E18CB47768F}" dt="2019-09-28T01:00:44.013" v="88" actId="1076"/>
-        <pc:sldMkLst>
-          <pc:docMk/>
-          <pc:sldMk cId="1939860174" sldId="257"/>
-        </pc:sldMkLst>
-        <pc:spChg chg="mod">
-          <ac:chgData name="Viswanathan, Arjun" userId="S::viswanathn@uiowa.edu::eb902a6c-57da-49b5-b5cf-fcd1835429ce" providerId="AD" clId="Web-{B0A645ED-900C-C548-20FF-3E18CB47768F}" dt="2019-09-28T00:48:32.144" v="1" actId="1076"/>
-          <ac:spMkLst>
-            <pc:docMk/>
-            <pc:sldMk cId="1939860174" sldId="257"/>
-            <ac:spMk id="2" creationId="{9E5CA8CE-639E-4E5E-B0F3-63FDFE4E5148}"/>
-          </ac:spMkLst>
-        </pc:spChg>
-        <pc:spChg chg="add mod">
-          <ac:chgData name="Viswanathan, Arjun" userId="S::viswanathn@uiowa.edu::eb902a6c-57da-49b5-b5cf-fcd1835429ce" providerId="AD" clId="Web-{B0A645ED-900C-C548-20FF-3E18CB47768F}" dt="2019-09-28T01:00:44.013" v="88" actId="1076"/>
-          <ac:spMkLst>
-            <pc:docMk/>
-            <pc:sldMk cId="1939860174" sldId="257"/>
-            <ac:spMk id="3" creationId="{5038B24F-1D91-4A38-A0A5-F8CA1E62F5B8}"/>
-          </ac:spMkLst>
-        </pc:spChg>
-        <pc:spChg chg="add mod">
-          <ac:chgData name="Viswanathan, Arjun" userId="S::viswanathn@uiowa.edu::eb902a6c-57da-49b5-b5cf-fcd1835429ce" providerId="AD" clId="Web-{B0A645ED-900C-C548-20FF-3E18CB47768F}" dt="2019-09-28T01:00:20.920" v="82" actId="1076"/>
-          <ac:spMkLst>
-            <pc:docMk/>
-            <pc:sldMk cId="1939860174" sldId="257"/>
-            <ac:spMk id="13" creationId="{852E5876-64E9-4AF4-AF62-4D87E6A08076}"/>
-          </ac:spMkLst>
-        </pc:spChg>
-        <pc:spChg chg="mod">
-          <ac:chgData name="Viswanathan, Arjun" userId="S::viswanathn@uiowa.edu::eb902a6c-57da-49b5-b5cf-fcd1835429ce" providerId="AD" clId="Web-{B0A645ED-900C-C548-20FF-3E18CB47768F}" dt="2019-09-28T00:51:26.415" v="18" actId="20577"/>
-          <ac:spMkLst>
-            <pc:docMk/>
-            <pc:sldMk cId="1939860174" sldId="257"/>
-            <ac:spMk id="25" creationId="{7AA474C7-EFFD-40C7-B9ED-3F8C3B7827F2}"/>
-          </ac:spMkLst>
-        </pc:spChg>
-        <pc:picChg chg="mod">
-          <ac:chgData name="Viswanathan, Arjun" userId="S::viswanathn@uiowa.edu::eb902a6c-57da-49b5-b5cf-fcd1835429ce" providerId="AD" clId="Web-{B0A645ED-900C-C548-20FF-3E18CB47768F}" dt="2019-09-28T01:00:43.951" v="86" actId="1076"/>
-          <ac:picMkLst>
-            <pc:docMk/>
-            <pc:sldMk cId="1939860174" sldId="257"/>
-            <ac:picMk id="15" creationId="{970431DC-841F-48C2-9CAF-7CA428855C9B}"/>
-          </ac:picMkLst>
-        </pc:picChg>
-        <pc:picChg chg="mod">
-          <ac:chgData name="Viswanathan, Arjun" userId="S::viswanathn@uiowa.edu::eb902a6c-57da-49b5-b5cf-fcd1835429ce" providerId="AD" clId="Web-{B0A645ED-900C-C548-20FF-3E18CB47768F}" dt="2019-09-28T01:00:43.982" v="87" actId="1076"/>
-          <ac:picMkLst>
-            <pc:docMk/>
-            <pc:sldMk cId="1939860174" sldId="257"/>
-            <ac:picMk id="17" creationId="{B4ABF560-FD5C-449B-B8A1-71B78B5B9502}"/>
-          </ac:picMkLst>
-        </pc:picChg>
-      </pc:sldChg>
-    </pc:docChg>
-  </pc:docChgLst>
-  <pc:docChgLst>
-    <pc:chgData name="Viswanathan, Arjun" userId="S::viswanathn@uiowa.edu::eb902a6c-57da-49b5-b5cf-fcd1835429ce" providerId="AD" clId="Web-{869EC253-3183-9D03-DEF4-48C017D3C47D}"/>
-    <pc:docChg chg="addSld modSld">
-      <pc:chgData name="Viswanathan, Arjun" userId="S::viswanathn@uiowa.edu::eb902a6c-57da-49b5-b5cf-fcd1835429ce" providerId="AD" clId="Web-{869EC253-3183-9D03-DEF4-48C017D3C47D}" dt="2019-09-27T23:52:25.014" v="50"/>
-      <pc:docMkLst>
-        <pc:docMk/>
-      </pc:docMkLst>
-      <pc:sldChg chg="delSp modSp new">
-        <pc:chgData name="Viswanathan, Arjun" userId="S::viswanathn@uiowa.edu::eb902a6c-57da-49b5-b5cf-fcd1835429ce" providerId="AD" clId="Web-{869EC253-3183-9D03-DEF4-48C017D3C47D}" dt="2019-09-27T23:52:25.014" v="50"/>
-        <pc:sldMkLst>
-          <pc:docMk/>
-          <pc:sldMk cId="1939860174" sldId="257"/>
-        </pc:sldMkLst>
-        <pc:spChg chg="mod">
-          <ac:chgData name="Viswanathan, Arjun" userId="S::viswanathn@uiowa.edu::eb902a6c-57da-49b5-b5cf-fcd1835429ce" providerId="AD" clId="Web-{869EC253-3183-9D03-DEF4-48C017D3C47D}" dt="2019-09-27T23:49:51.990" v="49" actId="1076"/>
-          <ac:spMkLst>
-            <pc:docMk/>
-            <pc:sldMk cId="1939860174" sldId="257"/>
-            <ac:spMk id="2" creationId="{9E5CA8CE-639E-4E5E-B0F3-63FDFE4E5148}"/>
-          </ac:spMkLst>
-        </pc:spChg>
-        <pc:spChg chg="del">
-          <ac:chgData name="Viswanathan, Arjun" userId="S::viswanathn@uiowa.edu::eb902a6c-57da-49b5-b5cf-fcd1835429ce" providerId="AD" clId="Web-{869EC253-3183-9D03-DEF4-48C017D3C47D}" dt="2019-09-27T23:52:25.014" v="50"/>
-          <ac:spMkLst>
-            <pc:docMk/>
-            <pc:sldMk cId="1939860174" sldId="257"/>
-            <ac:spMk id="3" creationId="{5422886A-6B09-41FF-B83C-62C82829EEA8}"/>
-          </ac:spMkLst>
-        </pc:spChg>
-      </pc:sldChg>
-    </pc:docChg>
-  </pc:docChgLst>
-  <pc:docChgLst>
-    <pc:chgData name="Viswanathan, Arjun" userId="S::viswanathn@uiowa.edu::eb902a6c-57da-49b5-b5cf-fcd1835429ce" providerId="AD" clId="Web-{4FB6AA68-809D-F51E-F4CE-AD11CF5F0493}"/>
-    <pc:docChg chg="delSld modSld">
-      <pc:chgData name="Viswanathan, Arjun" userId="S::viswanathn@uiowa.edu::eb902a6c-57da-49b5-b5cf-fcd1835429ce" providerId="AD" clId="Web-{4FB6AA68-809D-F51E-F4CE-AD11CF5F0493}" dt="2019-09-28T00:46:43.085" v="592" actId="1076"/>
-      <pc:docMkLst>
-        <pc:docMk/>
-      </pc:docMkLst>
-      <pc:sldChg chg="del">
-        <pc:chgData name="Viswanathan, Arjun" userId="S::viswanathn@uiowa.edu::eb902a6c-57da-49b5-b5cf-fcd1835429ce" providerId="AD" clId="Web-{4FB6AA68-809D-F51E-F4CE-AD11CF5F0493}" dt="2019-09-28T00:26:37.328" v="262"/>
-        <pc:sldMkLst>
-          <pc:docMk/>
-          <pc:sldMk cId="109857222" sldId="256"/>
-        </pc:sldMkLst>
-      </pc:sldChg>
-      <pc:sldChg chg="addSp delSp modSp">
-        <pc:chgData name="Viswanathan, Arjun" userId="S::viswanathn@uiowa.edu::eb902a6c-57da-49b5-b5cf-fcd1835429ce" providerId="AD" clId="Web-{4FB6AA68-809D-F51E-F4CE-AD11CF5F0493}" dt="2019-09-28T00:46:43.085" v="592" actId="1076"/>
-        <pc:sldMkLst>
-          <pc:docMk/>
-          <pc:sldMk cId="1939860174" sldId="257"/>
-        </pc:sldMkLst>
-        <pc:spChg chg="add del mod">
-          <ac:chgData name="Viswanathan, Arjun" userId="S::viswanathn@uiowa.edu::eb902a6c-57da-49b5-b5cf-fcd1835429ce" providerId="AD" clId="Web-{4FB6AA68-809D-F51E-F4CE-AD11CF5F0493}" dt="2019-09-28T00:23:37.321" v="216"/>
-          <ac:spMkLst>
-            <pc:docMk/>
-            <pc:sldMk cId="1939860174" sldId="257"/>
-            <ac:spMk id="3" creationId="{EFD3D8EF-4755-4EF4-8047-25D67AD883FA}"/>
-          </ac:spMkLst>
-        </pc:spChg>
-        <pc:spChg chg="add del mod">
-          <ac:chgData name="Viswanathan, Arjun" userId="S::viswanathn@uiowa.edu::eb902a6c-57da-49b5-b5cf-fcd1835429ce" providerId="AD" clId="Web-{4FB6AA68-809D-F51E-F4CE-AD11CF5F0493}" dt="2019-09-28T00:23:37.321" v="215"/>
-          <ac:spMkLst>
-            <pc:docMk/>
-            <pc:sldMk cId="1939860174" sldId="257"/>
-            <ac:spMk id="4" creationId="{0CEAAF24-5E67-4314-85AA-4C2217323E84}"/>
-          </ac:spMkLst>
-        </pc:spChg>
-        <pc:spChg chg="add del mod">
-          <ac:chgData name="Viswanathan, Arjun" userId="S::viswanathn@uiowa.edu::eb902a6c-57da-49b5-b5cf-fcd1835429ce" providerId="AD" clId="Web-{4FB6AA68-809D-F51E-F4CE-AD11CF5F0493}" dt="2019-09-28T00:23:37.321" v="214"/>
-          <ac:spMkLst>
-            <pc:docMk/>
-            <pc:sldMk cId="1939860174" sldId="257"/>
-            <ac:spMk id="5" creationId="{FBC028CA-EE24-4E3E-BE3B-F94578B49FF3}"/>
-          </ac:spMkLst>
-        </pc:spChg>
-        <pc:spChg chg="add del mod">
-          <ac:chgData name="Viswanathan, Arjun" userId="S::viswanathn@uiowa.edu::eb902a6c-57da-49b5-b5cf-fcd1835429ce" providerId="AD" clId="Web-{4FB6AA68-809D-F51E-F4CE-AD11CF5F0493}" dt="2019-09-28T00:23:37.321" v="213"/>
-          <ac:spMkLst>
-            <pc:docMk/>
-            <pc:sldMk cId="1939860174" sldId="257"/>
-            <ac:spMk id="6" creationId="{74F3C6FE-DAAE-4466-A735-91A9871B0024}"/>
-          </ac:spMkLst>
-        </pc:spChg>
-        <pc:spChg chg="add del mod">
-          <ac:chgData name="Viswanathan, Arjun" userId="S::viswanathn@uiowa.edu::eb902a6c-57da-49b5-b5cf-fcd1835429ce" providerId="AD" clId="Web-{4FB6AA68-809D-F51E-F4CE-AD11CF5F0493}" dt="2019-09-28T00:23:37.321" v="212"/>
-          <ac:spMkLst>
-            <pc:docMk/>
-            <pc:sldMk cId="1939860174" sldId="257"/>
-            <ac:spMk id="7" creationId="{46F6DCCB-E80E-4F39-8915-4A16046E4BD4}"/>
-          </ac:spMkLst>
-        </pc:spChg>
-        <pc:spChg chg="add del mod">
-          <ac:chgData name="Viswanathan, Arjun" userId="S::viswanathn@uiowa.edu::eb902a6c-57da-49b5-b5cf-fcd1835429ce" providerId="AD" clId="Web-{4FB6AA68-809D-F51E-F4CE-AD11CF5F0493}" dt="2019-09-28T00:23:37.321" v="211"/>
-          <ac:spMkLst>
-            <pc:docMk/>
-            <pc:sldMk cId="1939860174" sldId="257"/>
-            <ac:spMk id="8" creationId="{41F9FEF5-DA68-4520-9350-00CF416B69EB}"/>
-          </ac:spMkLst>
-        </pc:spChg>
-        <pc:spChg chg="add del mod">
-          <ac:chgData name="Viswanathan, Arjun" userId="S::viswanathn@uiowa.edu::eb902a6c-57da-49b5-b5cf-fcd1835429ce" providerId="AD" clId="Web-{4FB6AA68-809D-F51E-F4CE-AD11CF5F0493}" dt="2019-09-28T00:23:37.321" v="210"/>
-          <ac:spMkLst>
-            <pc:docMk/>
-            <pc:sldMk cId="1939860174" sldId="257"/>
-            <ac:spMk id="9" creationId="{DEB6AA40-6DC0-4A32-8687-3BEB1AE63F30}"/>
-          </ac:spMkLst>
-        </pc:spChg>
-        <pc:spChg chg="add del mod">
-          <ac:chgData name="Viswanathan, Arjun" userId="S::viswanathn@uiowa.edu::eb902a6c-57da-49b5-b5cf-fcd1835429ce" providerId="AD" clId="Web-{4FB6AA68-809D-F51E-F4CE-AD11CF5F0493}" dt="2019-09-28T00:23:37.321" v="209"/>
-          <ac:spMkLst>
-            <pc:docMk/>
-            <pc:sldMk cId="1939860174" sldId="257"/>
-            <ac:spMk id="10" creationId="{3368403A-8487-461A-9146-055027C43865}"/>
-          </ac:spMkLst>
-        </pc:spChg>
-        <pc:spChg chg="add mod">
-          <ac:chgData name="Viswanathan, Arjun" userId="S::viswanathn@uiowa.edu::eb902a6c-57da-49b5-b5cf-fcd1835429ce" providerId="AD" clId="Web-{4FB6AA68-809D-F51E-F4CE-AD11CF5F0493}" dt="2019-09-28T00:41:09.081" v="550" actId="1076"/>
-          <ac:spMkLst>
-            <pc:docMk/>
-            <pc:sldMk cId="1939860174" sldId="257"/>
-            <ac:spMk id="21" creationId="{524DA751-EB1B-4418-B4D1-48BF50851B54}"/>
-          </ac:spMkLst>
-        </pc:spChg>
-        <pc:spChg chg="add mod">
-          <ac:chgData name="Viswanathan, Arjun" userId="S::viswanathn@uiowa.edu::eb902a6c-57da-49b5-b5cf-fcd1835429ce" providerId="AD" clId="Web-{4FB6AA68-809D-F51E-F4CE-AD11CF5F0493}" dt="2019-09-28T00:46:43.085" v="592" actId="1076"/>
-          <ac:spMkLst>
-            <pc:docMk/>
-            <pc:sldMk cId="1939860174" sldId="257"/>
-            <ac:spMk id="25" creationId="{7AA474C7-EFFD-40C7-B9ED-3F8C3B7827F2}"/>
-          </ac:spMkLst>
-        </pc:spChg>
-        <pc:graphicFrameChg chg="add mod modGraphic">
-          <ac:chgData name="Viswanathan, Arjun" userId="S::viswanathn@uiowa.edu::eb902a6c-57da-49b5-b5cf-fcd1835429ce" providerId="AD" clId="Web-{4FB6AA68-809D-F51E-F4CE-AD11CF5F0493}" dt="2019-09-28T00:41:33.363" v="553" actId="1076"/>
-          <ac:graphicFrameMkLst>
-            <pc:docMk/>
-            <pc:sldMk cId="1939860174" sldId="257"/>
-            <ac:graphicFrameMk id="20" creationId="{2245B370-14AA-45EB-B86F-5644FAB60F04}"/>
-          </ac:graphicFrameMkLst>
-        </pc:graphicFrameChg>
-        <pc:picChg chg="add del mod">
-          <ac:chgData name="Viswanathan, Arjun" userId="S::viswanathn@uiowa.edu::eb902a6c-57da-49b5-b5cf-fcd1835429ce" providerId="AD" clId="Web-{4FB6AA68-809D-F51E-F4CE-AD11CF5F0493}" dt="2019-09-27T23:57:42.896" v="40"/>
-          <ac:picMkLst>
-            <pc:docMk/>
-            <pc:sldMk cId="1939860174" sldId="257"/>
-            <ac:picMk id="11" creationId="{184A66B7-00A5-451F-9FAD-82DAE3D95B64}"/>
-          </ac:picMkLst>
-        </pc:picChg>
-        <pc:picChg chg="add del mod">
-          <ac:chgData name="Viswanathan, Arjun" userId="S::viswanathn@uiowa.edu::eb902a6c-57da-49b5-b5cf-fcd1835429ce" providerId="AD" clId="Web-{4FB6AA68-809D-F51E-F4CE-AD11CF5F0493}" dt="2019-09-27T23:57:42.881" v="39"/>
-          <ac:picMkLst>
-            <pc:docMk/>
-            <pc:sldMk cId="1939860174" sldId="257"/>
-            <ac:picMk id="13" creationId="{1AD9FBCE-5707-4713-ABE4-E7F7942B4EAC}"/>
-          </ac:picMkLst>
-        </pc:picChg>
-        <pc:picChg chg="add mod">
-          <ac:chgData name="Viswanathan, Arjun" userId="S::viswanathn@uiowa.edu::eb902a6c-57da-49b5-b5cf-fcd1835429ce" providerId="AD" clId="Web-{4FB6AA68-809D-F51E-F4CE-AD11CF5F0493}" dt="2019-09-28T00:44:46.672" v="589" actId="1076"/>
-          <ac:picMkLst>
-            <pc:docMk/>
-            <pc:sldMk cId="1939860174" sldId="257"/>
-            <ac:picMk id="15" creationId="{970431DC-841F-48C2-9CAF-7CA428855C9B}"/>
-          </ac:picMkLst>
-        </pc:picChg>
-        <pc:picChg chg="add mod">
-          <ac:chgData name="Viswanathan, Arjun" userId="S::viswanathn@uiowa.edu::eb902a6c-57da-49b5-b5cf-fcd1835429ce" providerId="AD" clId="Web-{4FB6AA68-809D-F51E-F4CE-AD11CF5F0493}" dt="2019-09-28T00:44:46.703" v="590" actId="1076"/>
-          <ac:picMkLst>
-            <pc:docMk/>
-            <pc:sldMk cId="1939860174" sldId="257"/>
-            <ac:picMk id="17" creationId="{B4ABF560-FD5C-449B-B8A1-71B78B5B9502}"/>
-          </ac:picMkLst>
-        </pc:picChg>
-        <pc:picChg chg="add mod">
-          <ac:chgData name="Viswanathan, Arjun" userId="S::viswanathn@uiowa.edu::eb902a6c-57da-49b5-b5cf-fcd1835429ce" providerId="AD" clId="Web-{4FB6AA68-809D-F51E-F4CE-AD11CF5F0493}" dt="2019-09-28T00:41:09.003" v="548" actId="1076"/>
-          <ac:picMkLst>
-            <pc:docMk/>
-            <pc:sldMk cId="1939860174" sldId="257"/>
-            <ac:picMk id="22" creationId="{9C26D9E3-52AC-4A26-B34A-916BE5627173}"/>
-          </ac:picMkLst>
-        </pc:picChg>
-        <pc:picChg chg="add mod">
-          <ac:chgData name="Viswanathan, Arjun" userId="S::viswanathn@uiowa.edu::eb902a6c-57da-49b5-b5cf-fcd1835429ce" providerId="AD" clId="Web-{4FB6AA68-809D-F51E-F4CE-AD11CF5F0493}" dt="2019-09-28T00:41:09.034" v="549" actId="1076"/>
-          <ac:picMkLst>
-            <pc:docMk/>
-            <pc:sldMk cId="1939860174" sldId="257"/>
-            <ac:picMk id="23" creationId="{62E4207C-89F2-4C67-A6C2-0E6443EF94A6}"/>
-          </ac:picMkLst>
-        </pc:picChg>
-        <pc:picChg chg="add mod">
-          <ac:chgData name="Viswanathan, Arjun" userId="S::viswanathn@uiowa.edu::eb902a6c-57da-49b5-b5cf-fcd1835429ce" providerId="AD" clId="Web-{4FB6AA68-809D-F51E-F4CE-AD11CF5F0493}" dt="2019-09-28T00:41:08.971" v="547" actId="1076"/>
-          <ac:picMkLst>
-            <pc:docMk/>
-            <pc:sldMk cId="1939860174" sldId="257"/>
-            <ac:picMk id="24" creationId="{EA1BA31D-4DC6-4E5F-956E-2B020EA86C06}"/>
-          </ac:picMkLst>
-        </pc:picChg>
-      </pc:sldChg>
-    </pc:docChg>
-  </pc:docChgLst>
-  <pc:docChgLst>
-    <pc:chgData name="Viswanathan, Arjun" userId="S::viswanathn@uiowa.edu::eb902a6c-57da-49b5-b5cf-fcd1835429ce" providerId="AD" clId="Web-{FD8E1D27-11F9-1F91-3558-DE17A3379917}"/>
-    <pc:docChg chg="modSld">
-      <pc:chgData name="Viswanathan, Arjun" userId="S::viswanathn@uiowa.edu::eb902a6c-57da-49b5-b5cf-fcd1835429ce" providerId="AD" clId="Web-{FD8E1D27-11F9-1F91-3558-DE17A3379917}" dt="2019-09-28T02:48:01.550" v="54" actId="20577"/>
-      <pc:docMkLst>
-        <pc:docMk/>
-      </pc:docMkLst>
-      <pc:sldChg chg="modSp">
-        <pc:chgData name="Viswanathan, Arjun" userId="S::viswanathn@uiowa.edu::eb902a6c-57da-49b5-b5cf-fcd1835429ce" providerId="AD" clId="Web-{FD8E1D27-11F9-1F91-3558-DE17A3379917}" dt="2019-09-28T02:48:01.550" v="54" actId="20577"/>
-        <pc:sldMkLst>
-          <pc:docMk/>
-          <pc:sldMk cId="1939860174" sldId="257"/>
-        </pc:sldMkLst>
-        <pc:spChg chg="mod">
-          <ac:chgData name="Viswanathan, Arjun" userId="S::viswanathn@uiowa.edu::eb902a6c-57da-49b5-b5cf-fcd1835429ce" providerId="AD" clId="Web-{FD8E1D27-11F9-1F91-3558-DE17A3379917}" dt="2019-09-28T02:48:01.550" v="54" actId="20577"/>
-          <ac:spMkLst>
-            <pc:docMk/>
-            <pc:sldMk cId="1939860174" sldId="257"/>
-            <ac:spMk id="25" creationId="{7AA474C7-EFFD-40C7-B9ED-3F8C3B7827F2}"/>
-          </ac:spMkLst>
-        </pc:spChg>
-      </pc:sldChg>
-    </pc:docChg>
-  </pc:docChgLst>
-</pc:chgInfo>
 </file>
 
 <file path=ppt/slideLayouts/slideLayout1.xml><?xml version="1.0" encoding="utf-8"?>
